--- a/doc/Introduction to SWIT.pptx
+++ b/doc/Introduction to SWIT.pptx
@@ -5,21 +5,27 @@
     <p:sldMasterId id="2147483648" r:id="rId1"/>
   </p:sldMasterIdLst>
   <p:notesMasterIdLst>
-    <p:notesMasterId r:id="rId9"/>
+    <p:notesMasterId r:id="rId14"/>
   </p:notesMasterIdLst>
   <p:handoutMasterIdLst>
-    <p:handoutMasterId r:id="rId10"/>
+    <p:handoutMasterId r:id="rId15"/>
   </p:handoutMasterIdLst>
   <p:sldIdLst>
-    <p:sldId id="256" r:id="rId3"/>
-    <p:sldId id="257" r:id="rId4"/>
-    <p:sldId id="258" r:id="rId5"/>
-    <p:sldId id="259" r:id="rId6"/>
-    <p:sldId id="260" r:id="rId7"/>
-    <p:sldId id="261" r:id="rId8"/>
+    <p:sldId id="262" r:id="rId2"/>
+    <p:sldId id="265" r:id="rId3"/>
+    <p:sldId id="263" r:id="rId4"/>
+    <p:sldId id="266" r:id="rId5"/>
+    <p:sldId id="267" r:id="rId6"/>
+    <p:sldId id="256" r:id="rId7"/>
+    <p:sldId id="257" r:id="rId8"/>
+    <p:sldId id="258" r:id="rId9"/>
+    <p:sldId id="259" r:id="rId10"/>
+    <p:sldId id="260" r:id="rId11"/>
+    <p:sldId id="261" r:id="rId12"/>
+    <p:sldId id="264" r:id="rId13"/>
   </p:sldIdLst>
   <p:sldSz cx="12192000" cy="6858000"/>
-  <p:notesSz cx="7103745" cy="10234295"/>
+  <p:notesSz cx="7104063" cy="10234613"/>
   <p:defaultTextStyle>
     <a:defPPr>
       <a:defRPr lang="zh-CN"/>
@@ -115,6 +121,22 @@
       </a:defRPr>
     </a:lvl9pPr>
   </p:defaultTextStyle>
+  <p:extLst>
+    <p:ext uri="{EFAFB233-063F-42B5-8137-9DF3F51BA10A}">
+      <p15:sldGuideLst xmlns:p15="http://schemas.microsoft.com/office/powerpoint/2012/main">
+        <p15:guide id="1" orient="horz" pos="2173">
+          <p15:clr>
+            <a:srgbClr val="A4A3A4"/>
+          </p15:clr>
+        </p15:guide>
+        <p15:guide id="2" pos="3770">
+          <p15:clr>
+            <a:srgbClr val="A4A3A4"/>
+          </p15:clr>
+        </p15:guide>
+      </p15:sldGuideLst>
+    </p:ext>
+  </p:extLst>
 </p:presentation>
 </file>
 
@@ -144,7 +166,7 @@
         <p:nvSpPr>
           <p:cNvPr id="2" name="页眉占位符 1"/>
           <p:cNvSpPr>
-            <a:spLocks noGrp="true"/>
+            <a:spLocks noGrp="1"/>
           </p:cNvSpPr>
           <p:nvPr>
             <p:ph type="hdr" sz="quarter"/>
@@ -175,7 +197,7 @@
         <p:nvSpPr>
           <p:cNvPr id="3" name="日期占位符 2"/>
           <p:cNvSpPr>
-            <a:spLocks noGrp="true"/>
+            <a:spLocks noGrp="1"/>
           </p:cNvSpPr>
           <p:nvPr>
             <p:ph type="dt" sz="quarter" idx="1"/>
@@ -200,6 +222,7 @@
           <a:p>
             <a:fld id="{0F9B84EA-7D68-4D60-9CB1-D50884785D1C}" type="datetimeFigureOut">
               <a:rPr lang="zh-CN" altLang="en-US" smtClean="0"/>
+              <a:t>2021/7/19</a:t>
             </a:fld>
             <a:endParaRPr lang="zh-CN" altLang="en-US"/>
           </a:p>
@@ -209,7 +232,7 @@
         <p:nvSpPr>
           <p:cNvPr id="4" name="页脚占位符 3"/>
           <p:cNvSpPr>
-            <a:spLocks noGrp="true"/>
+            <a:spLocks noGrp="1"/>
           </p:cNvSpPr>
           <p:nvPr>
             <p:ph type="ftr" sz="quarter" idx="2"/>
@@ -240,7 +263,7 @@
         <p:nvSpPr>
           <p:cNvPr id="5" name="灯片编号占位符 4"/>
           <p:cNvSpPr>
-            <a:spLocks noGrp="true"/>
+            <a:spLocks noGrp="1"/>
           </p:cNvSpPr>
           <p:nvPr>
             <p:ph type="sldNum" sz="quarter" idx="3"/>
@@ -265,12 +288,18 @@
           <a:p>
             <a:fld id="{8D4E0FC9-F1F8-4FAE-9988-3BA365CFD46F}" type="slidenum">
               <a:rPr lang="zh-CN" altLang="en-US" smtClean="0"/>
+              <a:t>‹#›</a:t>
             </a:fld>
             <a:endParaRPr lang="zh-CN" altLang="en-US"/>
           </a:p>
         </p:txBody>
       </p:sp>
     </p:spTree>
+    <p:extLst>
+      <p:ext uri="{BB962C8B-B14F-4D97-AF65-F5344CB8AC3E}">
+        <p14:creationId xmlns:p14="http://schemas.microsoft.com/office/powerpoint/2010/main" val="1"/>
+      </p:ext>
+    </p:extLst>
   </p:cSld>
   <p:clrMap bg1="lt1" tx1="dk1" bg2="lt2" tx2="dk2" accent1="accent1" accent2="accent2" accent3="accent3" accent4="accent4" accent5="accent5" accent6="accent6" hlink="hlink" folHlink="folHlink"/>
 </p:handoutMaster>
@@ -302,7 +331,7 @@
         <p:nvSpPr>
           <p:cNvPr id="2" name="页眉占位符 1"/>
           <p:cNvSpPr>
-            <a:spLocks noGrp="true"/>
+            <a:spLocks noGrp="1"/>
           </p:cNvSpPr>
           <p:nvPr>
             <p:ph type="hdr" sz="quarter"/>
@@ -333,7 +362,7 @@
         <p:nvSpPr>
           <p:cNvPr id="3" name="日期占位符 2"/>
           <p:cNvSpPr>
-            <a:spLocks noGrp="true"/>
+            <a:spLocks noGrp="1"/>
           </p:cNvSpPr>
           <p:nvPr>
             <p:ph type="dt" idx="1"/>
@@ -358,6 +387,7 @@
           <a:p>
             <a:fld id="{D6C8D182-E4C8-4120-9249-FC9774456FFA}" type="datetimeFigureOut">
               <a:rPr lang="zh-CN" altLang="en-US" smtClean="0"/>
+              <a:t>2021/7/19</a:t>
             </a:fld>
             <a:endParaRPr lang="zh-CN" altLang="en-US"/>
           </a:p>
@@ -367,7 +397,7 @@
         <p:nvSpPr>
           <p:cNvPr id="4" name="幻灯片图像占位符 3"/>
           <p:cNvSpPr>
-            <a:spLocks noGrp="true" noRot="true" noChangeAspect="true"/>
+            <a:spLocks noGrp="1" noRot="1" noChangeAspect="1"/>
           </p:cNvSpPr>
           <p:nvPr>
             <p:ph type="sldImg" idx="2"/>
@@ -400,7 +430,7 @@
         <p:nvSpPr>
           <p:cNvPr id="5" name="备注占位符 4"/>
           <p:cNvSpPr>
-            <a:spLocks noGrp="true"/>
+            <a:spLocks noGrp="1"/>
           </p:cNvSpPr>
           <p:nvPr>
             <p:ph type="body" sz="quarter" idx="3"/>
@@ -424,7 +454,6 @@
               <a:rPr lang="zh-CN" altLang="en-US"/>
               <a:t>编辑母版文本样式</a:t>
             </a:r>
-            <a:endParaRPr lang="zh-CN" altLang="en-US"/>
           </a:p>
           <a:p>
             <a:pPr lvl="1"/>
@@ -432,7 +461,6 @@
               <a:rPr lang="zh-CN" altLang="en-US"/>
               <a:t>第二级</a:t>
             </a:r>
-            <a:endParaRPr lang="zh-CN" altLang="en-US"/>
           </a:p>
           <a:p>
             <a:pPr lvl="2"/>
@@ -440,7 +468,6 @@
               <a:rPr lang="zh-CN" altLang="en-US"/>
               <a:t>第三级</a:t>
             </a:r>
-            <a:endParaRPr lang="zh-CN" altLang="en-US"/>
           </a:p>
           <a:p>
             <a:pPr lvl="3"/>
@@ -448,7 +475,6 @@
               <a:rPr lang="zh-CN" altLang="en-US"/>
               <a:t>第四级</a:t>
             </a:r>
-            <a:endParaRPr lang="zh-CN" altLang="en-US"/>
           </a:p>
           <a:p>
             <a:pPr lvl="4"/>
@@ -456,7 +482,6 @@
               <a:rPr lang="zh-CN" altLang="en-US"/>
               <a:t>第五级</a:t>
             </a:r>
-            <a:endParaRPr lang="zh-CN" altLang="en-US"/>
           </a:p>
         </p:txBody>
       </p:sp>
@@ -464,7 +489,7 @@
         <p:nvSpPr>
           <p:cNvPr id="6" name="页脚占位符 5"/>
           <p:cNvSpPr>
-            <a:spLocks noGrp="true"/>
+            <a:spLocks noGrp="1"/>
           </p:cNvSpPr>
           <p:nvPr>
             <p:ph type="ftr" sz="quarter" idx="4"/>
@@ -495,7 +520,7 @@
         <p:nvSpPr>
           <p:cNvPr id="7" name="灯片编号占位符 6"/>
           <p:cNvSpPr>
-            <a:spLocks noGrp="true"/>
+            <a:spLocks noGrp="1"/>
           </p:cNvSpPr>
           <p:nvPr>
             <p:ph type="sldNum" sz="quarter" idx="5"/>
@@ -520,6 +545,7 @@
           <a:p>
             <a:fld id="{85D0DACE-38E0-42D2-9336-2B707D34BC6D}" type="slidenum">
               <a:rPr lang="zh-CN" altLang="en-US" smtClean="0"/>
+              <a:t>‹#›</a:t>
             </a:fld>
             <a:endParaRPr lang="zh-CN" altLang="en-US"/>
           </a:p>
@@ -644,7 +670,7 @@
         <p:nvSpPr>
           <p:cNvPr id="2" name="标题 1"/>
           <p:cNvSpPr>
-            <a:spLocks noGrp="true"/>
+            <a:spLocks noGrp="1"/>
           </p:cNvSpPr>
           <p:nvPr>
             <p:ph type="ctrTitle"/>
@@ -683,9 +709,6 @@
               </a:rPr>
               <a:t>Click to edit Master title style</a:t>
             </a:r>
-            <a:endParaRPr lang="zh-CN" altLang="en-US" dirty="0">
-              <a:sym typeface="+mn-ea"/>
-            </a:endParaRPr>
           </a:p>
         </p:txBody>
       </p:sp>
@@ -693,7 +716,7 @@
         <p:nvSpPr>
           <p:cNvPr id="4" name="日期占位符 3"/>
           <p:cNvSpPr>
-            <a:spLocks noGrp="true"/>
+            <a:spLocks noGrp="1"/>
           </p:cNvSpPr>
           <p:nvPr>
             <p:ph type="dt" sz="half" idx="10"/>
@@ -706,6 +729,7 @@
           <a:p>
             <a:fld id="{760FBDFE-C587-4B4C-A407-44438C67B59E}" type="datetimeFigureOut">
               <a:rPr lang="zh-CN" altLang="en-US" smtClean="0"/>
+              <a:t>2021/7/19</a:t>
             </a:fld>
             <a:endParaRPr lang="zh-CN" altLang="en-US"/>
           </a:p>
@@ -715,7 +739,7 @@
         <p:nvSpPr>
           <p:cNvPr id="5" name="页脚占位符 4"/>
           <p:cNvSpPr>
-            <a:spLocks noGrp="true"/>
+            <a:spLocks noGrp="1"/>
           </p:cNvSpPr>
           <p:nvPr>
             <p:ph type="ftr" sz="quarter" idx="11"/>
@@ -734,7 +758,7 @@
         <p:nvSpPr>
           <p:cNvPr id="6" name="灯片编号占位符 5"/>
           <p:cNvSpPr>
-            <a:spLocks noGrp="true"/>
+            <a:spLocks noGrp="1"/>
           </p:cNvSpPr>
           <p:nvPr>
             <p:ph type="sldNum" sz="quarter" idx="12"/>
@@ -747,6 +771,7 @@
           <a:p>
             <a:fld id="{49AE70B2-8BF9-45C0-BB95-33D1B9D3A854}" type="slidenum">
               <a:rPr lang="zh-CN" altLang="en-US" smtClean="0"/>
+              <a:t>‹#›</a:t>
             </a:fld>
             <a:endParaRPr lang="zh-CN" altLang="en-US"/>
           </a:p>
@@ -756,7 +781,7 @@
         <p:nvSpPr>
           <p:cNvPr id="3" name="副标题 2"/>
           <p:cNvSpPr>
-            <a:spLocks noGrp="true"/>
+            <a:spLocks noGrp="1"/>
           </p:cNvSpPr>
           <p:nvPr>
             <p:ph type="subTitle" idx="1"/>
@@ -825,7 +850,6 @@
               <a:rPr lang="zh-CN" altLang="en-US" dirty="0"/>
               <a:t>Click to edit Master subtitle style</a:t>
             </a:r>
-            <a:endParaRPr lang="zh-CN" altLang="en-US" dirty="0"/>
           </a:p>
         </p:txBody>
       </p:sp>
@@ -858,7 +882,7 @@
         <p:nvSpPr>
           <p:cNvPr id="3" name="日期占位符 2"/>
           <p:cNvSpPr>
-            <a:spLocks noGrp="true"/>
+            <a:spLocks noGrp="1"/>
           </p:cNvSpPr>
           <p:nvPr>
             <p:ph type="dt" sz="half" idx="10"/>
@@ -871,6 +895,7 @@
           <a:p>
             <a:fld id="{760FBDFE-C587-4B4C-A407-44438C67B59E}" type="datetimeFigureOut">
               <a:rPr lang="zh-CN" altLang="en-US" smtClean="0"/>
+              <a:t>2021/7/19</a:t>
             </a:fld>
             <a:endParaRPr lang="zh-CN" altLang="en-US"/>
           </a:p>
@@ -880,7 +905,7 @@
         <p:nvSpPr>
           <p:cNvPr id="4" name="页脚占位符 3"/>
           <p:cNvSpPr>
-            <a:spLocks noGrp="true"/>
+            <a:spLocks noGrp="1"/>
           </p:cNvSpPr>
           <p:nvPr>
             <p:ph type="ftr" sz="quarter" idx="11"/>
@@ -899,7 +924,7 @@
         <p:nvSpPr>
           <p:cNvPr id="5" name="灯片编号占位符 4"/>
           <p:cNvSpPr>
-            <a:spLocks noGrp="true"/>
+            <a:spLocks noGrp="1"/>
           </p:cNvSpPr>
           <p:nvPr>
             <p:ph type="sldNum" sz="quarter" idx="12"/>
@@ -912,6 +937,7 @@
           <a:p>
             <a:fld id="{49AE70B2-8BF9-45C0-BB95-33D1B9D3A854}" type="slidenum">
               <a:rPr lang="zh-CN" altLang="en-US" smtClean="0"/>
+              <a:t>‹#›</a:t>
             </a:fld>
             <a:endParaRPr lang="zh-CN" altLang="en-US"/>
           </a:p>
@@ -921,7 +947,7 @@
         <p:nvSpPr>
           <p:cNvPr id="7" name="内容占位符 6"/>
           <p:cNvSpPr>
-            <a:spLocks noGrp="true"/>
+            <a:spLocks noGrp="1"/>
           </p:cNvSpPr>
           <p:nvPr>
             <p:ph sz="quarter" idx="13"/>
@@ -944,9 +970,6 @@
               </a:rPr>
               <a:t>Click to edit Master text styles</a:t>
             </a:r>
-            <a:endParaRPr lang="zh-CN" altLang="en-US" dirty="0">
-              <a:sym typeface="+mn-ea"/>
-            </a:endParaRPr>
           </a:p>
           <a:p>
             <a:pPr lvl="1"/>
@@ -954,7 +977,6 @@
               <a:rPr lang="zh-CN" altLang="en-US" dirty="0"/>
               <a:t>Second level</a:t>
             </a:r>
-            <a:endParaRPr lang="zh-CN" altLang="en-US" dirty="0"/>
           </a:p>
           <a:p>
             <a:pPr lvl="2"/>
@@ -962,7 +984,6 @@
               <a:rPr lang="zh-CN" altLang="en-US" dirty="0"/>
               <a:t>Third level</a:t>
             </a:r>
-            <a:endParaRPr lang="zh-CN" altLang="en-US" dirty="0"/>
           </a:p>
           <a:p>
             <a:pPr lvl="3"/>
@@ -970,7 +991,6 @@
               <a:rPr lang="zh-CN" altLang="en-US" dirty="0"/>
               <a:t>Fourth level</a:t>
             </a:r>
-            <a:endParaRPr lang="zh-CN" altLang="en-US" dirty="0"/>
           </a:p>
           <a:p>
             <a:pPr lvl="4"/>
@@ -978,7 +998,6 @@
               <a:rPr lang="zh-CN" altLang="en-US" dirty="0"/>
               <a:t>Fifth level</a:t>
             </a:r>
-            <a:endParaRPr lang="zh-CN" altLang="en-US" dirty="0"/>
           </a:p>
         </p:txBody>
       </p:sp>
@@ -1011,7 +1030,7 @@
         <p:nvSpPr>
           <p:cNvPr id="2" name="标题 1"/>
           <p:cNvSpPr>
-            <a:spLocks noGrp="true"/>
+            <a:spLocks noGrp="1"/>
           </p:cNvSpPr>
           <p:nvPr>
             <p:ph type="title"/>
@@ -1024,7 +1043,7 @@
           </a:xfrm>
         </p:spPr>
         <p:txBody>
-          <a:bodyPr anchor="ctr" anchorCtr="false">
+          <a:bodyPr anchor="ctr" anchorCtr="0">
             <a:normAutofit/>
           </a:bodyPr>
           <a:lstStyle>
@@ -1045,7 +1064,6 @@
               <a:rPr lang="zh-CN" altLang="en-US" dirty="0"/>
               <a:t>Click to edit Master title style</a:t>
             </a:r>
-            <a:endParaRPr lang="zh-CN" altLang="en-US" dirty="0"/>
           </a:p>
         </p:txBody>
       </p:sp>
@@ -1053,7 +1071,7 @@
         <p:nvSpPr>
           <p:cNvPr id="3" name="内容占位符 2"/>
           <p:cNvSpPr>
-            <a:spLocks noGrp="true"/>
+            <a:spLocks noGrp="1"/>
           </p:cNvSpPr>
           <p:nvPr>
             <p:ph idx="1"/>
@@ -1129,9 +1147,6 @@
               </a:rPr>
               <a:t>Click to edit Master text styles</a:t>
             </a:r>
-            <a:endParaRPr lang="zh-CN" altLang="en-US" dirty="0">
-              <a:sym typeface="+mn-ea"/>
-            </a:endParaRPr>
           </a:p>
           <a:p>
             <a:pPr lvl="1"/>
@@ -1139,7 +1154,6 @@
               <a:rPr lang="zh-CN" altLang="en-US" dirty="0"/>
               <a:t>Second level</a:t>
             </a:r>
-            <a:endParaRPr lang="zh-CN" altLang="en-US" dirty="0"/>
           </a:p>
           <a:p>
             <a:pPr lvl="2"/>
@@ -1147,7 +1161,6 @@
               <a:rPr lang="zh-CN" altLang="en-US" dirty="0"/>
               <a:t>Third level</a:t>
             </a:r>
-            <a:endParaRPr lang="zh-CN" altLang="en-US" dirty="0"/>
           </a:p>
           <a:p>
             <a:pPr lvl="3"/>
@@ -1155,7 +1168,6 @@
               <a:rPr lang="zh-CN" altLang="en-US" dirty="0"/>
               <a:t>Fourth level</a:t>
             </a:r>
-            <a:endParaRPr lang="zh-CN" altLang="en-US" dirty="0"/>
           </a:p>
           <a:p>
             <a:pPr lvl="4"/>
@@ -1163,7 +1175,6 @@
               <a:rPr lang="zh-CN" altLang="en-US" dirty="0"/>
               <a:t>Fifth level</a:t>
             </a:r>
-            <a:endParaRPr lang="zh-CN" altLang="en-US" dirty="0"/>
           </a:p>
         </p:txBody>
       </p:sp>
@@ -1171,7 +1182,7 @@
         <p:nvSpPr>
           <p:cNvPr id="4" name="日期占位符 3"/>
           <p:cNvSpPr>
-            <a:spLocks noGrp="true"/>
+            <a:spLocks noGrp="1"/>
           </p:cNvSpPr>
           <p:nvPr>
             <p:ph type="dt" sz="half" idx="10"/>
@@ -1184,6 +1195,7 @@
           <a:p>
             <a:fld id="{760FBDFE-C587-4B4C-A407-44438C67B59E}" type="datetimeFigureOut">
               <a:rPr lang="zh-CN" altLang="en-US" smtClean="0"/>
+              <a:t>2021/7/19</a:t>
             </a:fld>
             <a:endParaRPr lang="zh-CN" altLang="en-US"/>
           </a:p>
@@ -1193,7 +1205,7 @@
         <p:nvSpPr>
           <p:cNvPr id="5" name="页脚占位符 4"/>
           <p:cNvSpPr>
-            <a:spLocks noGrp="true"/>
+            <a:spLocks noGrp="1"/>
           </p:cNvSpPr>
           <p:nvPr>
             <p:ph type="ftr" sz="quarter" idx="11"/>
@@ -1212,7 +1224,7 @@
         <p:nvSpPr>
           <p:cNvPr id="6" name="灯片编号占位符 5"/>
           <p:cNvSpPr>
-            <a:spLocks noGrp="true"/>
+            <a:spLocks noGrp="1"/>
           </p:cNvSpPr>
           <p:nvPr>
             <p:ph type="sldNum" sz="quarter" idx="12"/>
@@ -1225,6 +1237,7 @@
           <a:p>
             <a:fld id="{49AE70B2-8BF9-45C0-BB95-33D1B9D3A854}" type="slidenum">
               <a:rPr lang="zh-CN" altLang="en-US" smtClean="0"/>
+              <a:t>‹#›</a:t>
             </a:fld>
             <a:endParaRPr lang="zh-CN" altLang="en-US"/>
           </a:p>
@@ -1259,7 +1272,7 @@
         <p:nvSpPr>
           <p:cNvPr id="2" name="标题 1"/>
           <p:cNvSpPr>
-            <a:spLocks noGrp="true"/>
+            <a:spLocks noGrp="1"/>
           </p:cNvSpPr>
           <p:nvPr>
             <p:ph type="title"/>
@@ -1293,7 +1306,6 @@
               <a:rPr lang="zh-CN" altLang="en-US" dirty="0"/>
               <a:t>Click to edit Master title style</a:t>
             </a:r>
-            <a:endParaRPr lang="zh-CN" altLang="en-US" dirty="0"/>
           </a:p>
         </p:txBody>
       </p:sp>
@@ -1301,7 +1313,7 @@
         <p:nvSpPr>
           <p:cNvPr id="3" name="文本占位符 2"/>
           <p:cNvSpPr>
-            <a:spLocks noGrp="true"/>
+            <a:spLocks noGrp="1"/>
           </p:cNvSpPr>
           <p:nvPr>
             <p:ph type="body" idx="1"/>
@@ -1415,9 +1427,6 @@
               </a:rPr>
               <a:t>Click to edit Master text styles</a:t>
             </a:r>
-            <a:endParaRPr lang="zh-CN" altLang="en-US" dirty="0">
-              <a:sym typeface="+mn-ea"/>
-            </a:endParaRPr>
           </a:p>
         </p:txBody>
       </p:sp>
@@ -1425,7 +1434,7 @@
         <p:nvSpPr>
           <p:cNvPr id="4" name="日期占位符 3"/>
           <p:cNvSpPr>
-            <a:spLocks noGrp="true"/>
+            <a:spLocks noGrp="1"/>
           </p:cNvSpPr>
           <p:nvPr>
             <p:ph type="dt" sz="half" idx="10"/>
@@ -1438,6 +1447,7 @@
           <a:p>
             <a:fld id="{760FBDFE-C587-4B4C-A407-44438C67B59E}" type="datetimeFigureOut">
               <a:rPr lang="zh-CN" altLang="en-US" smtClean="0"/>
+              <a:t>2021/7/19</a:t>
             </a:fld>
             <a:endParaRPr lang="zh-CN" altLang="en-US"/>
           </a:p>
@@ -1447,7 +1457,7 @@
         <p:nvSpPr>
           <p:cNvPr id="5" name="页脚占位符 4"/>
           <p:cNvSpPr>
-            <a:spLocks noGrp="true"/>
+            <a:spLocks noGrp="1"/>
           </p:cNvSpPr>
           <p:nvPr>
             <p:ph type="ftr" sz="quarter" idx="11"/>
@@ -1466,7 +1476,7 @@
         <p:nvSpPr>
           <p:cNvPr id="6" name="灯片编号占位符 5"/>
           <p:cNvSpPr>
-            <a:spLocks noGrp="true"/>
+            <a:spLocks noGrp="1"/>
           </p:cNvSpPr>
           <p:nvPr>
             <p:ph type="sldNum" sz="quarter" idx="12"/>
@@ -1479,6 +1489,7 @@
           <a:p>
             <a:fld id="{49AE70B2-8BF9-45C0-BB95-33D1B9D3A854}" type="slidenum">
               <a:rPr lang="zh-CN" altLang="en-US" smtClean="0"/>
+              <a:t>‹#›</a:t>
             </a:fld>
             <a:endParaRPr lang="zh-CN" altLang="en-US"/>
           </a:p>
@@ -1513,7 +1524,7 @@
         <p:nvSpPr>
           <p:cNvPr id="2" name="标题 1"/>
           <p:cNvSpPr>
-            <a:spLocks noGrp="true"/>
+            <a:spLocks noGrp="1"/>
           </p:cNvSpPr>
           <p:nvPr>
             <p:ph type="title"/>
@@ -1547,7 +1558,6 @@
               <a:rPr lang="zh-CN" altLang="en-US" dirty="0"/>
               <a:t>Click to edit Master title style</a:t>
             </a:r>
-            <a:endParaRPr lang="zh-CN" altLang="en-US" dirty="0"/>
           </a:p>
         </p:txBody>
       </p:sp>
@@ -1555,7 +1565,7 @@
         <p:nvSpPr>
           <p:cNvPr id="3" name="内容占位符 2"/>
           <p:cNvSpPr>
-            <a:spLocks noGrp="true"/>
+            <a:spLocks noGrp="1"/>
           </p:cNvSpPr>
           <p:nvPr>
             <p:ph sz="half" idx="1"/>
@@ -1646,9 +1656,6 @@
               </a:rPr>
               <a:t>Click to edit Master text styles</a:t>
             </a:r>
-            <a:endParaRPr lang="zh-CN" altLang="en-US" dirty="0">
-              <a:sym typeface="+mn-ea"/>
-            </a:endParaRPr>
           </a:p>
           <a:p>
             <a:pPr lvl="1"/>
@@ -1656,7 +1663,6 @@
               <a:rPr lang="zh-CN" altLang="en-US" dirty="0"/>
               <a:t>Second level</a:t>
             </a:r>
-            <a:endParaRPr lang="zh-CN" altLang="en-US" dirty="0"/>
           </a:p>
           <a:p>
             <a:pPr lvl="2"/>
@@ -1664,7 +1670,6 @@
               <a:rPr lang="zh-CN" altLang="en-US" dirty="0"/>
               <a:t>Third level</a:t>
             </a:r>
-            <a:endParaRPr lang="zh-CN" altLang="en-US" dirty="0"/>
           </a:p>
           <a:p>
             <a:pPr lvl="3"/>
@@ -1672,7 +1677,6 @@
               <a:rPr lang="zh-CN" altLang="en-US" dirty="0"/>
               <a:t>Fourth level</a:t>
             </a:r>
-            <a:endParaRPr lang="zh-CN" altLang="en-US" dirty="0"/>
           </a:p>
           <a:p>
             <a:pPr lvl="4"/>
@@ -1680,7 +1684,6 @@
               <a:rPr lang="zh-CN" altLang="en-US" dirty="0"/>
               <a:t>Fifth level</a:t>
             </a:r>
-            <a:endParaRPr lang="zh-CN" altLang="en-US" dirty="0"/>
           </a:p>
         </p:txBody>
       </p:sp>
@@ -1688,7 +1691,7 @@
         <p:nvSpPr>
           <p:cNvPr id="4" name="内容占位符 3"/>
           <p:cNvSpPr>
-            <a:spLocks noGrp="true"/>
+            <a:spLocks noGrp="1"/>
           </p:cNvSpPr>
           <p:nvPr>
             <p:ph sz="half" idx="2"/>
@@ -1779,9 +1782,6 @@
               </a:rPr>
               <a:t>Click to edit Master text styles</a:t>
             </a:r>
-            <a:endParaRPr lang="zh-CN" altLang="en-US" dirty="0">
-              <a:sym typeface="+mn-ea"/>
-            </a:endParaRPr>
           </a:p>
           <a:p>
             <a:pPr lvl="1"/>
@@ -1789,7 +1789,6 @@
               <a:rPr lang="zh-CN" altLang="en-US" dirty="0"/>
               <a:t>Second level</a:t>
             </a:r>
-            <a:endParaRPr lang="zh-CN" altLang="en-US" dirty="0"/>
           </a:p>
           <a:p>
             <a:pPr lvl="2"/>
@@ -1797,7 +1796,6 @@
               <a:rPr lang="zh-CN" altLang="en-US" dirty="0"/>
               <a:t>Third level</a:t>
             </a:r>
-            <a:endParaRPr lang="zh-CN" altLang="en-US" dirty="0"/>
           </a:p>
           <a:p>
             <a:pPr lvl="3"/>
@@ -1805,7 +1803,6 @@
               <a:rPr lang="zh-CN" altLang="en-US" dirty="0"/>
               <a:t>Fourth level</a:t>
             </a:r>
-            <a:endParaRPr lang="zh-CN" altLang="en-US" dirty="0"/>
           </a:p>
           <a:p>
             <a:pPr lvl="4"/>
@@ -1813,7 +1810,6 @@
               <a:rPr lang="zh-CN" altLang="en-US" dirty="0"/>
               <a:t>Fifth level</a:t>
             </a:r>
-            <a:endParaRPr lang="zh-CN" altLang="en-US" dirty="0"/>
           </a:p>
         </p:txBody>
       </p:sp>
@@ -1821,7 +1817,7 @@
         <p:nvSpPr>
           <p:cNvPr id="5" name="日期占位符 4"/>
           <p:cNvSpPr>
-            <a:spLocks noGrp="true"/>
+            <a:spLocks noGrp="1"/>
           </p:cNvSpPr>
           <p:nvPr>
             <p:ph type="dt" sz="half" idx="10"/>
@@ -1834,6 +1830,7 @@
           <a:p>
             <a:fld id="{760FBDFE-C587-4B4C-A407-44438C67B59E}" type="datetimeFigureOut">
               <a:rPr lang="zh-CN" altLang="en-US" smtClean="0"/>
+              <a:t>2021/7/19</a:t>
             </a:fld>
             <a:endParaRPr lang="zh-CN" altLang="en-US"/>
           </a:p>
@@ -1843,7 +1840,7 @@
         <p:nvSpPr>
           <p:cNvPr id="6" name="页脚占位符 5"/>
           <p:cNvSpPr>
-            <a:spLocks noGrp="true"/>
+            <a:spLocks noGrp="1"/>
           </p:cNvSpPr>
           <p:nvPr>
             <p:ph type="ftr" sz="quarter" idx="11"/>
@@ -1862,7 +1859,7 @@
         <p:nvSpPr>
           <p:cNvPr id="7" name="灯片编号占位符 6"/>
           <p:cNvSpPr>
-            <a:spLocks noGrp="true"/>
+            <a:spLocks noGrp="1"/>
           </p:cNvSpPr>
           <p:nvPr>
             <p:ph type="sldNum" sz="quarter" idx="12"/>
@@ -1875,6 +1872,7 @@
           <a:p>
             <a:fld id="{49AE70B2-8BF9-45C0-BB95-33D1B9D3A854}" type="slidenum">
               <a:rPr lang="zh-CN" altLang="en-US" smtClean="0"/>
+              <a:t>‹#›</a:t>
             </a:fld>
             <a:endParaRPr lang="zh-CN" altLang="en-US"/>
           </a:p>
@@ -1909,7 +1907,7 @@
         <p:nvSpPr>
           <p:cNvPr id="2" name="标题 1"/>
           <p:cNvSpPr>
-            <a:spLocks noGrp="true"/>
+            <a:spLocks noGrp="1"/>
           </p:cNvSpPr>
           <p:nvPr>
             <p:ph type="title"/>
@@ -1929,7 +1927,6 @@
               <a:rPr lang="zh-CN" altLang="en-US"/>
               <a:t>Click to edit Master title style</a:t>
             </a:r>
-            <a:endParaRPr lang="zh-CN" altLang="en-US"/>
           </a:p>
         </p:txBody>
       </p:sp>
@@ -1937,7 +1934,7 @@
         <p:nvSpPr>
           <p:cNvPr id="3" name="文本占位符 2"/>
           <p:cNvSpPr>
-            <a:spLocks noGrp="true"/>
+            <a:spLocks noGrp="1"/>
           </p:cNvSpPr>
           <p:nvPr>
             <p:ph type="body" idx="1"/>
@@ -1997,9 +1994,6 @@
               </a:rPr>
               <a:t>Click to edit Master text styles</a:t>
             </a:r>
-            <a:endParaRPr lang="zh-CN" altLang="en-US" dirty="0">
-              <a:sym typeface="+mn-ea"/>
-            </a:endParaRPr>
           </a:p>
         </p:txBody>
       </p:sp>
@@ -2007,7 +2001,7 @@
         <p:nvSpPr>
           <p:cNvPr id="4" name="内容占位符 3"/>
           <p:cNvSpPr>
-            <a:spLocks noGrp="true"/>
+            <a:spLocks noGrp="1"/>
           </p:cNvSpPr>
           <p:nvPr>
             <p:ph sz="half" idx="2"/>
@@ -2030,9 +2024,6 @@
               </a:rPr>
               <a:t>Click to edit Master text styles</a:t>
             </a:r>
-            <a:endParaRPr lang="zh-CN" altLang="en-US" dirty="0">
-              <a:sym typeface="+mn-ea"/>
-            </a:endParaRPr>
           </a:p>
           <a:p>
             <a:pPr lvl="1"/>
@@ -2040,7 +2031,6 @@
               <a:rPr lang="zh-CN" altLang="en-US" dirty="0"/>
               <a:t>Second level</a:t>
             </a:r>
-            <a:endParaRPr lang="zh-CN" altLang="en-US" dirty="0"/>
           </a:p>
           <a:p>
             <a:pPr lvl="2"/>
@@ -2048,7 +2038,6 @@
               <a:rPr lang="zh-CN" altLang="en-US" dirty="0"/>
               <a:t>Third level</a:t>
             </a:r>
-            <a:endParaRPr lang="zh-CN" altLang="en-US" dirty="0"/>
           </a:p>
           <a:p>
             <a:pPr lvl="3"/>
@@ -2056,7 +2045,6 @@
               <a:rPr lang="zh-CN" altLang="en-US" dirty="0"/>
               <a:t>Fourth level</a:t>
             </a:r>
-            <a:endParaRPr lang="zh-CN" altLang="en-US" dirty="0"/>
           </a:p>
           <a:p>
             <a:pPr lvl="4"/>
@@ -2064,7 +2052,6 @@
               <a:rPr lang="zh-CN" altLang="en-US" dirty="0"/>
               <a:t>Fifth level</a:t>
             </a:r>
-            <a:endParaRPr lang="zh-CN" altLang="en-US" dirty="0"/>
           </a:p>
         </p:txBody>
       </p:sp>
@@ -2072,7 +2059,7 @@
         <p:nvSpPr>
           <p:cNvPr id="5" name="文本占位符 4"/>
           <p:cNvSpPr>
-            <a:spLocks noGrp="true"/>
+            <a:spLocks noGrp="1"/>
           </p:cNvSpPr>
           <p:nvPr>
             <p:ph type="body" sz="quarter" idx="3"/>
@@ -2132,9 +2119,6 @@
               </a:rPr>
               <a:t>Click to edit Master text styles</a:t>
             </a:r>
-            <a:endParaRPr lang="zh-CN" altLang="en-US" dirty="0">
-              <a:sym typeface="+mn-ea"/>
-            </a:endParaRPr>
           </a:p>
         </p:txBody>
       </p:sp>
@@ -2142,7 +2126,7 @@
         <p:nvSpPr>
           <p:cNvPr id="6" name="内容占位符 5"/>
           <p:cNvSpPr>
-            <a:spLocks noGrp="true"/>
+            <a:spLocks noGrp="1"/>
           </p:cNvSpPr>
           <p:nvPr>
             <p:ph sz="quarter" idx="4"/>
@@ -2165,9 +2149,6 @@
               </a:rPr>
               <a:t>Click to edit Master text styles</a:t>
             </a:r>
-            <a:endParaRPr lang="zh-CN" altLang="en-US" dirty="0">
-              <a:sym typeface="+mn-ea"/>
-            </a:endParaRPr>
           </a:p>
           <a:p>
             <a:pPr lvl="1"/>
@@ -2175,7 +2156,6 @@
               <a:rPr lang="zh-CN" altLang="en-US" dirty="0"/>
               <a:t>Second level</a:t>
             </a:r>
-            <a:endParaRPr lang="zh-CN" altLang="en-US" dirty="0"/>
           </a:p>
           <a:p>
             <a:pPr lvl="2"/>
@@ -2183,7 +2163,6 @@
               <a:rPr lang="zh-CN" altLang="en-US" dirty="0"/>
               <a:t>Third level</a:t>
             </a:r>
-            <a:endParaRPr lang="zh-CN" altLang="en-US" dirty="0"/>
           </a:p>
           <a:p>
             <a:pPr lvl="3"/>
@@ -2191,7 +2170,6 @@
               <a:rPr lang="zh-CN" altLang="en-US" dirty="0"/>
               <a:t>Fourth level</a:t>
             </a:r>
-            <a:endParaRPr lang="zh-CN" altLang="en-US" dirty="0"/>
           </a:p>
           <a:p>
             <a:pPr lvl="4"/>
@@ -2199,7 +2177,6 @@
               <a:rPr lang="zh-CN" altLang="en-US" dirty="0"/>
               <a:t>Fifth level</a:t>
             </a:r>
-            <a:endParaRPr lang="zh-CN" altLang="en-US" dirty="0"/>
           </a:p>
         </p:txBody>
       </p:sp>
@@ -2207,7 +2184,7 @@
         <p:nvSpPr>
           <p:cNvPr id="7" name="日期占位符 6"/>
           <p:cNvSpPr>
-            <a:spLocks noGrp="true"/>
+            <a:spLocks noGrp="1"/>
           </p:cNvSpPr>
           <p:nvPr>
             <p:ph type="dt" sz="half" idx="10"/>
@@ -2220,6 +2197,7 @@
           <a:p>
             <a:fld id="{760FBDFE-C587-4B4C-A407-44438C67B59E}" type="datetimeFigureOut">
               <a:rPr lang="zh-CN" altLang="en-US" smtClean="0"/>
+              <a:t>2021/7/19</a:t>
             </a:fld>
             <a:endParaRPr lang="zh-CN" altLang="en-US"/>
           </a:p>
@@ -2229,7 +2207,7 @@
         <p:nvSpPr>
           <p:cNvPr id="8" name="页脚占位符 7"/>
           <p:cNvSpPr>
-            <a:spLocks noGrp="true"/>
+            <a:spLocks noGrp="1"/>
           </p:cNvSpPr>
           <p:nvPr>
             <p:ph type="ftr" sz="quarter" idx="11"/>
@@ -2248,7 +2226,7 @@
         <p:nvSpPr>
           <p:cNvPr id="9" name="灯片编号占位符 8"/>
           <p:cNvSpPr>
-            <a:spLocks noGrp="true"/>
+            <a:spLocks noGrp="1"/>
           </p:cNvSpPr>
           <p:nvPr>
             <p:ph type="sldNum" sz="quarter" idx="12"/>
@@ -2261,6 +2239,7 @@
           <a:p>
             <a:fld id="{49AE70B2-8BF9-45C0-BB95-33D1B9D3A854}" type="slidenum">
               <a:rPr lang="zh-CN" altLang="en-US" smtClean="0"/>
+              <a:t>‹#›</a:t>
             </a:fld>
             <a:endParaRPr lang="zh-CN" altLang="en-US"/>
           </a:p>
@@ -2295,7 +2274,7 @@
         <p:nvSpPr>
           <p:cNvPr id="2" name="标题 1"/>
           <p:cNvSpPr>
-            <a:spLocks noGrp="true"/>
+            <a:spLocks noGrp="1"/>
           </p:cNvSpPr>
           <p:nvPr>
             <p:ph type="title"/>
@@ -2329,7 +2308,6 @@
               <a:rPr lang="zh-CN" altLang="en-US" dirty="0"/>
               <a:t>Click to edit Master title style</a:t>
             </a:r>
-            <a:endParaRPr lang="zh-CN" altLang="en-US" dirty="0"/>
           </a:p>
         </p:txBody>
       </p:sp>
@@ -2337,7 +2315,7 @@
         <p:nvSpPr>
           <p:cNvPr id="3" name="日期占位符 2"/>
           <p:cNvSpPr>
-            <a:spLocks noGrp="true"/>
+            <a:spLocks noGrp="1"/>
           </p:cNvSpPr>
           <p:nvPr>
             <p:ph type="dt" sz="half" idx="10"/>
@@ -2350,6 +2328,7 @@
           <a:p>
             <a:fld id="{760FBDFE-C587-4B4C-A407-44438C67B59E}" type="datetimeFigureOut">
               <a:rPr lang="zh-CN" altLang="en-US" smtClean="0"/>
+              <a:t>2021/7/19</a:t>
             </a:fld>
             <a:endParaRPr lang="zh-CN" altLang="en-US"/>
           </a:p>
@@ -2359,7 +2338,7 @@
         <p:nvSpPr>
           <p:cNvPr id="4" name="页脚占位符 3"/>
           <p:cNvSpPr>
-            <a:spLocks noGrp="true"/>
+            <a:spLocks noGrp="1"/>
           </p:cNvSpPr>
           <p:nvPr>
             <p:ph type="ftr" sz="quarter" idx="11"/>
@@ -2378,7 +2357,7 @@
         <p:nvSpPr>
           <p:cNvPr id="5" name="灯片编号占位符 4"/>
           <p:cNvSpPr>
-            <a:spLocks noGrp="true"/>
+            <a:spLocks noGrp="1"/>
           </p:cNvSpPr>
           <p:nvPr>
             <p:ph type="sldNum" sz="quarter" idx="12"/>
@@ -2391,6 +2370,7 @@
           <a:p>
             <a:fld id="{49AE70B2-8BF9-45C0-BB95-33D1B9D3A854}" type="slidenum">
               <a:rPr lang="zh-CN" altLang="en-US" smtClean="0"/>
+              <a:t>‹#›</a:t>
             </a:fld>
             <a:endParaRPr lang="zh-CN" altLang="en-US"/>
           </a:p>
@@ -2425,7 +2405,7 @@
         <p:nvSpPr>
           <p:cNvPr id="2" name="日期占位符 1"/>
           <p:cNvSpPr>
-            <a:spLocks noGrp="true"/>
+            <a:spLocks noGrp="1"/>
           </p:cNvSpPr>
           <p:nvPr>
             <p:ph type="dt" sz="half" idx="10"/>
@@ -2438,6 +2418,7 @@
           <a:p>
             <a:fld id="{760FBDFE-C587-4B4C-A407-44438C67B59E}" type="datetimeFigureOut">
               <a:rPr lang="zh-CN" altLang="en-US" smtClean="0"/>
+              <a:t>2021/7/19</a:t>
             </a:fld>
             <a:endParaRPr lang="zh-CN" altLang="en-US"/>
           </a:p>
@@ -2447,7 +2428,7 @@
         <p:nvSpPr>
           <p:cNvPr id="3" name="页脚占位符 2"/>
           <p:cNvSpPr>
-            <a:spLocks noGrp="true"/>
+            <a:spLocks noGrp="1"/>
           </p:cNvSpPr>
           <p:nvPr>
             <p:ph type="ftr" sz="quarter" idx="11"/>
@@ -2466,7 +2447,7 @@
         <p:nvSpPr>
           <p:cNvPr id="4" name="灯片编号占位符 3"/>
           <p:cNvSpPr>
-            <a:spLocks noGrp="true"/>
+            <a:spLocks noGrp="1"/>
           </p:cNvSpPr>
           <p:nvPr>
             <p:ph type="sldNum" sz="quarter" idx="12"/>
@@ -2479,6 +2460,7 @@
           <a:p>
             <a:fld id="{49AE70B2-8BF9-45C0-BB95-33D1B9D3A854}" type="slidenum">
               <a:rPr lang="zh-CN" altLang="en-US" smtClean="0"/>
+              <a:t>‹#›</a:t>
             </a:fld>
             <a:endParaRPr lang="zh-CN" altLang="en-US"/>
           </a:p>
@@ -2513,7 +2495,7 @@
         <p:nvSpPr>
           <p:cNvPr id="2" name="标题 1"/>
           <p:cNvSpPr>
-            <a:spLocks noGrp="true"/>
+            <a:spLocks noGrp="1"/>
           </p:cNvSpPr>
           <p:nvPr>
             <p:ph type="title"/>
@@ -2526,7 +2508,7 @@
           </a:xfrm>
         </p:spPr>
         <p:txBody>
-          <a:bodyPr anchor="ctr" anchorCtr="false">
+          <a:bodyPr anchor="ctr" anchorCtr="0">
             <a:normAutofit/>
           </a:bodyPr>
           <a:lstStyle>
@@ -2549,9 +2531,6 @@
               </a:rPr>
               <a:t>Click to edit Master title style</a:t>
             </a:r>
-            <a:endParaRPr lang="zh-CN" altLang="en-US" dirty="0">
-              <a:sym typeface="+mn-ea"/>
-            </a:endParaRPr>
           </a:p>
         </p:txBody>
       </p:sp>
@@ -2559,7 +2538,7 @@
         <p:nvSpPr>
           <p:cNvPr id="3" name="图片占位符 2"/>
           <p:cNvSpPr>
-            <a:spLocks noGrp="true" noChangeAspect="true"/>
+            <a:spLocks noGrp="1" noChangeAspect="1"/>
           </p:cNvSpPr>
           <p:nvPr>
             <p:ph type="pic" idx="1"/>
@@ -2620,7 +2599,7 @@
         <p:nvSpPr>
           <p:cNvPr id="4" name="文本占位符 3"/>
           <p:cNvSpPr>
-            <a:spLocks noGrp="true"/>
+            <a:spLocks noGrp="1"/>
           </p:cNvSpPr>
           <p:nvPr>
             <p:ph type="body" sz="half" idx="2"/>
@@ -2683,7 +2662,6 @@
               <a:rPr lang="zh-CN" altLang="en-US" dirty="0"/>
               <a:t>Click to edit Master text styles</a:t>
             </a:r>
-            <a:endParaRPr lang="zh-CN" altLang="en-US" dirty="0"/>
           </a:p>
         </p:txBody>
       </p:sp>
@@ -2691,7 +2669,7 @@
         <p:nvSpPr>
           <p:cNvPr id="5" name="日期占位符 4"/>
           <p:cNvSpPr>
-            <a:spLocks noGrp="true"/>
+            <a:spLocks noGrp="1"/>
           </p:cNvSpPr>
           <p:nvPr>
             <p:ph type="dt" sz="half" idx="10"/>
@@ -2704,6 +2682,7 @@
           <a:p>
             <a:fld id="{9EFD9D74-47D9-4702-A33C-335B63B48DBF}" type="datetimeFigureOut">
               <a:rPr lang="zh-CN" altLang="en-US" smtClean="0"/>
+              <a:t>2021/7/19</a:t>
             </a:fld>
             <a:endParaRPr lang="zh-CN" altLang="en-US" dirty="0"/>
           </a:p>
@@ -2713,7 +2692,7 @@
         <p:nvSpPr>
           <p:cNvPr id="6" name="页脚占位符 5"/>
           <p:cNvSpPr>
-            <a:spLocks noGrp="true"/>
+            <a:spLocks noGrp="1"/>
           </p:cNvSpPr>
           <p:nvPr>
             <p:ph type="ftr" sz="quarter" idx="11"/>
@@ -2732,7 +2711,7 @@
         <p:nvSpPr>
           <p:cNvPr id="7" name="灯片编号占位符 6"/>
           <p:cNvSpPr>
-            <a:spLocks noGrp="true"/>
+            <a:spLocks noGrp="1"/>
           </p:cNvSpPr>
           <p:nvPr>
             <p:ph type="sldNum" sz="quarter" idx="12"/>
@@ -2745,6 +2724,7 @@
           <a:p>
             <a:fld id="{FABC47A4-756D-490B-A52F-7D9E2C9FC05F}" type="slidenum">
               <a:rPr lang="zh-CN" altLang="en-US" smtClean="0"/>
+              <a:t>‹#›</a:t>
             </a:fld>
             <a:endParaRPr lang="zh-CN" altLang="en-US"/>
           </a:p>
@@ -2752,9 +2732,9 @@
       </p:sp>
       <p:cxnSp>
         <p:nvCxnSpPr>
-          <p:cNvPr id="8" name="直接连接符 7" hidden="true"/>
+          <p:cNvPr id="8" name="直接连接符 7" hidden="1"/>
           <p:cNvCxnSpPr/>
-          <p:nvPr userDrawn="true"/>
+          <p:nvPr userDrawn="1"/>
         </p:nvCxnSpPr>
         <p:spPr>
           <a:xfrm>
@@ -2809,7 +2789,7 @@
         <p:nvSpPr>
           <p:cNvPr id="2" name="竖排标题 1"/>
           <p:cNvSpPr>
-            <a:spLocks noGrp="true"/>
+            <a:spLocks noGrp="1"/>
           </p:cNvSpPr>
           <p:nvPr>
             <p:ph type="title" orient="vert"/>
@@ -2835,7 +2815,6 @@
               <a:rPr lang="zh-CN" altLang="en-US"/>
               <a:t>Click to edit Master title style</a:t>
             </a:r>
-            <a:endParaRPr lang="zh-CN" altLang="en-US"/>
           </a:p>
         </p:txBody>
       </p:sp>
@@ -2843,7 +2822,7 @@
         <p:nvSpPr>
           <p:cNvPr id="3" name="竖排文字占位符 2"/>
           <p:cNvSpPr>
-            <a:spLocks noGrp="true"/>
+            <a:spLocks noGrp="1"/>
           </p:cNvSpPr>
           <p:nvPr>
             <p:ph type="body" orient="vert" idx="1"/>
@@ -2866,9 +2845,6 @@
               </a:rPr>
               <a:t>Click to edit Master text styles</a:t>
             </a:r>
-            <a:endParaRPr lang="zh-CN" altLang="en-US" dirty="0">
-              <a:sym typeface="+mn-ea"/>
-            </a:endParaRPr>
           </a:p>
           <a:p>
             <a:pPr lvl="1"/>
@@ -2876,7 +2852,6 @@
               <a:rPr lang="zh-CN" altLang="en-US" dirty="0"/>
               <a:t>Second level</a:t>
             </a:r>
-            <a:endParaRPr lang="zh-CN" altLang="en-US" dirty="0"/>
           </a:p>
           <a:p>
             <a:pPr lvl="2"/>
@@ -2884,7 +2859,6 @@
               <a:rPr lang="zh-CN" altLang="en-US" dirty="0"/>
               <a:t>Third level</a:t>
             </a:r>
-            <a:endParaRPr lang="zh-CN" altLang="en-US" dirty="0"/>
           </a:p>
           <a:p>
             <a:pPr lvl="3"/>
@@ -2892,7 +2866,6 @@
               <a:rPr lang="zh-CN" altLang="en-US" dirty="0"/>
               <a:t>Fourth level</a:t>
             </a:r>
-            <a:endParaRPr lang="zh-CN" altLang="en-US" dirty="0"/>
           </a:p>
           <a:p>
             <a:pPr lvl="4"/>
@@ -2900,7 +2873,6 @@
               <a:rPr lang="zh-CN" altLang="en-US" dirty="0"/>
               <a:t>Fifth level</a:t>
             </a:r>
-            <a:endParaRPr lang="zh-CN" altLang="en-US" dirty="0"/>
           </a:p>
         </p:txBody>
       </p:sp>
@@ -2908,7 +2880,7 @@
         <p:nvSpPr>
           <p:cNvPr id="4" name="日期占位符 3"/>
           <p:cNvSpPr>
-            <a:spLocks noGrp="true"/>
+            <a:spLocks noGrp="1"/>
           </p:cNvSpPr>
           <p:nvPr>
             <p:ph type="dt" sz="half" idx="10"/>
@@ -2921,6 +2893,7 @@
           <a:p>
             <a:fld id="{760FBDFE-C587-4B4C-A407-44438C67B59E}" type="datetimeFigureOut">
               <a:rPr lang="zh-CN" altLang="en-US" smtClean="0"/>
+              <a:t>2021/7/19</a:t>
             </a:fld>
             <a:endParaRPr lang="zh-CN" altLang="en-US"/>
           </a:p>
@@ -2930,7 +2903,7 @@
         <p:nvSpPr>
           <p:cNvPr id="5" name="页脚占位符 4"/>
           <p:cNvSpPr>
-            <a:spLocks noGrp="true"/>
+            <a:spLocks noGrp="1"/>
           </p:cNvSpPr>
           <p:nvPr>
             <p:ph type="ftr" sz="quarter" idx="11"/>
@@ -2949,7 +2922,7 @@
         <p:nvSpPr>
           <p:cNvPr id="6" name="灯片编号占位符 5"/>
           <p:cNvSpPr>
-            <a:spLocks noGrp="true"/>
+            <a:spLocks noGrp="1"/>
           </p:cNvSpPr>
           <p:nvPr>
             <p:ph type="sldNum" sz="quarter" idx="12"/>
@@ -2962,6 +2935,7 @@
           <a:p>
             <a:fld id="{49AE70B2-8BF9-45C0-BB95-33D1B9D3A854}" type="slidenum">
               <a:rPr lang="zh-CN" altLang="en-US" smtClean="0"/>
+              <a:t>‹#›</a:t>
             </a:fld>
             <a:endParaRPr lang="zh-CN" altLang="en-US"/>
           </a:p>
@@ -3004,7 +2978,7 @@
         <p:nvSpPr>
           <p:cNvPr id="2" name="标题占位符 1"/>
           <p:cNvSpPr>
-            <a:spLocks noGrp="true"/>
+            <a:spLocks noGrp="1"/>
           </p:cNvSpPr>
           <p:nvPr>
             <p:ph type="title"/>
@@ -3029,7 +3003,6 @@
               <a:rPr lang="zh-CN" altLang="en-US" dirty="0"/>
               <a:t>Click to edit Master title style</a:t>
             </a:r>
-            <a:endParaRPr lang="zh-CN" altLang="en-US" dirty="0"/>
           </a:p>
         </p:txBody>
       </p:sp>
@@ -3037,7 +3010,7 @@
         <p:nvSpPr>
           <p:cNvPr id="3" name="文本占位符 2"/>
           <p:cNvSpPr>
-            <a:spLocks noGrp="true"/>
+            <a:spLocks noGrp="1"/>
           </p:cNvSpPr>
           <p:nvPr>
             <p:ph type="body" idx="1"/>
@@ -3065,9 +3038,6 @@
               </a:rPr>
               <a:t>Click to edit Master text styles</a:t>
             </a:r>
-            <a:endParaRPr lang="zh-CN" altLang="en-US" dirty="0">
-              <a:sym typeface="+mn-ea"/>
-            </a:endParaRPr>
           </a:p>
           <a:p>
             <a:pPr lvl="1"/>
@@ -3075,7 +3045,6 @@
               <a:rPr lang="zh-CN" altLang="en-US" dirty="0"/>
               <a:t>Second level</a:t>
             </a:r>
-            <a:endParaRPr lang="zh-CN" altLang="en-US" dirty="0"/>
           </a:p>
           <a:p>
             <a:pPr lvl="2"/>
@@ -3083,7 +3052,6 @@
               <a:rPr lang="zh-CN" altLang="en-US" dirty="0"/>
               <a:t>Third level</a:t>
             </a:r>
-            <a:endParaRPr lang="zh-CN" altLang="en-US" dirty="0"/>
           </a:p>
           <a:p>
             <a:pPr lvl="3"/>
@@ -3091,7 +3059,6 @@
               <a:rPr lang="zh-CN" altLang="en-US" dirty="0"/>
               <a:t>Fourth level</a:t>
             </a:r>
-            <a:endParaRPr lang="zh-CN" altLang="en-US" dirty="0"/>
           </a:p>
           <a:p>
             <a:pPr lvl="4"/>
@@ -3099,7 +3066,6 @@
               <a:rPr lang="zh-CN" altLang="en-US" dirty="0"/>
               <a:t>Fifth level</a:t>
             </a:r>
-            <a:endParaRPr lang="zh-CN" altLang="en-US" dirty="0"/>
           </a:p>
         </p:txBody>
       </p:sp>
@@ -3107,7 +3073,7 @@
         <p:nvSpPr>
           <p:cNvPr id="4" name="日期占位符 3"/>
           <p:cNvSpPr>
-            <a:spLocks noGrp="true"/>
+            <a:spLocks noGrp="1"/>
           </p:cNvSpPr>
           <p:nvPr>
             <p:ph type="dt" sz="half" idx="2"/>
@@ -3140,6 +3106,7 @@
           <a:p>
             <a:fld id="{760FBDFE-C587-4B4C-A407-44438C67B59E}" type="datetimeFigureOut">
               <a:rPr lang="zh-CN" altLang="en-US" smtClean="0"/>
+              <a:t>2021/7/19</a:t>
             </a:fld>
             <a:endParaRPr lang="zh-CN" altLang="en-US"/>
           </a:p>
@@ -3149,7 +3116,7 @@
         <p:nvSpPr>
           <p:cNvPr id="5" name="页脚占位符 4"/>
           <p:cNvSpPr>
-            <a:spLocks noGrp="true"/>
+            <a:spLocks noGrp="1"/>
           </p:cNvSpPr>
           <p:nvPr>
             <p:ph type="ftr" sz="quarter" idx="3"/>
@@ -3188,7 +3155,7 @@
         <p:nvSpPr>
           <p:cNvPr id="6" name="灯片编号占位符 5"/>
           <p:cNvSpPr>
-            <a:spLocks noGrp="true"/>
+            <a:spLocks noGrp="1"/>
           </p:cNvSpPr>
           <p:nvPr>
             <p:ph type="sldNum" sz="quarter" idx="4"/>
@@ -3221,6 +3188,7 @@
           <a:p>
             <a:fld id="{49AE70B2-8BF9-45C0-BB95-33D1B9D3A854}" type="slidenum">
               <a:rPr lang="zh-CN" altLang="en-US" smtClean="0"/>
+              <a:t>‹#›</a:t>
             </a:fld>
             <a:endParaRPr lang="zh-CN" altLang="en-US"/>
           </a:p>
@@ -3533,17 +3501,2190 @@
         <p:cNvGrpSpPr/>
         <p:nvPr/>
       </p:nvGrpSpPr>
-      <p:grpSpPr/>
+      <p:grpSpPr>
+        <a:xfrm>
+          <a:off x="0" y="0"/>
+          <a:ext cx="0" cy="0"/>
+          <a:chOff x="0" y="0"/>
+          <a:chExt cx="0" cy="0"/>
+        </a:xfrm>
+      </p:grpSpPr>
+      <p:sp>
+        <p:nvSpPr>
+          <p:cNvPr id="4" name="Rectangle 3">
+            <a:extLst>
+              <a:ext uri="{FF2B5EF4-FFF2-40B4-BE49-F238E27FC236}">
+                <a16:creationId xmlns:a16="http://schemas.microsoft.com/office/drawing/2014/main" id="{D4FAAC47-C95B-E549-BE7A-6467E008AFEB}"/>
+              </a:ext>
+            </a:extLst>
+          </p:cNvPr>
+          <p:cNvSpPr/>
+          <p:nvPr/>
+        </p:nvSpPr>
+        <p:spPr>
+          <a:xfrm>
+            <a:off x="0" y="1502162"/>
+            <a:ext cx="12192000" cy="1654748"/>
+          </a:xfrm>
+          <a:prstGeom prst="rect">
+            <a:avLst/>
+          </a:prstGeom>
+        </p:spPr>
+        <p:txBody>
+          <a:bodyPr wrap="square">
+            <a:spAutoFit/>
+          </a:bodyPr>
+          <a:lstStyle/>
+          <a:p>
+            <a:pPr algn="ctr">
+              <a:lnSpc>
+                <a:spcPct val="150000"/>
+              </a:lnSpc>
+            </a:pPr>
+            <a:r>
+              <a:rPr lang="en-CN" sz="3600" dirty="0">
+                <a:latin typeface="Times New Roman" panose="02020603050405020304" pitchFamily="18" charset="0"/>
+                <a:cs typeface="Times New Roman" panose="02020603050405020304" pitchFamily="18" charset="0"/>
+              </a:rPr>
+              <a:t>Introduction to</a:t>
+            </a:r>
+            <a:endParaRPr lang="en-US" altLang="zh-CN" sz="3600" dirty="0">
+              <a:latin typeface="Times New Roman" panose="02020603050405020304" pitchFamily="18" charset="0"/>
+              <a:cs typeface="Times New Roman" panose="02020603050405020304" pitchFamily="18" charset="0"/>
+            </a:endParaRPr>
+          </a:p>
+          <a:p>
+            <a:pPr algn="ctr">
+              <a:lnSpc>
+                <a:spcPct val="150000"/>
+              </a:lnSpc>
+            </a:pPr>
+            <a:r>
+              <a:rPr lang="en-US" altLang="zh-CN" sz="3600" b="1" dirty="0">
+                <a:latin typeface="Times New Roman" panose="02020603050405020304" pitchFamily="18" charset="0"/>
+                <a:cs typeface="Times New Roman" panose="02020603050405020304" pitchFamily="18" charset="0"/>
+              </a:rPr>
+              <a:t>S</a:t>
+            </a:r>
+            <a:r>
+              <a:rPr lang="en-US" altLang="zh-CN" sz="3600" dirty="0">
+                <a:latin typeface="Times New Roman" panose="02020603050405020304" pitchFamily="18" charset="0"/>
+                <a:cs typeface="Times New Roman" panose="02020603050405020304" pitchFamily="18" charset="0"/>
+              </a:rPr>
+              <a:t>eismic </a:t>
+            </a:r>
+            <a:r>
+              <a:rPr lang="en-US" altLang="zh-CN" sz="3600" b="1" dirty="0">
+                <a:latin typeface="Times New Roman" panose="02020603050405020304" pitchFamily="18" charset="0"/>
+                <a:cs typeface="Times New Roman" panose="02020603050405020304" pitchFamily="18" charset="0"/>
+              </a:rPr>
+              <a:t>W</a:t>
+            </a:r>
+            <a:r>
+              <a:rPr lang="en-US" altLang="zh-CN" sz="3600" dirty="0">
+                <a:latin typeface="Times New Roman" panose="02020603050405020304" pitchFamily="18" charset="0"/>
+                <a:cs typeface="Times New Roman" panose="02020603050405020304" pitchFamily="18" charset="0"/>
+              </a:rPr>
+              <a:t>aveform </a:t>
+            </a:r>
+            <a:r>
+              <a:rPr lang="en-US" altLang="zh-CN" sz="3600" b="1" dirty="0">
+                <a:latin typeface="Times New Roman" panose="02020603050405020304" pitchFamily="18" charset="0"/>
+                <a:cs typeface="Times New Roman" panose="02020603050405020304" pitchFamily="18" charset="0"/>
+              </a:rPr>
+              <a:t>I</a:t>
+            </a:r>
+            <a:r>
+              <a:rPr lang="en-US" altLang="zh-CN" sz="3600" dirty="0">
+                <a:latin typeface="Times New Roman" panose="02020603050405020304" pitchFamily="18" charset="0"/>
+                <a:cs typeface="Times New Roman" panose="02020603050405020304" pitchFamily="18" charset="0"/>
+              </a:rPr>
+              <a:t>nversion </a:t>
+            </a:r>
+            <a:r>
+              <a:rPr lang="en-US" altLang="zh-CN" sz="3600" b="1" dirty="0">
+                <a:latin typeface="Times New Roman" panose="02020603050405020304" pitchFamily="18" charset="0"/>
+                <a:cs typeface="Times New Roman" panose="02020603050405020304" pitchFamily="18" charset="0"/>
+              </a:rPr>
+              <a:t>T</a:t>
+            </a:r>
+            <a:r>
+              <a:rPr lang="en-US" altLang="zh-CN" sz="3600" dirty="0">
+                <a:latin typeface="Times New Roman" panose="02020603050405020304" pitchFamily="18" charset="0"/>
+                <a:cs typeface="Times New Roman" panose="02020603050405020304" pitchFamily="18" charset="0"/>
+              </a:rPr>
+              <a:t>oolbox-1.0</a:t>
+            </a:r>
+          </a:p>
+        </p:txBody>
+      </p:sp>
+      <p:sp>
+        <p:nvSpPr>
+          <p:cNvPr id="5" name="Rectangle 4">
+            <a:extLst>
+              <a:ext uri="{FF2B5EF4-FFF2-40B4-BE49-F238E27FC236}">
+                <a16:creationId xmlns:a16="http://schemas.microsoft.com/office/drawing/2014/main" id="{18B34FB2-AAB3-7A48-80DF-D974CD86EBFF}"/>
+              </a:ext>
+            </a:extLst>
+          </p:cNvPr>
+          <p:cNvSpPr/>
+          <p:nvPr/>
+        </p:nvSpPr>
+        <p:spPr>
+          <a:xfrm>
+            <a:off x="0" y="4119546"/>
+            <a:ext cx="12192000" cy="1307089"/>
+          </a:xfrm>
+          <a:prstGeom prst="rect">
+            <a:avLst/>
+          </a:prstGeom>
+        </p:spPr>
+        <p:txBody>
+          <a:bodyPr wrap="square">
+            <a:spAutoFit/>
+          </a:bodyPr>
+          <a:lstStyle/>
+          <a:p>
+            <a:pPr algn="ctr">
+              <a:lnSpc>
+                <a:spcPct val="150000"/>
+              </a:lnSpc>
+            </a:pPr>
+            <a:r>
+              <a:rPr lang="en-US" sz="2800" dirty="0">
+                <a:latin typeface="Times New Roman" panose="02020603050405020304" pitchFamily="18" charset="0"/>
+                <a:cs typeface="Times New Roman" panose="02020603050405020304" pitchFamily="18" charset="0"/>
+              </a:rPr>
+              <a:t>Haipeng Li @ USTC</a:t>
+            </a:r>
+          </a:p>
+          <a:p>
+            <a:pPr algn="ctr">
+              <a:lnSpc>
+                <a:spcPct val="150000"/>
+              </a:lnSpc>
+            </a:pPr>
+            <a:r>
+              <a:rPr lang="en-US" sz="2800" dirty="0">
+                <a:latin typeface="Times New Roman" panose="02020603050405020304" pitchFamily="18" charset="0"/>
+                <a:cs typeface="Times New Roman" panose="02020603050405020304" pitchFamily="18" charset="0"/>
+              </a:rPr>
+              <a:t>July 2021</a:t>
+            </a:r>
+            <a:endParaRPr lang="en-CN" sz="2800" dirty="0"/>
+          </a:p>
+        </p:txBody>
+      </p:sp>
+    </p:spTree>
+    <p:extLst>
+      <p:ext uri="{BB962C8B-B14F-4D97-AF65-F5344CB8AC3E}">
+        <p14:creationId xmlns:p14="http://schemas.microsoft.com/office/powerpoint/2010/main" val="2204114879"/>
+      </p:ext>
+    </p:extLst>
+  </p:cSld>
+  <p:clrMapOvr>
+    <a:masterClrMapping/>
+  </p:clrMapOvr>
+</p:sld>
+</file>
+
+<file path=ppt/slides/slide10.xml><?xml version="1.0" encoding="utf-8"?>
+<p:sld xmlns:a="http://schemas.openxmlformats.org/drawingml/2006/main" xmlns:r="http://schemas.openxmlformats.org/officeDocument/2006/relationships" xmlns:p="http://schemas.openxmlformats.org/presentationml/2006/main">
+  <p:cSld>
+    <p:spTree>
+      <p:nvGrpSpPr>
+        <p:cNvPr id="1" name=""/>
+        <p:cNvGrpSpPr/>
+        <p:nvPr/>
+      </p:nvGrpSpPr>
+      <p:grpSpPr>
+        <a:xfrm>
+          <a:off x="0" y="0"/>
+          <a:ext cx="0" cy="0"/>
+          <a:chOff x="0" y="0"/>
+          <a:chExt cx="0" cy="0"/>
+        </a:xfrm>
+      </p:grpSpPr>
+      <p:pic>
+        <p:nvPicPr>
+          <p:cNvPr id="5" name="Picture 4" descr="Screenshot from 2021-07-05 21-28-42"/>
+          <p:cNvPicPr>
+            <a:picLocks noChangeAspect="1"/>
+          </p:cNvPicPr>
+          <p:nvPr/>
+        </p:nvPicPr>
+        <p:blipFill>
+          <a:blip r:embed="rId2"/>
+          <a:stretch>
+            <a:fillRect/>
+          </a:stretch>
+        </p:blipFill>
+        <p:spPr>
+          <a:xfrm>
+            <a:off x="848231" y="655889"/>
+            <a:ext cx="4829175" cy="6305550"/>
+          </a:xfrm>
+          <a:prstGeom prst="rect">
+            <a:avLst/>
+          </a:prstGeom>
+        </p:spPr>
+      </p:pic>
+      <p:sp>
+        <p:nvSpPr>
+          <p:cNvPr id="22" name="Text Box 21"/>
+          <p:cNvSpPr txBox="1"/>
+          <p:nvPr/>
+        </p:nvSpPr>
+        <p:spPr>
+          <a:xfrm>
+            <a:off x="4705856" y="1712291"/>
+            <a:ext cx="4829174" cy="307777"/>
+          </a:xfrm>
+          <a:prstGeom prst="rect">
+            <a:avLst/>
+          </a:prstGeom>
+          <a:noFill/>
+        </p:spPr>
+        <p:txBody>
+          <a:bodyPr wrap="square" rtlCol="0">
+            <a:spAutoFit/>
+          </a:bodyPr>
+          <a:lstStyle/>
+          <a:p>
+            <a:r>
+              <a:rPr lang="" altLang="en-US" sz="1400" dirty="0">
+                <a:latin typeface="Helvetica" pitchFamily="2" charset="0"/>
+              </a:rPr>
+              <a:t>Set misfit function: Waveform, Traveltime, etc.</a:t>
+            </a:r>
+          </a:p>
+        </p:txBody>
+      </p:sp>
+      <p:sp>
+        <p:nvSpPr>
+          <p:cNvPr id="7" name="Text Box 6"/>
+          <p:cNvSpPr txBox="1"/>
+          <p:nvPr/>
+        </p:nvSpPr>
+        <p:spPr>
+          <a:xfrm>
+            <a:off x="4705855" y="1937199"/>
+            <a:ext cx="6877686" cy="307777"/>
+          </a:xfrm>
+          <a:prstGeom prst="rect">
+            <a:avLst/>
+          </a:prstGeom>
+          <a:noFill/>
+        </p:spPr>
+        <p:txBody>
+          <a:bodyPr wrap="square" rtlCol="0">
+            <a:spAutoFit/>
+          </a:bodyPr>
+          <a:lstStyle/>
+          <a:p>
+            <a:r>
+              <a:rPr lang="" altLang="en-US" sz="1400" dirty="0">
+                <a:latin typeface="Helvetica" pitchFamily="2" charset="0"/>
+              </a:rPr>
+              <a:t>Set optimization scheme: NLCG or L-BFGS (NLCG is </a:t>
+            </a:r>
+            <a:r>
+              <a:rPr lang="en-US" altLang="en-US" sz="1400" dirty="0">
+                <a:latin typeface="Helvetica" pitchFamily="2" charset="0"/>
+              </a:rPr>
+              <a:t>recommended</a:t>
+            </a:r>
+            <a:r>
+              <a:rPr lang="" altLang="en-US" sz="1400" dirty="0">
+                <a:latin typeface="Helvetica" pitchFamily="2" charset="0"/>
+              </a:rPr>
+              <a:t>)</a:t>
+            </a:r>
+            <a:endParaRPr lang="en-US" altLang="en-US" sz="1400" dirty="0">
+              <a:latin typeface="Helvetica" pitchFamily="2" charset="0"/>
+            </a:endParaRPr>
+          </a:p>
+        </p:txBody>
+      </p:sp>
+      <p:sp>
+        <p:nvSpPr>
+          <p:cNvPr id="9" name="Text Box 8"/>
+          <p:cNvSpPr txBox="1"/>
+          <p:nvPr/>
+        </p:nvSpPr>
+        <p:spPr>
+          <a:xfrm>
+            <a:off x="4705855" y="2154269"/>
+            <a:ext cx="5131435" cy="307777"/>
+          </a:xfrm>
+          <a:prstGeom prst="rect">
+            <a:avLst/>
+          </a:prstGeom>
+          <a:noFill/>
+        </p:spPr>
+        <p:txBody>
+          <a:bodyPr wrap="square" rtlCol="0">
+            <a:spAutoFit/>
+          </a:bodyPr>
+          <a:lstStyle/>
+          <a:p>
+            <a:r>
+              <a:rPr lang="" altLang="en-US" sz="1400" dirty="0">
+                <a:latin typeface="Helvetica" pitchFamily="2" charset="0"/>
+              </a:rPr>
+              <a:t>Set step length, i..e, 0.01 or 0.02 (with respect to Vp model) </a:t>
+            </a:r>
+          </a:p>
+        </p:txBody>
+      </p:sp>
+      <p:sp>
+        <p:nvSpPr>
+          <p:cNvPr id="18" name="Text Box 17"/>
+          <p:cNvSpPr txBox="1"/>
+          <p:nvPr/>
+        </p:nvSpPr>
+        <p:spPr>
+          <a:xfrm>
+            <a:off x="4705854" y="3044763"/>
+            <a:ext cx="7416736" cy="307777"/>
+          </a:xfrm>
+          <a:prstGeom prst="rect">
+            <a:avLst/>
+          </a:prstGeom>
+          <a:noFill/>
+        </p:spPr>
+        <p:txBody>
+          <a:bodyPr wrap="square" rtlCol="0">
+            <a:spAutoFit/>
+          </a:bodyPr>
+          <a:lstStyle/>
+          <a:p>
+            <a:r>
+              <a:rPr lang="en-US" altLang="en-US" sz="1400" dirty="0">
+                <a:latin typeface="Helvetica" pitchFamily="2" charset="0"/>
+              </a:rPr>
+              <a:t>S</a:t>
+            </a:r>
+            <a:r>
+              <a:rPr lang="" altLang="en-US" sz="1400" dirty="0">
+                <a:latin typeface="Helvetica" pitchFamily="2" charset="0"/>
+              </a:rPr>
+              <a:t>et gradient mute. In marine case, it’s the water layer size; in land case, set as ~10 (in grid)</a:t>
+            </a:r>
+          </a:p>
+        </p:txBody>
+      </p:sp>
+      <p:sp>
+        <p:nvSpPr>
+          <p:cNvPr id="20" name="Text Box 19"/>
+          <p:cNvSpPr txBox="1"/>
+          <p:nvPr/>
+        </p:nvSpPr>
+        <p:spPr>
+          <a:xfrm>
+            <a:off x="4705854" y="3262878"/>
+            <a:ext cx="5131435" cy="307777"/>
+          </a:xfrm>
+          <a:prstGeom prst="rect">
+            <a:avLst/>
+          </a:prstGeom>
+          <a:noFill/>
+        </p:spPr>
+        <p:txBody>
+          <a:bodyPr wrap="square" rtlCol="0">
+            <a:spAutoFit/>
+          </a:bodyPr>
+          <a:lstStyle/>
+          <a:p>
+            <a:r>
+              <a:rPr lang="en-US" altLang="en-US" sz="1400" dirty="0">
+                <a:latin typeface="Helvetica" pitchFamily="2" charset="0"/>
+              </a:rPr>
+              <a:t>Set gradient smoothing size, i.e., 10 </a:t>
+            </a:r>
+            <a:r>
+              <a:rPr lang="" altLang="en-US" sz="1400" dirty="0">
+                <a:latin typeface="Helvetica" pitchFamily="2" charset="0"/>
+              </a:rPr>
+              <a:t>(in grid) </a:t>
+            </a:r>
+            <a:endParaRPr lang="en-US" altLang="en-US" sz="1400" dirty="0">
+              <a:latin typeface="Helvetica" pitchFamily="2" charset="0"/>
+            </a:endParaRPr>
+          </a:p>
+        </p:txBody>
+      </p:sp>
+      <p:sp>
+        <p:nvSpPr>
+          <p:cNvPr id="23" name="Text Box 22"/>
+          <p:cNvSpPr txBox="1"/>
+          <p:nvPr/>
+        </p:nvSpPr>
+        <p:spPr>
+          <a:xfrm>
+            <a:off x="4719674" y="4587187"/>
+            <a:ext cx="5663565" cy="307777"/>
+          </a:xfrm>
+          <a:prstGeom prst="rect">
+            <a:avLst/>
+          </a:prstGeom>
+          <a:noFill/>
+        </p:spPr>
+        <p:txBody>
+          <a:bodyPr wrap="square" rtlCol="0">
+            <a:spAutoFit/>
+          </a:bodyPr>
+          <a:lstStyle/>
+          <a:p>
+            <a:r>
+              <a:rPr lang="" altLang="en-US" sz="1400" dirty="0">
+                <a:latin typeface="Helvetica" pitchFamily="2" charset="0"/>
+              </a:rPr>
+              <a:t>Set the time window after the first break, i.e., 1.0 (in s) </a:t>
+            </a:r>
+          </a:p>
+        </p:txBody>
+      </p:sp>
+      <p:sp>
+        <p:nvSpPr>
+          <p:cNvPr id="26" name="Text Box 25"/>
+          <p:cNvSpPr txBox="1"/>
+          <p:nvPr/>
+        </p:nvSpPr>
+        <p:spPr>
+          <a:xfrm>
+            <a:off x="4705853" y="5027033"/>
+            <a:ext cx="5663565" cy="307777"/>
+          </a:xfrm>
+          <a:prstGeom prst="rect">
+            <a:avLst/>
+          </a:prstGeom>
+          <a:noFill/>
+        </p:spPr>
+        <p:txBody>
+          <a:bodyPr wrap="square" rtlCol="0">
+            <a:spAutoFit/>
+          </a:bodyPr>
+          <a:lstStyle/>
+          <a:p>
+            <a:r>
+              <a:rPr lang="" altLang="en-US" sz="1400" dirty="0">
+                <a:latin typeface="Helvetica" pitchFamily="2" charset="0"/>
+              </a:rPr>
+              <a:t>Set the distance to mute near </a:t>
+            </a:r>
+            <a:r>
+              <a:rPr lang="en-US" altLang="en-US" sz="1400" dirty="0">
+                <a:latin typeface="Helvetica" pitchFamily="2" charset="0"/>
+              </a:rPr>
+              <a:t>offset distance </a:t>
+            </a:r>
+            <a:r>
+              <a:rPr lang="" altLang="en-US" sz="1400" dirty="0">
+                <a:latin typeface="Helvetica" pitchFamily="2" charset="0"/>
+              </a:rPr>
+              <a:t>(</a:t>
+            </a:r>
+            <a:r>
+              <a:rPr lang="en-US" altLang="en-US" sz="1400" dirty="0">
+                <a:latin typeface="Helvetica" pitchFamily="2" charset="0"/>
+              </a:rPr>
+              <a:t>in m</a:t>
+            </a:r>
+            <a:r>
+              <a:rPr lang="" altLang="en-US" sz="1400" dirty="0">
+                <a:latin typeface="Helvetica" pitchFamily="2" charset="0"/>
+              </a:rPr>
+              <a:t>)</a:t>
+            </a:r>
+          </a:p>
+        </p:txBody>
+      </p:sp>
+      <p:sp>
+        <p:nvSpPr>
+          <p:cNvPr id="52" name="Text Box 51"/>
+          <p:cNvSpPr txBox="1"/>
+          <p:nvPr/>
+        </p:nvSpPr>
+        <p:spPr>
+          <a:xfrm>
+            <a:off x="4705854" y="2391759"/>
+            <a:ext cx="5131435" cy="307777"/>
+          </a:xfrm>
+          <a:prstGeom prst="rect">
+            <a:avLst/>
+          </a:prstGeom>
+          <a:noFill/>
+        </p:spPr>
+        <p:txBody>
+          <a:bodyPr wrap="square" rtlCol="0">
+            <a:spAutoFit/>
+          </a:bodyPr>
+          <a:lstStyle/>
+          <a:p>
+            <a:r>
+              <a:rPr lang="en-US" altLang="en-US" sz="1400" dirty="0">
+                <a:latin typeface="Helvetica" pitchFamily="2" charset="0"/>
+              </a:rPr>
+              <a:t>Set number of iteration</a:t>
+            </a:r>
+          </a:p>
+        </p:txBody>
+      </p:sp>
+      <p:sp>
+        <p:nvSpPr>
+          <p:cNvPr id="53" name="Text Box 52"/>
+          <p:cNvSpPr txBox="1"/>
+          <p:nvPr/>
+        </p:nvSpPr>
+        <p:spPr>
+          <a:xfrm>
+            <a:off x="4705854" y="2853500"/>
+            <a:ext cx="5131435" cy="307777"/>
+          </a:xfrm>
+          <a:prstGeom prst="rect">
+            <a:avLst/>
+          </a:prstGeom>
+          <a:noFill/>
+        </p:spPr>
+        <p:txBody>
+          <a:bodyPr wrap="square" rtlCol="0">
+            <a:spAutoFit/>
+          </a:bodyPr>
+          <a:lstStyle/>
+          <a:p>
+            <a:r>
+              <a:rPr lang="en-US" altLang="en-US" sz="1400" dirty="0">
+                <a:latin typeface="Helvetica" pitchFamily="2" charset="0"/>
+              </a:rPr>
+              <a:t>Minimum </a:t>
+            </a:r>
+            <a:r>
+              <a:rPr lang="en-US" altLang="en-US" sz="1400" dirty="0" err="1">
+                <a:latin typeface="Helvetica" pitchFamily="2" charset="0"/>
+              </a:rPr>
+              <a:t>Vp</a:t>
+            </a:r>
+            <a:r>
+              <a:rPr lang="en-US" altLang="en-US" sz="1400" dirty="0">
+                <a:latin typeface="Helvetica" pitchFamily="2" charset="0"/>
+              </a:rPr>
+              <a:t> (in m/s)</a:t>
+            </a:r>
+          </a:p>
+        </p:txBody>
+      </p:sp>
+      <p:sp>
+        <p:nvSpPr>
+          <p:cNvPr id="54" name="Text Box 53"/>
+          <p:cNvSpPr txBox="1"/>
+          <p:nvPr/>
+        </p:nvSpPr>
+        <p:spPr>
+          <a:xfrm>
+            <a:off x="4705854" y="2616010"/>
+            <a:ext cx="5131435" cy="307777"/>
+          </a:xfrm>
+          <a:prstGeom prst="rect">
+            <a:avLst/>
+          </a:prstGeom>
+          <a:noFill/>
+        </p:spPr>
+        <p:txBody>
+          <a:bodyPr wrap="square" rtlCol="0">
+            <a:spAutoFit/>
+          </a:bodyPr>
+          <a:lstStyle/>
+          <a:p>
+            <a:r>
+              <a:rPr lang="" altLang="en-US" sz="1400" dirty="0">
+                <a:latin typeface="Helvetica" pitchFamily="2" charset="0"/>
+              </a:rPr>
+              <a:t>Maximum </a:t>
+            </a:r>
+            <a:r>
+              <a:rPr lang="en-US" altLang="en-US" sz="1400" dirty="0" err="1">
+                <a:latin typeface="Helvetica" pitchFamily="2" charset="0"/>
+              </a:rPr>
+              <a:t>Vp</a:t>
+            </a:r>
+            <a:r>
+              <a:rPr lang="en-US" altLang="en-US" sz="1400" dirty="0">
+                <a:latin typeface="Helvetica" pitchFamily="2" charset="0"/>
+              </a:rPr>
+              <a:t> (in m/s)</a:t>
+            </a:r>
+          </a:p>
+        </p:txBody>
+      </p:sp>
+      <p:sp>
+        <p:nvSpPr>
+          <p:cNvPr id="35" name="Text Box 19">
+            <a:extLst>
+              <a:ext uri="{FF2B5EF4-FFF2-40B4-BE49-F238E27FC236}">
+                <a16:creationId xmlns:a16="http://schemas.microsoft.com/office/drawing/2014/main" id="{35939AF2-C0CD-BF4C-B859-F9A491223A08}"/>
+              </a:ext>
+            </a:extLst>
+          </p:cNvPr>
+          <p:cNvSpPr txBox="1"/>
+          <p:nvPr/>
+        </p:nvSpPr>
+        <p:spPr>
+          <a:xfrm>
+            <a:off x="4705853" y="3492289"/>
+            <a:ext cx="6454210" cy="307777"/>
+          </a:xfrm>
+          <a:prstGeom prst="rect">
+            <a:avLst/>
+          </a:prstGeom>
+          <a:noFill/>
+        </p:spPr>
+        <p:txBody>
+          <a:bodyPr wrap="square" rtlCol="0">
+            <a:spAutoFit/>
+          </a:bodyPr>
+          <a:lstStyle/>
+          <a:p>
+            <a:r>
+              <a:rPr lang="en-US" altLang="en-US" sz="1400" dirty="0">
+                <a:latin typeface="Helvetica" pitchFamily="2" charset="0"/>
+              </a:rPr>
+              <a:t>Set whether to normalize the data. If so, set which type </a:t>
+            </a:r>
+          </a:p>
+        </p:txBody>
+      </p:sp>
+      <p:sp>
+        <p:nvSpPr>
+          <p:cNvPr id="36" name="Text Box 19">
+            <a:extLst>
+              <a:ext uri="{FF2B5EF4-FFF2-40B4-BE49-F238E27FC236}">
+                <a16:creationId xmlns:a16="http://schemas.microsoft.com/office/drawing/2014/main" id="{5C92A31E-79A1-6C4B-ACAF-9FA1DC06C563}"/>
+              </a:ext>
+            </a:extLst>
+          </p:cNvPr>
+          <p:cNvSpPr txBox="1"/>
+          <p:nvPr/>
+        </p:nvSpPr>
+        <p:spPr>
+          <a:xfrm>
+            <a:off x="4719675" y="3712075"/>
+            <a:ext cx="6700270" cy="307777"/>
+          </a:xfrm>
+          <a:prstGeom prst="rect">
+            <a:avLst/>
+          </a:prstGeom>
+          <a:noFill/>
+        </p:spPr>
+        <p:txBody>
+          <a:bodyPr wrap="square" rtlCol="0">
+            <a:spAutoFit/>
+          </a:bodyPr>
+          <a:lstStyle/>
+          <a:p>
+            <a:r>
+              <a:rPr lang="en-US" altLang="en-US" sz="1400" dirty="0">
+                <a:latin typeface="Helvetica" pitchFamily="2" charset="0"/>
+              </a:rPr>
+              <a:t>Set whether to filter the data. If so, set which type </a:t>
+            </a:r>
+          </a:p>
+        </p:txBody>
+      </p:sp>
+      <p:sp>
+        <p:nvSpPr>
+          <p:cNvPr id="37" name="Text Box 19">
+            <a:extLst>
+              <a:ext uri="{FF2B5EF4-FFF2-40B4-BE49-F238E27FC236}">
+                <a16:creationId xmlns:a16="http://schemas.microsoft.com/office/drawing/2014/main" id="{D73C6A98-6839-B24C-BDC8-42A7C7F7265A}"/>
+              </a:ext>
+            </a:extLst>
+          </p:cNvPr>
+          <p:cNvSpPr txBox="1"/>
+          <p:nvPr/>
+        </p:nvSpPr>
+        <p:spPr>
+          <a:xfrm>
+            <a:off x="4719674" y="3912614"/>
+            <a:ext cx="5131435" cy="307777"/>
+          </a:xfrm>
+          <a:prstGeom prst="rect">
+            <a:avLst/>
+          </a:prstGeom>
+          <a:noFill/>
+        </p:spPr>
+        <p:txBody>
+          <a:bodyPr wrap="square" rtlCol="0">
+            <a:spAutoFit/>
+          </a:bodyPr>
+          <a:lstStyle/>
+          <a:p>
+            <a:r>
+              <a:rPr lang="en-US" altLang="en-US" sz="1400" dirty="0">
+                <a:latin typeface="Helvetica" pitchFamily="2" charset="0"/>
+              </a:rPr>
+              <a:t>Set the low frequency bound (in Hz)</a:t>
+            </a:r>
+          </a:p>
+        </p:txBody>
+      </p:sp>
+      <p:sp>
+        <p:nvSpPr>
+          <p:cNvPr id="38" name="Text Box 19">
+            <a:extLst>
+              <a:ext uri="{FF2B5EF4-FFF2-40B4-BE49-F238E27FC236}">
+                <a16:creationId xmlns:a16="http://schemas.microsoft.com/office/drawing/2014/main" id="{2AFCD4D7-986B-F741-B136-F6C92C014AC8}"/>
+              </a:ext>
+            </a:extLst>
+          </p:cNvPr>
+          <p:cNvSpPr txBox="1"/>
+          <p:nvPr/>
+        </p:nvSpPr>
+        <p:spPr>
+          <a:xfrm>
+            <a:off x="4719674" y="4129299"/>
+            <a:ext cx="5131435" cy="307777"/>
+          </a:xfrm>
+          <a:prstGeom prst="rect">
+            <a:avLst/>
+          </a:prstGeom>
+          <a:noFill/>
+        </p:spPr>
+        <p:txBody>
+          <a:bodyPr wrap="square" rtlCol="0">
+            <a:spAutoFit/>
+          </a:bodyPr>
+          <a:lstStyle/>
+          <a:p>
+            <a:r>
+              <a:rPr lang="en-US" altLang="en-US" sz="1400" dirty="0">
+                <a:latin typeface="Helvetica" pitchFamily="2" charset="0"/>
+              </a:rPr>
+              <a:t>Set the high frequency bound (in Hz)</a:t>
+            </a:r>
+          </a:p>
+        </p:txBody>
+      </p:sp>
+      <p:sp>
+        <p:nvSpPr>
+          <p:cNvPr id="39" name="Text Box 19">
+            <a:extLst>
+              <a:ext uri="{FF2B5EF4-FFF2-40B4-BE49-F238E27FC236}">
+                <a16:creationId xmlns:a16="http://schemas.microsoft.com/office/drawing/2014/main" id="{CA2D3CEF-CDEF-A244-A392-6129088288E6}"/>
+              </a:ext>
+            </a:extLst>
+          </p:cNvPr>
+          <p:cNvSpPr txBox="1"/>
+          <p:nvPr/>
+        </p:nvSpPr>
+        <p:spPr>
+          <a:xfrm>
+            <a:off x="4719674" y="4339576"/>
+            <a:ext cx="7416736" cy="307777"/>
+          </a:xfrm>
+          <a:prstGeom prst="rect">
+            <a:avLst/>
+          </a:prstGeom>
+          <a:noFill/>
+        </p:spPr>
+        <p:txBody>
+          <a:bodyPr wrap="square" rtlCol="0">
+            <a:spAutoFit/>
+          </a:bodyPr>
+          <a:lstStyle/>
+          <a:p>
+            <a:r>
+              <a:rPr lang="en-US" altLang="en-US" sz="1400" dirty="0">
+                <a:latin typeface="Helvetica" pitchFamily="2" charset="0"/>
+              </a:rPr>
+              <a:t>Set whether to mute late arrivals based on the automatically picked first </a:t>
+            </a:r>
+            <a:r>
+              <a:rPr lang="" altLang="en-US" sz="1400" dirty="0">
+                <a:latin typeface="Helvetica" pitchFamily="2" charset="0"/>
+              </a:rPr>
+              <a:t>break</a:t>
+            </a:r>
+            <a:r>
+              <a:rPr lang="en-US" altLang="en-US" sz="1400" dirty="0">
+                <a:latin typeface="Helvetica" pitchFamily="2" charset="0"/>
+              </a:rPr>
+              <a:t> </a:t>
+            </a:r>
+          </a:p>
+        </p:txBody>
+      </p:sp>
+      <p:sp>
+        <p:nvSpPr>
+          <p:cNvPr id="40" name="Text Box 19">
+            <a:extLst>
+              <a:ext uri="{FF2B5EF4-FFF2-40B4-BE49-F238E27FC236}">
+                <a16:creationId xmlns:a16="http://schemas.microsoft.com/office/drawing/2014/main" id="{EF2E2E81-0DF3-A04E-94EF-B917CA0533DB}"/>
+              </a:ext>
+            </a:extLst>
+          </p:cNvPr>
+          <p:cNvSpPr txBox="1"/>
+          <p:nvPr/>
+        </p:nvSpPr>
+        <p:spPr>
+          <a:xfrm>
+            <a:off x="4705853" y="4783277"/>
+            <a:ext cx="7416736" cy="307777"/>
+          </a:xfrm>
+          <a:prstGeom prst="rect">
+            <a:avLst/>
+          </a:prstGeom>
+          <a:noFill/>
+        </p:spPr>
+        <p:txBody>
+          <a:bodyPr wrap="square" rtlCol="0">
+            <a:spAutoFit/>
+          </a:bodyPr>
+          <a:lstStyle/>
+          <a:p>
+            <a:r>
+              <a:rPr lang="en-US" altLang="en-US" sz="1400" dirty="0">
+                <a:latin typeface="Helvetica" pitchFamily="2" charset="0"/>
+              </a:rPr>
+              <a:t>Set whether to mute traces of near offset</a:t>
+            </a:r>
+          </a:p>
+        </p:txBody>
+      </p:sp>
+      <p:sp>
+        <p:nvSpPr>
+          <p:cNvPr id="41" name="Text Box 19">
+            <a:extLst>
+              <a:ext uri="{FF2B5EF4-FFF2-40B4-BE49-F238E27FC236}">
+                <a16:creationId xmlns:a16="http://schemas.microsoft.com/office/drawing/2014/main" id="{EC3D6488-D4D1-AF45-B7F0-C75FB03A1F71}"/>
+              </a:ext>
+            </a:extLst>
+          </p:cNvPr>
+          <p:cNvSpPr txBox="1"/>
+          <p:nvPr/>
+        </p:nvSpPr>
+        <p:spPr>
+          <a:xfrm>
+            <a:off x="4705853" y="5252469"/>
+            <a:ext cx="7416736" cy="307777"/>
+          </a:xfrm>
+          <a:prstGeom prst="rect">
+            <a:avLst/>
+          </a:prstGeom>
+          <a:noFill/>
+        </p:spPr>
+        <p:txBody>
+          <a:bodyPr wrap="square" rtlCol="0">
+            <a:spAutoFit/>
+          </a:bodyPr>
+          <a:lstStyle/>
+          <a:p>
+            <a:r>
+              <a:rPr lang="en-US" altLang="en-US" sz="1400" dirty="0">
+                <a:latin typeface="Helvetica" pitchFamily="2" charset="0"/>
+              </a:rPr>
+              <a:t>Set whether to mute far offset</a:t>
+            </a:r>
+          </a:p>
+        </p:txBody>
+      </p:sp>
+      <p:sp>
+        <p:nvSpPr>
+          <p:cNvPr id="42" name="Text Box 25">
+            <a:extLst>
+              <a:ext uri="{FF2B5EF4-FFF2-40B4-BE49-F238E27FC236}">
+                <a16:creationId xmlns:a16="http://schemas.microsoft.com/office/drawing/2014/main" id="{0CED0D6B-3207-7B49-876F-16FF2110445F}"/>
+              </a:ext>
+            </a:extLst>
+          </p:cNvPr>
+          <p:cNvSpPr txBox="1"/>
+          <p:nvPr/>
+        </p:nvSpPr>
+        <p:spPr>
+          <a:xfrm>
+            <a:off x="4705852" y="5483873"/>
+            <a:ext cx="5663565" cy="307777"/>
+          </a:xfrm>
+          <a:prstGeom prst="rect">
+            <a:avLst/>
+          </a:prstGeom>
+          <a:noFill/>
+        </p:spPr>
+        <p:txBody>
+          <a:bodyPr wrap="square" rtlCol="0">
+            <a:spAutoFit/>
+          </a:bodyPr>
+          <a:lstStyle/>
+          <a:p>
+            <a:r>
+              <a:rPr lang="" altLang="en-US" sz="1400" dirty="0">
+                <a:latin typeface="Helvetica" pitchFamily="2" charset="0"/>
+              </a:rPr>
+              <a:t>Set the distance to mute </a:t>
+            </a:r>
+            <a:r>
+              <a:rPr lang="en-US" altLang="en-US" sz="1400" dirty="0">
+                <a:latin typeface="Helvetica" pitchFamily="2" charset="0"/>
+              </a:rPr>
+              <a:t>traces of </a:t>
+            </a:r>
+            <a:r>
+              <a:rPr lang="" altLang="en-US" sz="1400" dirty="0">
+                <a:latin typeface="Helvetica" pitchFamily="2" charset="0"/>
+              </a:rPr>
+              <a:t>far </a:t>
+            </a:r>
+            <a:r>
+              <a:rPr lang="en-US" altLang="en-US" sz="1400" dirty="0">
+                <a:latin typeface="Helvetica" pitchFamily="2" charset="0"/>
+              </a:rPr>
+              <a:t>offset distance </a:t>
+            </a:r>
+            <a:r>
+              <a:rPr lang="" altLang="en-US" sz="1400" dirty="0">
+                <a:latin typeface="Helvetica" pitchFamily="2" charset="0"/>
+              </a:rPr>
+              <a:t>(</a:t>
+            </a:r>
+            <a:r>
+              <a:rPr lang="en-US" altLang="en-US" sz="1400" dirty="0">
+                <a:latin typeface="Helvetica" pitchFamily="2" charset="0"/>
+              </a:rPr>
+              <a:t>in m</a:t>
+            </a:r>
+            <a:r>
+              <a:rPr lang="" altLang="en-US" sz="1400" dirty="0">
+                <a:latin typeface="Helvetica" pitchFamily="2" charset="0"/>
+              </a:rPr>
+              <a:t>)</a:t>
+            </a:r>
+          </a:p>
+        </p:txBody>
+      </p:sp>
+      <p:sp>
+        <p:nvSpPr>
+          <p:cNvPr id="43" name="TextBox 42">
+            <a:extLst>
+              <a:ext uri="{FF2B5EF4-FFF2-40B4-BE49-F238E27FC236}">
+                <a16:creationId xmlns:a16="http://schemas.microsoft.com/office/drawing/2014/main" id="{0B86A4CB-8036-8547-981D-9434F0BBA019}"/>
+              </a:ext>
+            </a:extLst>
+          </p:cNvPr>
+          <p:cNvSpPr txBox="1"/>
+          <p:nvPr/>
+        </p:nvSpPr>
+        <p:spPr>
+          <a:xfrm>
+            <a:off x="0" y="0"/>
+            <a:ext cx="3494098" cy="461665"/>
+          </a:xfrm>
+          <a:prstGeom prst="rect">
+            <a:avLst/>
+          </a:prstGeom>
+          <a:noFill/>
+        </p:spPr>
+        <p:txBody>
+          <a:bodyPr wrap="none" rtlCol="0">
+            <a:spAutoFit/>
+          </a:bodyPr>
+          <a:lstStyle/>
+          <a:p>
+            <a:r>
+              <a:rPr lang="en-US" sz="2400" b="1" dirty="0">
+                <a:latin typeface="Times New Roman" panose="02020603050405020304" pitchFamily="18" charset="0"/>
+                <a:cs typeface="Times New Roman" panose="02020603050405020304" pitchFamily="18" charset="0"/>
+              </a:rPr>
+              <a:t>Parameters for Inversion</a:t>
+            </a:r>
+            <a:endParaRPr lang="en-CN" sz="2400" dirty="0"/>
+          </a:p>
+        </p:txBody>
+      </p:sp>
+    </p:spTree>
+  </p:cSld>
+  <p:clrMapOvr>
+    <a:masterClrMapping/>
+  </p:clrMapOvr>
+</p:sld>
+</file>
+
+<file path=ppt/slides/slide11.xml><?xml version="1.0" encoding="utf-8"?>
+<p:sld xmlns:a="http://schemas.openxmlformats.org/drawingml/2006/main" xmlns:r="http://schemas.openxmlformats.org/officeDocument/2006/relationships" xmlns:p="http://schemas.openxmlformats.org/presentationml/2006/main">
+  <p:cSld>
+    <p:spTree>
+      <p:nvGrpSpPr>
+        <p:cNvPr id="1" name=""/>
+        <p:cNvGrpSpPr/>
+        <p:nvPr/>
+      </p:nvGrpSpPr>
+      <p:grpSpPr>
+        <a:xfrm>
+          <a:off x="0" y="0"/>
+          <a:ext cx="0" cy="0"/>
+          <a:chOff x="0" y="0"/>
+          <a:chExt cx="0" cy="0"/>
+        </a:xfrm>
+      </p:grpSpPr>
+      <p:pic>
+        <p:nvPicPr>
+          <p:cNvPr id="4" name="Picture 3" descr="Screenshot from 2021-07-05 21-28-50"/>
+          <p:cNvPicPr>
+            <a:picLocks noChangeAspect="1"/>
+          </p:cNvPicPr>
+          <p:nvPr/>
+        </p:nvPicPr>
+        <p:blipFill>
+          <a:blip r:embed="rId2"/>
+          <a:stretch>
+            <a:fillRect/>
+          </a:stretch>
+        </p:blipFill>
+        <p:spPr>
+          <a:xfrm>
+            <a:off x="541020" y="596900"/>
+            <a:ext cx="4705350" cy="2933700"/>
+          </a:xfrm>
+          <a:prstGeom prst="rect">
+            <a:avLst/>
+          </a:prstGeom>
+        </p:spPr>
+      </p:pic>
+      <p:sp>
+        <p:nvSpPr>
+          <p:cNvPr id="22" name="Text Box 21"/>
+          <p:cNvSpPr txBox="1"/>
+          <p:nvPr/>
+        </p:nvSpPr>
+        <p:spPr>
+          <a:xfrm>
+            <a:off x="4726004" y="1384902"/>
+            <a:ext cx="7108290" cy="307777"/>
+          </a:xfrm>
+          <a:prstGeom prst="rect">
+            <a:avLst/>
+          </a:prstGeom>
+          <a:noFill/>
+        </p:spPr>
+        <p:txBody>
+          <a:bodyPr wrap="square" rtlCol="0">
+            <a:spAutoFit/>
+          </a:bodyPr>
+          <a:lstStyle/>
+          <a:p>
+            <a:r>
+              <a:rPr lang="" altLang="en-US" sz="1400" dirty="0">
+                <a:latin typeface="Helvetica" pitchFamily="2" charset="0"/>
+              </a:rPr>
+              <a:t>View a txt file (donot require nx &amp; nz) or binary file (</a:t>
+            </a:r>
+            <a:r>
+              <a:rPr lang="" altLang="en-US" sz="1400" b="1" dirty="0">
+                <a:latin typeface="Helvetica" pitchFamily="2" charset="0"/>
+              </a:rPr>
+              <a:t>require nx &amp; nz</a:t>
+            </a:r>
+            <a:r>
+              <a:rPr lang="" altLang="en-US" sz="1400" dirty="0">
+                <a:latin typeface="Helvetica" pitchFamily="2" charset="0"/>
+              </a:rPr>
+              <a:t>)</a:t>
+            </a:r>
+          </a:p>
+        </p:txBody>
+      </p:sp>
+      <p:sp>
+        <p:nvSpPr>
+          <p:cNvPr id="6" name="Text Box 5"/>
+          <p:cNvSpPr txBox="1"/>
+          <p:nvPr/>
+        </p:nvSpPr>
+        <p:spPr>
+          <a:xfrm>
+            <a:off x="4726005" y="1691640"/>
+            <a:ext cx="6517306" cy="307777"/>
+          </a:xfrm>
+          <a:prstGeom prst="rect">
+            <a:avLst/>
+          </a:prstGeom>
+          <a:noFill/>
+        </p:spPr>
+        <p:txBody>
+          <a:bodyPr wrap="square" rtlCol="0">
+            <a:spAutoFit/>
+          </a:bodyPr>
+          <a:lstStyle/>
+          <a:p>
+            <a:r>
+              <a:rPr lang="" altLang="en-US" sz="1400" dirty="0">
+                <a:latin typeface="Helvetica" pitchFamily="2" charset="0"/>
+              </a:rPr>
+              <a:t>Convert a</a:t>
+            </a:r>
+            <a:r>
+              <a:rPr lang="en-US" altLang="en-US" sz="1400" dirty="0">
+                <a:latin typeface="Helvetica" pitchFamily="2" charset="0"/>
+              </a:rPr>
+              <a:t> binary file</a:t>
+            </a:r>
+            <a:r>
+              <a:rPr lang="" altLang="en-US" sz="1400" dirty="0">
+                <a:latin typeface="Helvetica" pitchFamily="2" charset="0"/>
+              </a:rPr>
+              <a:t> to a txt file </a:t>
+            </a:r>
+            <a:r>
+              <a:rPr lang="en-US" altLang="en-US" sz="1400" dirty="0">
+                <a:latin typeface="Helvetica" pitchFamily="2" charset="0"/>
+              </a:rPr>
+              <a:t>(</a:t>
+            </a:r>
+            <a:r>
+              <a:rPr lang="en-US" altLang="en-US" sz="1400" b="1" dirty="0">
+                <a:latin typeface="Helvetica" pitchFamily="2" charset="0"/>
+              </a:rPr>
+              <a:t>require </a:t>
+            </a:r>
+            <a:r>
+              <a:rPr lang="en-US" altLang="en-US" sz="1400" b="1" dirty="0" err="1">
+                <a:latin typeface="Helvetica" pitchFamily="2" charset="0"/>
+              </a:rPr>
+              <a:t>nx</a:t>
+            </a:r>
+            <a:r>
+              <a:rPr lang="en-US" altLang="en-US" sz="1400" b="1" dirty="0">
+                <a:latin typeface="Helvetica" pitchFamily="2" charset="0"/>
+              </a:rPr>
+              <a:t> </a:t>
+            </a:r>
+            <a:r>
+              <a:rPr lang="" altLang="en-US" sz="1400" b="1" dirty="0">
+                <a:latin typeface="Helvetica" pitchFamily="2" charset="0"/>
+              </a:rPr>
+              <a:t>&amp; </a:t>
+            </a:r>
+            <a:r>
+              <a:rPr lang="en-US" altLang="en-US" sz="1400" b="1" dirty="0" err="1">
+                <a:latin typeface="Helvetica" pitchFamily="2" charset="0"/>
+              </a:rPr>
+              <a:t>nz</a:t>
+            </a:r>
+            <a:r>
+              <a:rPr lang="en-US" altLang="en-US" sz="1400" dirty="0">
+                <a:latin typeface="Helvetica" pitchFamily="2" charset="0"/>
+              </a:rPr>
+              <a:t>)</a:t>
+            </a:r>
+          </a:p>
+        </p:txBody>
+      </p:sp>
+      <p:sp>
+        <p:nvSpPr>
+          <p:cNvPr id="8" name="Text Box 7"/>
+          <p:cNvSpPr txBox="1"/>
+          <p:nvPr/>
+        </p:nvSpPr>
+        <p:spPr>
+          <a:xfrm>
+            <a:off x="4726004" y="2025138"/>
+            <a:ext cx="7465996" cy="307777"/>
+          </a:xfrm>
+          <a:prstGeom prst="rect">
+            <a:avLst/>
+          </a:prstGeom>
+          <a:noFill/>
+        </p:spPr>
+        <p:txBody>
+          <a:bodyPr wrap="square" rtlCol="0">
+            <a:spAutoFit/>
+          </a:bodyPr>
+          <a:lstStyle/>
+          <a:p>
+            <a:r>
+              <a:rPr lang="" altLang="en-US" sz="1400" dirty="0">
+                <a:latin typeface="Helvetica" pitchFamily="2" charset="0"/>
+              </a:rPr>
+              <a:t>Smooth a </a:t>
+            </a:r>
+            <a:r>
+              <a:rPr lang="en-US" altLang="en-US" sz="1400" dirty="0">
+                <a:latin typeface="Helvetica" pitchFamily="2" charset="0"/>
+                <a:sym typeface="+mn-ea"/>
+              </a:rPr>
+              <a:t>txt file</a:t>
+            </a:r>
+            <a:r>
+              <a:rPr lang="" altLang="en-US" sz="1400" dirty="0">
+                <a:latin typeface="Helvetica" pitchFamily="2" charset="0"/>
+              </a:rPr>
+              <a:t>. </a:t>
+            </a:r>
+            <a:r>
+              <a:rPr lang="en-US" altLang="en-US" sz="1400" b="1" dirty="0">
+                <a:latin typeface="Helvetica" pitchFamily="2" charset="0"/>
+              </a:rPr>
+              <a:t>s</a:t>
+            </a:r>
+            <a:r>
+              <a:rPr lang="" altLang="en-US" sz="1400" b="1" dirty="0">
+                <a:latin typeface="Helvetica" pitchFamily="2" charset="0"/>
+              </a:rPr>
+              <a:t>p: </a:t>
+            </a:r>
+            <a:r>
+              <a:rPr lang="" altLang="en-US" sz="1400" dirty="0">
+                <a:latin typeface="Helvetica" pitchFamily="2" charset="0"/>
+              </a:rPr>
+              <a:t>the smoother radius; </a:t>
+            </a:r>
+            <a:r>
+              <a:rPr lang="" altLang="en-US" sz="1400" b="1" dirty="0">
+                <a:latin typeface="Helvetica" pitchFamily="2" charset="0"/>
+              </a:rPr>
+              <a:t>mt: </a:t>
+            </a:r>
+            <a:r>
+              <a:rPr lang="" altLang="en-US" sz="1400" dirty="0">
+                <a:latin typeface="Helvetica" pitchFamily="2" charset="0"/>
+              </a:rPr>
+              <a:t>the top mute for any water layer</a:t>
+            </a:r>
+            <a:endParaRPr lang="en-US" altLang="en-US" sz="1400" dirty="0">
+              <a:latin typeface="Helvetica" pitchFamily="2" charset="0"/>
+            </a:endParaRPr>
+          </a:p>
+        </p:txBody>
+      </p:sp>
+      <p:sp>
+        <p:nvSpPr>
+          <p:cNvPr id="11" name="Text Box 10"/>
+          <p:cNvSpPr txBox="1"/>
+          <p:nvPr/>
+        </p:nvSpPr>
+        <p:spPr>
+          <a:xfrm>
+            <a:off x="423829" y="3556321"/>
+            <a:ext cx="11598125" cy="1298689"/>
+          </a:xfrm>
+          <a:prstGeom prst="rect">
+            <a:avLst/>
+          </a:prstGeom>
+          <a:noFill/>
+        </p:spPr>
+        <p:txBody>
+          <a:bodyPr wrap="square" rtlCol="0">
+            <a:spAutoFit/>
+          </a:bodyPr>
+          <a:lstStyle/>
+          <a:p>
+            <a:pPr fontAlgn="auto">
+              <a:lnSpc>
+                <a:spcPct val="150000"/>
+              </a:lnSpc>
+            </a:pPr>
+            <a:r>
+              <a:rPr lang="" altLang="en-US" b="1" dirty="0">
+                <a:solidFill>
+                  <a:srgbClr val="0000FF"/>
+                </a:solidFill>
+                <a:latin typeface="Helvetica" pitchFamily="2" charset="0"/>
+              </a:rPr>
+              <a:t>Forward: </a:t>
+            </a:r>
+            <a:r>
+              <a:rPr lang="" altLang="en-US" dirty="0">
+                <a:solidFill>
+                  <a:srgbClr val="0000FF"/>
+                </a:solidFill>
+                <a:latin typeface="Helvetica" pitchFamily="2" charset="0"/>
+              </a:rPr>
+              <a:t>Run forward modeling on the provided true model to generate the synthetic dataset</a:t>
+            </a:r>
+          </a:p>
+          <a:p>
+            <a:pPr fontAlgn="auto">
+              <a:lnSpc>
+                <a:spcPct val="150000"/>
+              </a:lnSpc>
+            </a:pPr>
+            <a:r>
+              <a:rPr lang="" altLang="en-US" b="1" dirty="0">
+                <a:solidFill>
+                  <a:srgbClr val="FF0000"/>
+                </a:solidFill>
+                <a:latin typeface="Helvetica" pitchFamily="2" charset="0"/>
+              </a:rPr>
+              <a:t>FWI:</a:t>
+            </a:r>
+            <a:r>
+              <a:rPr lang="" altLang="en-US" b="1" dirty="0">
+                <a:latin typeface="Helvetica" pitchFamily="2" charset="0"/>
+              </a:rPr>
+              <a:t> </a:t>
+            </a:r>
+            <a:r>
+              <a:rPr lang="" altLang="en-US" dirty="0">
+                <a:solidFill>
+                  <a:srgbClr val="FF0000"/>
+                </a:solidFill>
+                <a:latin typeface="Helvetica" pitchFamily="2" charset="0"/>
+              </a:rPr>
+              <a:t>Run FWI and the initial model and the SU data should be both prepared.</a:t>
+            </a:r>
+          </a:p>
+          <a:p>
+            <a:pPr fontAlgn="auto">
+              <a:lnSpc>
+                <a:spcPct val="150000"/>
+              </a:lnSpc>
+            </a:pPr>
+            <a:r>
+              <a:rPr lang="" altLang="en-US" b="1" dirty="0">
+                <a:solidFill>
+                  <a:srgbClr val="007F00"/>
+                </a:solidFill>
+                <a:latin typeface="Helvetica" pitchFamily="2" charset="0"/>
+              </a:rPr>
+              <a:t>Clear: </a:t>
+            </a:r>
+            <a:r>
+              <a:rPr lang="" altLang="en-US" dirty="0">
+                <a:solidFill>
+                  <a:srgbClr val="007F00"/>
+                </a:solidFill>
+                <a:latin typeface="Helvetica" pitchFamily="2" charset="0"/>
+              </a:rPr>
+              <a:t>clear the output histories</a:t>
+            </a:r>
+          </a:p>
+        </p:txBody>
+      </p:sp>
+      <p:sp>
+        <p:nvSpPr>
+          <p:cNvPr id="14" name="TextBox 13">
+            <a:extLst>
+              <a:ext uri="{FF2B5EF4-FFF2-40B4-BE49-F238E27FC236}">
+                <a16:creationId xmlns:a16="http://schemas.microsoft.com/office/drawing/2014/main" id="{82396268-4F12-EF49-8421-12DBA9D16EFE}"/>
+              </a:ext>
+            </a:extLst>
+          </p:cNvPr>
+          <p:cNvSpPr txBox="1"/>
+          <p:nvPr/>
+        </p:nvSpPr>
+        <p:spPr>
+          <a:xfrm>
+            <a:off x="0" y="0"/>
+            <a:ext cx="1484702" cy="461665"/>
+          </a:xfrm>
+          <a:prstGeom prst="rect">
+            <a:avLst/>
+          </a:prstGeom>
+          <a:noFill/>
+        </p:spPr>
+        <p:txBody>
+          <a:bodyPr wrap="none" rtlCol="0">
+            <a:spAutoFit/>
+          </a:bodyPr>
+          <a:lstStyle/>
+          <a:p>
+            <a:r>
+              <a:rPr lang="en-US" sz="2400" b="1" dirty="0">
+                <a:latin typeface="Times New Roman" panose="02020603050405020304" pitchFamily="18" charset="0"/>
+                <a:cs typeface="Times New Roman" panose="02020603050405020304" pitchFamily="18" charset="0"/>
+              </a:rPr>
+              <a:t>Functions</a:t>
+            </a:r>
+            <a:endParaRPr lang="en-CN" sz="2400" dirty="0"/>
+          </a:p>
+        </p:txBody>
+      </p:sp>
+      <p:sp>
+        <p:nvSpPr>
+          <p:cNvPr id="15" name="Rectangle 14">
+            <a:extLst>
+              <a:ext uri="{FF2B5EF4-FFF2-40B4-BE49-F238E27FC236}">
+                <a16:creationId xmlns:a16="http://schemas.microsoft.com/office/drawing/2014/main" id="{A1563348-1811-1043-A6B7-B5AF216A6917}"/>
+              </a:ext>
+            </a:extLst>
+          </p:cNvPr>
+          <p:cNvSpPr/>
+          <p:nvPr/>
+        </p:nvSpPr>
+        <p:spPr>
+          <a:xfrm>
+            <a:off x="465537" y="5473098"/>
+            <a:ext cx="10940400" cy="970971"/>
+          </a:xfrm>
+          <a:prstGeom prst="rect">
+            <a:avLst/>
+          </a:prstGeom>
+        </p:spPr>
+        <p:txBody>
+          <a:bodyPr wrap="square">
+            <a:spAutoFit/>
+          </a:bodyPr>
+          <a:lstStyle/>
+          <a:p>
+            <a:pPr fontAlgn="auto">
+              <a:lnSpc>
+                <a:spcPct val="150000"/>
+              </a:lnSpc>
+            </a:pPr>
+            <a:r>
+              <a:rPr lang="" altLang="en-US" sz="2000" dirty="0">
+                <a:latin typeface="Helvetica" pitchFamily="2" charset="0"/>
+                <a:sym typeface="+mn-ea"/>
+              </a:rPr>
+              <a:t>For syn-model FWI: provide Vp true &amp; Vp init. Run </a:t>
+            </a:r>
+            <a:r>
+              <a:rPr lang="" altLang="en-US" sz="2000" b="1" dirty="0">
+                <a:solidFill>
+                  <a:srgbClr val="0000FF"/>
+                </a:solidFill>
+                <a:latin typeface="Helvetica" pitchFamily="2" charset="0"/>
+              </a:rPr>
+              <a:t>Forward </a:t>
+            </a:r>
+            <a:r>
+              <a:rPr lang="" altLang="en-US" sz="2000" dirty="0">
+                <a:latin typeface="Helvetica" pitchFamily="2" charset="0"/>
+              </a:rPr>
+              <a:t>and then run </a:t>
+            </a:r>
+            <a:r>
+              <a:rPr lang="" altLang="en-US" sz="2000" b="1" dirty="0">
+                <a:solidFill>
+                  <a:srgbClr val="FF0000"/>
+                </a:solidFill>
+                <a:latin typeface="Helvetica" pitchFamily="2" charset="0"/>
+              </a:rPr>
+              <a:t>FWI</a:t>
+            </a:r>
+            <a:r>
+              <a:rPr lang="" altLang="en-US" sz="2000" dirty="0">
+                <a:solidFill>
+                  <a:srgbClr val="C00000"/>
+                </a:solidFill>
+                <a:latin typeface="Helvetica" pitchFamily="2" charset="0"/>
+                <a:sym typeface="+mn-ea"/>
+              </a:rPr>
+              <a:t> </a:t>
+            </a:r>
+          </a:p>
+          <a:p>
+            <a:pPr fontAlgn="auto">
+              <a:lnSpc>
+                <a:spcPct val="150000"/>
+              </a:lnSpc>
+            </a:pPr>
+            <a:r>
+              <a:rPr lang="en-US" altLang="en-US" sz="2000" dirty="0">
+                <a:latin typeface="Helvetica" pitchFamily="2" charset="0"/>
+                <a:sym typeface="+mn-ea"/>
+              </a:rPr>
+              <a:t>For field-data</a:t>
+            </a:r>
+            <a:r>
+              <a:rPr lang="" altLang="en-US" sz="2000" dirty="0">
+                <a:latin typeface="Helvetica" pitchFamily="2" charset="0"/>
+                <a:sym typeface="+mn-ea"/>
+              </a:rPr>
+              <a:t> FWI: provide </a:t>
+            </a:r>
+            <a:r>
+              <a:rPr lang="en-US" altLang="en-US" sz="2000" dirty="0" err="1">
+                <a:latin typeface="Helvetica" pitchFamily="2" charset="0"/>
+                <a:sym typeface="+mn-ea"/>
+              </a:rPr>
+              <a:t>Vp</a:t>
+            </a:r>
+            <a:r>
+              <a:rPr lang="en-US" altLang="en-US" sz="2000" dirty="0">
+                <a:latin typeface="Helvetica" pitchFamily="2" charset="0"/>
+                <a:sym typeface="+mn-ea"/>
+              </a:rPr>
+              <a:t> </a:t>
+            </a:r>
+            <a:r>
+              <a:rPr lang="en-US" altLang="en-US" sz="2000" dirty="0" err="1">
+                <a:latin typeface="Helvetica" pitchFamily="2" charset="0"/>
+                <a:sym typeface="+mn-ea"/>
+              </a:rPr>
+              <a:t>init</a:t>
+            </a:r>
+            <a:r>
+              <a:rPr lang="" altLang="en-US" sz="2000" dirty="0">
+                <a:latin typeface="Helvetica" pitchFamily="2" charset="0"/>
+                <a:sym typeface="+mn-ea"/>
+              </a:rPr>
+              <a:t> &amp; SU data. Run </a:t>
+            </a:r>
+            <a:r>
+              <a:rPr lang="" altLang="en-US" sz="2000" b="1" dirty="0">
+                <a:solidFill>
+                  <a:srgbClr val="FF0000"/>
+                </a:solidFill>
+                <a:latin typeface="Helvetica" pitchFamily="2" charset="0"/>
+              </a:rPr>
+              <a:t>FWI</a:t>
+            </a:r>
+            <a:endParaRPr lang="" altLang="en-US" sz="2000" dirty="0">
+              <a:latin typeface="Helvetica" pitchFamily="2" charset="0"/>
+              <a:sym typeface="+mn-ea"/>
+            </a:endParaRPr>
+          </a:p>
+        </p:txBody>
+      </p:sp>
+    </p:spTree>
+  </p:cSld>
+  <p:clrMapOvr>
+    <a:masterClrMapping/>
+  </p:clrMapOvr>
+</p:sld>
+</file>
+
+<file path=ppt/slides/slide12.xml><?xml version="1.0" encoding="utf-8"?>
+<p:sld xmlns:a="http://schemas.openxmlformats.org/drawingml/2006/main" xmlns:r="http://schemas.openxmlformats.org/officeDocument/2006/relationships" xmlns:p="http://schemas.openxmlformats.org/presentationml/2006/main">
+  <p:cSld>
+    <p:spTree>
+      <p:nvGrpSpPr>
+        <p:cNvPr id="1" name=""/>
+        <p:cNvGrpSpPr/>
+        <p:nvPr/>
+      </p:nvGrpSpPr>
+      <p:grpSpPr>
+        <a:xfrm>
+          <a:off x="0" y="0"/>
+          <a:ext cx="0" cy="0"/>
+          <a:chOff x="0" y="0"/>
+          <a:chExt cx="0" cy="0"/>
+        </a:xfrm>
+      </p:grpSpPr>
+      <p:sp>
+        <p:nvSpPr>
+          <p:cNvPr id="4" name="Rectangle 3">
+            <a:extLst>
+              <a:ext uri="{FF2B5EF4-FFF2-40B4-BE49-F238E27FC236}">
+                <a16:creationId xmlns:a16="http://schemas.microsoft.com/office/drawing/2014/main" id="{A01AC057-202E-8242-A705-804FEB9FCDB8}"/>
+              </a:ext>
+            </a:extLst>
+          </p:cNvPr>
+          <p:cNvSpPr/>
+          <p:nvPr/>
+        </p:nvSpPr>
+        <p:spPr>
+          <a:xfrm>
+            <a:off x="382729" y="1001648"/>
+            <a:ext cx="10578858" cy="2468625"/>
+          </a:xfrm>
+          <a:prstGeom prst="rect">
+            <a:avLst/>
+          </a:prstGeom>
+        </p:spPr>
+        <p:txBody>
+          <a:bodyPr wrap="none">
+            <a:spAutoFit/>
+          </a:bodyPr>
+          <a:lstStyle/>
+          <a:p>
+            <a:pPr marL="342900" indent="-342900">
+              <a:lnSpc>
+                <a:spcPct val="200000"/>
+              </a:lnSpc>
+              <a:buFont typeface="Arial" panose="020B0604020202020204" pitchFamily="34" charset="0"/>
+              <a:buChar char="•"/>
+            </a:pPr>
+            <a:r>
+              <a:rPr lang="en-US" altLang="en-US" sz="2000" dirty="0">
+                <a:latin typeface="Helvetica" pitchFamily="2" charset="0"/>
+              </a:rPr>
+              <a:t>SWIT solves the variable-density acoustic wave equation in the stress-velocity form;</a:t>
+            </a:r>
+          </a:p>
+          <a:p>
+            <a:pPr marL="342900" indent="-342900">
+              <a:lnSpc>
+                <a:spcPct val="200000"/>
+              </a:lnSpc>
+              <a:buFont typeface="Arial" panose="020B0604020202020204" pitchFamily="34" charset="0"/>
+              <a:buChar char="•"/>
+            </a:pPr>
+            <a:r>
+              <a:rPr lang="en-US" altLang="en-US" sz="2000" dirty="0">
+                <a:latin typeface="Helvetica" pitchFamily="2" charset="0"/>
+              </a:rPr>
+              <a:t>SWIT uses a 4th-order Butterworth filter (zero-order);</a:t>
+            </a:r>
+          </a:p>
+          <a:p>
+            <a:pPr marL="342900" indent="-342900">
+              <a:lnSpc>
+                <a:spcPct val="200000"/>
+              </a:lnSpc>
+              <a:buFont typeface="Arial" panose="020B0604020202020204" pitchFamily="34" charset="0"/>
+              <a:buChar char="•"/>
+            </a:pPr>
+            <a:r>
+              <a:rPr lang="en-US" altLang="en-US" sz="2000" dirty="0">
+                <a:latin typeface="Helvetica" pitchFamily="2" charset="0"/>
+              </a:rPr>
+              <a:t>SWIT mutes the late arrivals based on the automatically picked first break in a brutal way;</a:t>
+            </a:r>
+          </a:p>
+          <a:p>
+            <a:pPr marL="342900" indent="-342900">
+              <a:lnSpc>
+                <a:spcPct val="200000"/>
+              </a:lnSpc>
+              <a:buFont typeface="Arial" panose="020B0604020202020204" pitchFamily="34" charset="0"/>
+              <a:buChar char="•"/>
+            </a:pPr>
+            <a:r>
+              <a:rPr lang="en-US" altLang="en-US" sz="2000" dirty="0">
+                <a:latin typeface="Helvetica" pitchFamily="2" charset="0"/>
+              </a:rPr>
+              <a:t>SWIT does not support the arbitrary arrangement of receivers for different sources yet. </a:t>
+            </a:r>
+            <a:endParaRPr lang="en-CN" sz="2000" dirty="0"/>
+          </a:p>
+        </p:txBody>
+      </p:sp>
+      <p:sp>
+        <p:nvSpPr>
+          <p:cNvPr id="6" name="TextBox 5">
+            <a:extLst>
+              <a:ext uri="{FF2B5EF4-FFF2-40B4-BE49-F238E27FC236}">
+                <a16:creationId xmlns:a16="http://schemas.microsoft.com/office/drawing/2014/main" id="{C234956E-1337-5C46-A74E-8DB8435EC352}"/>
+              </a:ext>
+            </a:extLst>
+          </p:cNvPr>
+          <p:cNvSpPr txBox="1"/>
+          <p:nvPr/>
+        </p:nvSpPr>
+        <p:spPr>
+          <a:xfrm>
+            <a:off x="0" y="0"/>
+            <a:ext cx="1794915" cy="461665"/>
+          </a:xfrm>
+          <a:prstGeom prst="rect">
+            <a:avLst/>
+          </a:prstGeom>
+          <a:noFill/>
+        </p:spPr>
+        <p:txBody>
+          <a:bodyPr wrap="none" rtlCol="0">
+            <a:spAutoFit/>
+          </a:bodyPr>
+          <a:lstStyle/>
+          <a:p>
+            <a:r>
+              <a:rPr lang="en-US" sz="2400" b="1" dirty="0">
+                <a:latin typeface="Times New Roman" panose="02020603050405020304" pitchFamily="18" charset="0"/>
+                <a:cs typeface="Times New Roman" panose="02020603050405020304" pitchFamily="18" charset="0"/>
+              </a:rPr>
+              <a:t>Other issues</a:t>
+            </a:r>
+            <a:endParaRPr lang="en-CN" sz="2400" dirty="0"/>
+          </a:p>
+        </p:txBody>
+      </p:sp>
+    </p:spTree>
+    <p:extLst>
+      <p:ext uri="{BB962C8B-B14F-4D97-AF65-F5344CB8AC3E}">
+        <p14:creationId xmlns:p14="http://schemas.microsoft.com/office/powerpoint/2010/main" val="3708851766"/>
+      </p:ext>
+    </p:extLst>
+  </p:cSld>
+  <p:clrMapOvr>
+    <a:masterClrMapping/>
+  </p:clrMapOvr>
+</p:sld>
+</file>
+
+<file path=ppt/slides/slide2.xml><?xml version="1.0" encoding="utf-8"?>
+<p:sld xmlns:a="http://schemas.openxmlformats.org/drawingml/2006/main" xmlns:r="http://schemas.openxmlformats.org/officeDocument/2006/relationships" xmlns:p="http://schemas.openxmlformats.org/presentationml/2006/main">
+  <p:cSld>
+    <p:spTree>
+      <p:nvGrpSpPr>
+        <p:cNvPr id="1" name=""/>
+        <p:cNvGrpSpPr/>
+        <p:nvPr/>
+      </p:nvGrpSpPr>
+      <p:grpSpPr>
+        <a:xfrm>
+          <a:off x="0" y="0"/>
+          <a:ext cx="0" cy="0"/>
+          <a:chOff x="0" y="0"/>
+          <a:chExt cx="0" cy="0"/>
+        </a:xfrm>
+      </p:grpSpPr>
+      <p:pic>
+        <p:nvPicPr>
+          <p:cNvPr id="5" name="Picture 4">
+            <a:extLst>
+              <a:ext uri="{FF2B5EF4-FFF2-40B4-BE49-F238E27FC236}">
+                <a16:creationId xmlns:a16="http://schemas.microsoft.com/office/drawing/2014/main" id="{71B76A43-0604-524C-8B12-5B9D9C30C401}"/>
+              </a:ext>
+            </a:extLst>
+          </p:cNvPr>
+          <p:cNvPicPr>
+            <a:picLocks noChangeAspect="1"/>
+          </p:cNvPicPr>
+          <p:nvPr/>
+        </p:nvPicPr>
+        <p:blipFill>
+          <a:blip r:embed="rId2">
+            <a:extLst>
+              <a:ext uri="{28A0092B-C50C-407E-A947-70E740481C1C}">
+                <a14:useLocalDpi xmlns:a14="http://schemas.microsoft.com/office/drawing/2010/main" val="0"/>
+              </a:ext>
+            </a:extLst>
+          </a:blip>
+          <a:stretch>
+            <a:fillRect/>
+          </a:stretch>
+        </p:blipFill>
+        <p:spPr>
+          <a:xfrm>
+            <a:off x="2956840" y="661149"/>
+            <a:ext cx="6045200" cy="5778500"/>
+          </a:xfrm>
+          <a:prstGeom prst="rect">
+            <a:avLst/>
+          </a:prstGeom>
+        </p:spPr>
+      </p:pic>
+      <p:sp>
+        <p:nvSpPr>
+          <p:cNvPr id="6" name="TextBox 5">
+            <a:extLst>
+              <a:ext uri="{FF2B5EF4-FFF2-40B4-BE49-F238E27FC236}">
+                <a16:creationId xmlns:a16="http://schemas.microsoft.com/office/drawing/2014/main" id="{0A730839-7E56-6748-BE2E-E0DFCCA3138E}"/>
+              </a:ext>
+            </a:extLst>
+          </p:cNvPr>
+          <p:cNvSpPr txBox="1"/>
+          <p:nvPr/>
+        </p:nvSpPr>
+        <p:spPr>
+          <a:xfrm>
+            <a:off x="0" y="0"/>
+            <a:ext cx="2779159" cy="461665"/>
+          </a:xfrm>
+          <a:prstGeom prst="rect">
+            <a:avLst/>
+          </a:prstGeom>
+          <a:noFill/>
+        </p:spPr>
+        <p:txBody>
+          <a:bodyPr wrap="none" rtlCol="0">
+            <a:spAutoFit/>
+          </a:bodyPr>
+          <a:lstStyle/>
+          <a:p>
+            <a:r>
+              <a:rPr lang="en-US" sz="2400" b="1" dirty="0">
+                <a:latin typeface="Times New Roman" panose="02020603050405020304" pitchFamily="18" charset="0"/>
+                <a:cs typeface="Times New Roman" panose="02020603050405020304" pitchFamily="18" charset="0"/>
+              </a:rPr>
+              <a:t>Structures of SWIT</a:t>
+            </a:r>
+            <a:endParaRPr lang="en-CN" sz="2400" dirty="0"/>
+          </a:p>
+        </p:txBody>
+      </p:sp>
+      <p:sp>
+        <p:nvSpPr>
+          <p:cNvPr id="7" name="TextBox 6">
+            <a:extLst>
+              <a:ext uri="{FF2B5EF4-FFF2-40B4-BE49-F238E27FC236}">
+                <a16:creationId xmlns:a16="http://schemas.microsoft.com/office/drawing/2014/main" id="{30008813-B3C1-654D-A23F-86546615E8C7}"/>
+              </a:ext>
+            </a:extLst>
+          </p:cNvPr>
+          <p:cNvSpPr txBox="1"/>
+          <p:nvPr/>
+        </p:nvSpPr>
+        <p:spPr>
+          <a:xfrm>
+            <a:off x="5399772" y="6439649"/>
+            <a:ext cx="3602268" cy="338554"/>
+          </a:xfrm>
+          <a:prstGeom prst="rect">
+            <a:avLst/>
+          </a:prstGeom>
+          <a:noFill/>
+        </p:spPr>
+        <p:txBody>
+          <a:bodyPr wrap="none" rtlCol="0">
+            <a:spAutoFit/>
+          </a:bodyPr>
+          <a:lstStyle/>
+          <a:p>
+            <a:r>
+              <a:rPr lang="en-CN" sz="1600" dirty="0">
+                <a:latin typeface="Helvetica" pitchFamily="2" charset="0"/>
+              </a:rPr>
+              <a:t>Haipeng Li &amp; Junlun Li, in preparation</a:t>
+            </a:r>
+          </a:p>
+        </p:txBody>
+      </p:sp>
+    </p:spTree>
+    <p:extLst>
+      <p:ext uri="{BB962C8B-B14F-4D97-AF65-F5344CB8AC3E}">
+        <p14:creationId xmlns:p14="http://schemas.microsoft.com/office/powerpoint/2010/main" val="576580767"/>
+      </p:ext>
+    </p:extLst>
+  </p:cSld>
+  <p:clrMapOvr>
+    <a:masterClrMapping/>
+  </p:clrMapOvr>
+</p:sld>
+</file>
+
+<file path=ppt/slides/slide3.xml><?xml version="1.0" encoding="utf-8"?>
+<p:sld xmlns:a="http://schemas.openxmlformats.org/drawingml/2006/main" xmlns:r="http://schemas.openxmlformats.org/officeDocument/2006/relationships" xmlns:p="http://schemas.openxmlformats.org/presentationml/2006/main">
+  <p:cSld>
+    <p:spTree>
+      <p:nvGrpSpPr>
+        <p:cNvPr id="1" name=""/>
+        <p:cNvGrpSpPr/>
+        <p:nvPr/>
+      </p:nvGrpSpPr>
+      <p:grpSpPr>
+        <a:xfrm>
+          <a:off x="0" y="0"/>
+          <a:ext cx="0" cy="0"/>
+          <a:chOff x="0" y="0"/>
+          <a:chExt cx="0" cy="0"/>
+        </a:xfrm>
+      </p:grpSpPr>
+      <p:sp>
+        <p:nvSpPr>
+          <p:cNvPr id="5" name="TextBox 4">
+            <a:extLst>
+              <a:ext uri="{FF2B5EF4-FFF2-40B4-BE49-F238E27FC236}">
+                <a16:creationId xmlns:a16="http://schemas.microsoft.com/office/drawing/2014/main" id="{5E9785E4-DCB6-234A-8BBD-7B52509B824C}"/>
+              </a:ext>
+            </a:extLst>
+          </p:cNvPr>
+          <p:cNvSpPr txBox="1"/>
+          <p:nvPr/>
+        </p:nvSpPr>
+        <p:spPr>
+          <a:xfrm>
+            <a:off x="0" y="0"/>
+            <a:ext cx="2904962" cy="461665"/>
+          </a:xfrm>
+          <a:prstGeom prst="rect">
+            <a:avLst/>
+          </a:prstGeom>
+          <a:noFill/>
+        </p:spPr>
+        <p:txBody>
+          <a:bodyPr wrap="none" rtlCol="0">
+            <a:spAutoFit/>
+          </a:bodyPr>
+          <a:lstStyle/>
+          <a:p>
+            <a:r>
+              <a:rPr lang="en-US" sz="2400" b="1" dirty="0">
+                <a:latin typeface="Times New Roman" panose="02020603050405020304" pitchFamily="18" charset="0"/>
+                <a:cs typeface="Times New Roman" panose="02020603050405020304" pitchFamily="18" charset="0"/>
+              </a:rPr>
+              <a:t>Installation of SWIT</a:t>
+            </a:r>
+            <a:endParaRPr lang="en-CN" sz="2400" dirty="0"/>
+          </a:p>
+        </p:txBody>
+      </p:sp>
+      <p:pic>
+        <p:nvPicPr>
+          <p:cNvPr id="9" name="Picture 8">
+            <a:extLst>
+              <a:ext uri="{FF2B5EF4-FFF2-40B4-BE49-F238E27FC236}">
+                <a16:creationId xmlns:a16="http://schemas.microsoft.com/office/drawing/2014/main" id="{DE6F2EAF-4FD8-A44F-A40D-7564A6A79C5D}"/>
+              </a:ext>
+            </a:extLst>
+          </p:cNvPr>
+          <p:cNvPicPr>
+            <a:picLocks noChangeAspect="1"/>
+          </p:cNvPicPr>
+          <p:nvPr/>
+        </p:nvPicPr>
+        <p:blipFill>
+          <a:blip r:embed="rId2">
+            <a:extLst>
+              <a:ext uri="{28A0092B-C50C-407E-A947-70E740481C1C}">
+                <a14:useLocalDpi xmlns:a14="http://schemas.microsoft.com/office/drawing/2010/main" val="0"/>
+              </a:ext>
+            </a:extLst>
+          </a:blip>
+          <a:stretch>
+            <a:fillRect/>
+          </a:stretch>
+        </p:blipFill>
+        <p:spPr>
+          <a:xfrm>
+            <a:off x="2088682" y="1077282"/>
+            <a:ext cx="8542684" cy="5318705"/>
+          </a:xfrm>
+          <a:prstGeom prst="rect">
+            <a:avLst/>
+          </a:prstGeom>
+        </p:spPr>
+      </p:pic>
+    </p:spTree>
+    <p:extLst>
+      <p:ext uri="{BB962C8B-B14F-4D97-AF65-F5344CB8AC3E}">
+        <p14:creationId xmlns:p14="http://schemas.microsoft.com/office/powerpoint/2010/main" val="2641456157"/>
+      </p:ext>
+    </p:extLst>
+  </p:cSld>
+  <p:clrMapOvr>
+    <a:masterClrMapping/>
+  </p:clrMapOvr>
+</p:sld>
+</file>
+
+<file path=ppt/slides/slide4.xml><?xml version="1.0" encoding="utf-8"?>
+<p:sld xmlns:a="http://schemas.openxmlformats.org/drawingml/2006/main" xmlns:r="http://schemas.openxmlformats.org/officeDocument/2006/relationships" xmlns:p="http://schemas.openxmlformats.org/presentationml/2006/main">
+  <p:cSld>
+    <p:spTree>
+      <p:nvGrpSpPr>
+        <p:cNvPr id="1" name=""/>
+        <p:cNvGrpSpPr/>
+        <p:nvPr/>
+      </p:nvGrpSpPr>
+      <p:grpSpPr>
+        <a:xfrm>
+          <a:off x="0" y="0"/>
+          <a:ext cx="0" cy="0"/>
+          <a:chOff x="0" y="0"/>
+          <a:chExt cx="0" cy="0"/>
+        </a:xfrm>
+      </p:grpSpPr>
+      <p:sp>
+        <p:nvSpPr>
+          <p:cNvPr id="4" name="TextBox 3">
+            <a:extLst>
+              <a:ext uri="{FF2B5EF4-FFF2-40B4-BE49-F238E27FC236}">
+                <a16:creationId xmlns:a16="http://schemas.microsoft.com/office/drawing/2014/main" id="{6B552A19-299D-7743-97F7-48AD76351C79}"/>
+              </a:ext>
+            </a:extLst>
+          </p:cNvPr>
+          <p:cNvSpPr txBox="1"/>
+          <p:nvPr/>
+        </p:nvSpPr>
+        <p:spPr>
+          <a:xfrm>
+            <a:off x="0" y="0"/>
+            <a:ext cx="2904962" cy="461665"/>
+          </a:xfrm>
+          <a:prstGeom prst="rect">
+            <a:avLst/>
+          </a:prstGeom>
+          <a:noFill/>
+        </p:spPr>
+        <p:txBody>
+          <a:bodyPr wrap="none" rtlCol="0">
+            <a:spAutoFit/>
+          </a:bodyPr>
+          <a:lstStyle/>
+          <a:p>
+            <a:r>
+              <a:rPr lang="en-US" sz="2400" b="1" dirty="0">
+                <a:latin typeface="Times New Roman" panose="02020603050405020304" pitchFamily="18" charset="0"/>
+                <a:cs typeface="Times New Roman" panose="02020603050405020304" pitchFamily="18" charset="0"/>
+              </a:rPr>
+              <a:t>Installation of SWIT</a:t>
+            </a:r>
+            <a:endParaRPr lang="en-CN" sz="2400" dirty="0"/>
+          </a:p>
+        </p:txBody>
+      </p:sp>
+      <p:pic>
+        <p:nvPicPr>
+          <p:cNvPr id="6" name="Picture 5">
+            <a:extLst>
+              <a:ext uri="{FF2B5EF4-FFF2-40B4-BE49-F238E27FC236}">
+                <a16:creationId xmlns:a16="http://schemas.microsoft.com/office/drawing/2014/main" id="{544EA1C7-4DE8-F742-B9E3-871D27751347}"/>
+              </a:ext>
+            </a:extLst>
+          </p:cNvPr>
+          <p:cNvPicPr>
+            <a:picLocks noChangeAspect="1"/>
+          </p:cNvPicPr>
+          <p:nvPr/>
+        </p:nvPicPr>
+        <p:blipFill>
+          <a:blip r:embed="rId2">
+            <a:extLst>
+              <a:ext uri="{28A0092B-C50C-407E-A947-70E740481C1C}">
+                <a14:useLocalDpi xmlns:a14="http://schemas.microsoft.com/office/drawing/2010/main" val="0"/>
+              </a:ext>
+            </a:extLst>
+          </a:blip>
+          <a:stretch>
+            <a:fillRect/>
+          </a:stretch>
+        </p:blipFill>
+        <p:spPr>
+          <a:xfrm>
+            <a:off x="806918" y="1734488"/>
+            <a:ext cx="10578164" cy="3389024"/>
+          </a:xfrm>
+          <a:prstGeom prst="rect">
+            <a:avLst/>
+          </a:prstGeom>
+        </p:spPr>
+      </p:pic>
+    </p:spTree>
+    <p:extLst>
+      <p:ext uri="{BB962C8B-B14F-4D97-AF65-F5344CB8AC3E}">
+        <p14:creationId xmlns:p14="http://schemas.microsoft.com/office/powerpoint/2010/main" val="1460603600"/>
+      </p:ext>
+    </p:extLst>
+  </p:cSld>
+  <p:clrMapOvr>
+    <a:masterClrMapping/>
+  </p:clrMapOvr>
+</p:sld>
+</file>
+
+<file path=ppt/slides/slide5.xml><?xml version="1.0" encoding="utf-8"?>
+<p:sld xmlns:a="http://schemas.openxmlformats.org/drawingml/2006/main" xmlns:r="http://schemas.openxmlformats.org/officeDocument/2006/relationships" xmlns:p="http://schemas.openxmlformats.org/presentationml/2006/main">
+  <p:cSld>
+    <p:spTree>
+      <p:nvGrpSpPr>
+        <p:cNvPr id="1" name=""/>
+        <p:cNvGrpSpPr/>
+        <p:nvPr/>
+      </p:nvGrpSpPr>
+      <p:grpSpPr>
+        <a:xfrm>
+          <a:off x="0" y="0"/>
+          <a:ext cx="0" cy="0"/>
+          <a:chOff x="0" y="0"/>
+          <a:chExt cx="0" cy="0"/>
+        </a:xfrm>
+      </p:grpSpPr>
+      <p:sp>
+        <p:nvSpPr>
+          <p:cNvPr id="4" name="TextBox 3">
+            <a:extLst>
+              <a:ext uri="{FF2B5EF4-FFF2-40B4-BE49-F238E27FC236}">
+                <a16:creationId xmlns:a16="http://schemas.microsoft.com/office/drawing/2014/main" id="{370D1017-9D26-2C42-8DA8-F25CF1149C5B}"/>
+              </a:ext>
+            </a:extLst>
+          </p:cNvPr>
+          <p:cNvSpPr txBox="1"/>
+          <p:nvPr/>
+        </p:nvSpPr>
+        <p:spPr>
+          <a:xfrm>
+            <a:off x="0" y="0"/>
+            <a:ext cx="2904962" cy="461665"/>
+          </a:xfrm>
+          <a:prstGeom prst="rect">
+            <a:avLst/>
+          </a:prstGeom>
+          <a:noFill/>
+        </p:spPr>
+        <p:txBody>
+          <a:bodyPr wrap="none" rtlCol="0">
+            <a:spAutoFit/>
+          </a:bodyPr>
+          <a:lstStyle/>
+          <a:p>
+            <a:r>
+              <a:rPr lang="en-US" sz="2400" b="1" dirty="0">
+                <a:latin typeface="Times New Roman" panose="02020603050405020304" pitchFamily="18" charset="0"/>
+                <a:cs typeface="Times New Roman" panose="02020603050405020304" pitchFamily="18" charset="0"/>
+              </a:rPr>
+              <a:t>Installation of SWIT</a:t>
+            </a:r>
+            <a:endParaRPr lang="en-CN" sz="2400" dirty="0"/>
+          </a:p>
+        </p:txBody>
+      </p:sp>
+      <p:pic>
+        <p:nvPicPr>
+          <p:cNvPr id="6" name="Picture 5">
+            <a:extLst>
+              <a:ext uri="{FF2B5EF4-FFF2-40B4-BE49-F238E27FC236}">
+                <a16:creationId xmlns:a16="http://schemas.microsoft.com/office/drawing/2014/main" id="{6F53C546-35BF-DD4B-BB51-75B9F545324F}"/>
+              </a:ext>
+            </a:extLst>
+          </p:cNvPr>
+          <p:cNvPicPr>
+            <a:picLocks noChangeAspect="1"/>
+          </p:cNvPicPr>
+          <p:nvPr/>
+        </p:nvPicPr>
+        <p:blipFill>
+          <a:blip r:embed="rId2">
+            <a:extLst>
+              <a:ext uri="{28A0092B-C50C-407E-A947-70E740481C1C}">
+                <a14:useLocalDpi xmlns:a14="http://schemas.microsoft.com/office/drawing/2010/main" val="0"/>
+              </a:ext>
+            </a:extLst>
+          </a:blip>
+          <a:stretch>
+            <a:fillRect/>
+          </a:stretch>
+        </p:blipFill>
+        <p:spPr>
+          <a:xfrm>
+            <a:off x="1626669" y="896395"/>
+            <a:ext cx="9449846" cy="5711347"/>
+          </a:xfrm>
+          <a:prstGeom prst="rect">
+            <a:avLst/>
+          </a:prstGeom>
+        </p:spPr>
+      </p:pic>
+    </p:spTree>
+    <p:extLst>
+      <p:ext uri="{BB962C8B-B14F-4D97-AF65-F5344CB8AC3E}">
+        <p14:creationId xmlns:p14="http://schemas.microsoft.com/office/powerpoint/2010/main" val="3895048828"/>
+      </p:ext>
+    </p:extLst>
+  </p:cSld>
+  <p:clrMapOvr>
+    <a:masterClrMapping/>
+  </p:clrMapOvr>
+</p:sld>
+</file>
+
+<file path=ppt/slides/slide6.xml><?xml version="1.0" encoding="utf-8"?>
+<p:sld xmlns:a="http://schemas.openxmlformats.org/drawingml/2006/main" xmlns:r="http://schemas.openxmlformats.org/officeDocument/2006/relationships" xmlns:p="http://schemas.openxmlformats.org/presentationml/2006/main">
+  <p:cSld>
+    <p:spTree>
+      <p:nvGrpSpPr>
+        <p:cNvPr id="1" name=""/>
+        <p:cNvGrpSpPr/>
+        <p:nvPr/>
+      </p:nvGrpSpPr>
+      <p:grpSpPr>
+        <a:xfrm>
+          <a:off x="0" y="0"/>
+          <a:ext cx="0" cy="0"/>
+          <a:chOff x="0" y="0"/>
+          <a:chExt cx="0" cy="0"/>
+        </a:xfrm>
+      </p:grpSpPr>
       <p:pic>
         <p:nvPicPr>
           <p:cNvPr id="4" name="Picture 3" descr="Screenshot from 2021-07-05 21-19-40"/>
           <p:cNvPicPr>
-            <a:picLocks noChangeAspect="true"/>
+            <a:picLocks noChangeAspect="1"/>
           </p:cNvPicPr>
           <p:nvPr/>
         </p:nvPicPr>
         <p:blipFill>
-          <a:blip r:embed="rId1"/>
+          <a:blip r:embed="rId2"/>
           <a:stretch>
             <a:fillRect/>
           </a:stretch>
@@ -3561,11 +5702,11 @@
       <p:sp>
         <p:nvSpPr>
           <p:cNvPr id="6" name="Text Box 5"/>
-          <p:cNvSpPr txBox="true"/>
+          <p:cNvSpPr txBox="1"/>
           <p:nvPr/>
         </p:nvSpPr>
         <p:spPr>
-          <a:xfrm flipH="true">
+          <a:xfrm flipH="1">
             <a:off x="1131570" y="88265"/>
             <a:ext cx="3478530" cy="398780"/>
           </a:xfrm>
@@ -3578,6 +5719,7 @@
           <a:bodyPr wrap="square" rtlCol="0">
             <a:spAutoFit/>
           </a:bodyPr>
+          <a:lstStyle/>
           <a:p>
             <a:r>
               <a:rPr lang="" altLang="en-US" sz="2000" b="1">
@@ -3586,21 +5728,17 @@
               </a:rPr>
               <a:t>1. Input Parameters</a:t>
             </a:r>
-            <a:endParaRPr lang="" altLang="en-US" sz="2000" b="1">
-              <a:latin typeface="Times New Roman" panose="02020603050405020304" charset="0"/>
-              <a:cs typeface="Times New Roman" panose="02020603050405020304" charset="0"/>
-            </a:endParaRPr>
           </a:p>
         </p:txBody>
       </p:sp>
       <p:sp>
         <p:nvSpPr>
           <p:cNvPr id="7" name="Text Box 6"/>
-          <p:cNvSpPr txBox="true"/>
+          <p:cNvSpPr txBox="1"/>
           <p:nvPr/>
         </p:nvSpPr>
         <p:spPr>
-          <a:xfrm flipH="true">
+          <a:xfrm flipH="1">
             <a:off x="5121910" y="88265"/>
             <a:ext cx="3478530" cy="398780"/>
           </a:xfrm>
@@ -3613,6 +5751,7 @@
           <a:bodyPr wrap="square" rtlCol="0">
             <a:spAutoFit/>
           </a:bodyPr>
+          <a:lstStyle/>
           <a:p>
             <a:r>
               <a:rPr lang="" altLang="en-US" sz="2000" b="1">
@@ -3635,21 +5774,17 @@
               </a:rPr>
               <a:t>Viewing Window</a:t>
             </a:r>
-            <a:endParaRPr lang="" altLang="en-US" sz="2000" b="1">
-              <a:latin typeface="Times New Roman" panose="02020603050405020304" charset="0"/>
-              <a:cs typeface="Times New Roman" panose="02020603050405020304" charset="0"/>
-            </a:endParaRPr>
           </a:p>
         </p:txBody>
       </p:sp>
       <p:sp>
         <p:nvSpPr>
           <p:cNvPr id="9" name="Text Box 8"/>
-          <p:cNvSpPr txBox="true"/>
+          <p:cNvSpPr txBox="1"/>
           <p:nvPr/>
         </p:nvSpPr>
         <p:spPr>
-          <a:xfrm flipH="true">
+          <a:xfrm flipH="1">
             <a:off x="8870315" y="88265"/>
             <a:ext cx="3478530" cy="398780"/>
           </a:xfrm>
@@ -3662,6 +5797,7 @@
           <a:bodyPr wrap="square" rtlCol="0">
             <a:spAutoFit/>
           </a:bodyPr>
+          <a:lstStyle/>
           <a:p>
             <a:r>
               <a:rPr lang="" altLang="en-US" sz="2000" b="1">
@@ -3684,10 +5820,6 @@
               </a:rPr>
               <a:t>Options</a:t>
             </a:r>
-            <a:endParaRPr lang="" altLang="en-US" sz="2000" b="1">
-              <a:latin typeface="Times New Roman" panose="02020603050405020304" charset="0"/>
-              <a:cs typeface="Times New Roman" panose="02020603050405020304" charset="0"/>
-            </a:endParaRPr>
           </a:p>
         </p:txBody>
       </p:sp>
@@ -3724,6 +5856,7 @@
         </p:style>
         <p:txBody>
           <a:bodyPr rtlCol="0" anchor="ctr"/>
+          <a:lstStyle/>
           <a:p>
             <a:pPr algn="ctr"/>
             <a:endParaRPr lang="en-US"/>
@@ -3763,6 +5896,7 @@
         </p:style>
         <p:txBody>
           <a:bodyPr rtlCol="0" anchor="ctr"/>
+          <a:lstStyle/>
           <a:p>
             <a:pPr algn="ctr"/>
             <a:endParaRPr lang="en-US"/>
@@ -3802,6 +5936,7 @@
         </p:style>
         <p:txBody>
           <a:bodyPr rtlCol="0" anchor="ctr"/>
+          <a:lstStyle/>
           <a:p>
             <a:pPr algn="ctr"/>
             <a:endParaRPr lang="en-US"/>
@@ -3811,11 +5946,11 @@
       <p:sp>
         <p:nvSpPr>
           <p:cNvPr id="15" name="Text Box 14"/>
-          <p:cNvSpPr txBox="true"/>
+          <p:cNvSpPr txBox="1"/>
           <p:nvPr/>
         </p:nvSpPr>
         <p:spPr>
-          <a:xfrm flipH="true">
+          <a:xfrm flipH="1">
             <a:off x="1367790" y="6412865"/>
             <a:ext cx="3478530" cy="398780"/>
           </a:xfrm>
@@ -3828,6 +5963,7 @@
           <a:bodyPr wrap="square" rtlCol="0">
             <a:spAutoFit/>
           </a:bodyPr>
+          <a:lstStyle/>
           <a:p>
             <a:r>
               <a:rPr lang="" altLang="en-US" sz="2000" b="1">
@@ -3850,21 +5986,17 @@
               </a:rPr>
               <a:t>Functions</a:t>
             </a:r>
-            <a:endParaRPr lang="" altLang="en-US" sz="2000" b="1">
-              <a:latin typeface="Times New Roman" panose="02020603050405020304" charset="0"/>
-              <a:cs typeface="Times New Roman" panose="02020603050405020304" charset="0"/>
-            </a:endParaRPr>
           </a:p>
         </p:txBody>
       </p:sp>
       <p:sp>
         <p:nvSpPr>
           <p:cNvPr id="16" name="Text Box 15"/>
-          <p:cNvSpPr txBox="true"/>
+          <p:cNvSpPr txBox="1"/>
           <p:nvPr/>
         </p:nvSpPr>
         <p:spPr>
-          <a:xfrm flipH="true">
+          <a:xfrm flipH="1">
             <a:off x="4846320" y="6412865"/>
             <a:ext cx="3478530" cy="398780"/>
           </a:xfrm>
@@ -3877,6 +6009,7 @@
           <a:bodyPr wrap="square" rtlCol="0">
             <a:spAutoFit/>
           </a:bodyPr>
+          <a:lstStyle/>
           <a:p>
             <a:r>
               <a:rPr lang="" altLang="en-US" sz="2000" b="1">
@@ -3899,21 +6032,17 @@
               </a:rPr>
               <a:t>Output Histories</a:t>
             </a:r>
-            <a:endParaRPr lang="" altLang="en-US" sz="2000" b="1">
-              <a:latin typeface="Times New Roman" panose="02020603050405020304" charset="0"/>
-              <a:cs typeface="Times New Roman" panose="02020603050405020304" charset="0"/>
-            </a:endParaRPr>
           </a:p>
         </p:txBody>
       </p:sp>
       <p:sp>
         <p:nvSpPr>
           <p:cNvPr id="17" name="Text Box 16"/>
-          <p:cNvSpPr txBox="true"/>
+          <p:cNvSpPr txBox="1"/>
           <p:nvPr/>
         </p:nvSpPr>
         <p:spPr>
-          <a:xfrm flipH="true">
+          <a:xfrm flipH="1">
             <a:off x="9074150" y="6412865"/>
             <a:ext cx="3478530" cy="398780"/>
           </a:xfrm>
@@ -3926,6 +6055,7 @@
           <a:bodyPr wrap="square" rtlCol="0">
             <a:spAutoFit/>
           </a:bodyPr>
+          <a:lstStyle/>
           <a:p>
             <a:r>
               <a:rPr lang="" altLang="en-US" sz="2000" b="1">
@@ -3948,10 +6078,6 @@
               </a:rPr>
               <a:t>System Status</a:t>
             </a:r>
-            <a:endParaRPr lang="" altLang="en-US" sz="2000" b="1">
-              <a:latin typeface="Times New Roman" panose="02020603050405020304" charset="0"/>
-              <a:cs typeface="Times New Roman" panose="02020603050405020304" charset="0"/>
-            </a:endParaRPr>
           </a:p>
         </p:txBody>
       </p:sp>
@@ -3962,7 +6088,7 @@
           <p:nvPr/>
         </p:nvSpPr>
         <p:spPr>
-          <a:xfrm flipV="true">
+          <a:xfrm flipV="1">
             <a:off x="2155190" y="5752465"/>
             <a:ext cx="304800" cy="508000"/>
           </a:xfrm>
@@ -3986,6 +6112,7 @@
         </p:style>
         <p:txBody>
           <a:bodyPr rtlCol="0" anchor="ctr"/>
+          <a:lstStyle/>
           <a:p>
             <a:pPr algn="ctr"/>
             <a:endParaRPr lang="en-US"/>
@@ -3999,7 +6126,7 @@
           <p:nvPr/>
         </p:nvSpPr>
         <p:spPr>
-          <a:xfrm flipV="true">
+          <a:xfrm flipV="1">
             <a:off x="6008370" y="5752465"/>
             <a:ext cx="304800" cy="508000"/>
           </a:xfrm>
@@ -4023,6 +6150,7 @@
         </p:style>
         <p:txBody>
           <a:bodyPr rtlCol="0" anchor="ctr"/>
+          <a:lstStyle/>
           <a:p>
             <a:pPr algn="ctr"/>
             <a:endParaRPr lang="en-US"/>
@@ -4036,7 +6164,7 @@
           <p:nvPr/>
         </p:nvSpPr>
         <p:spPr>
-          <a:xfrm flipV="true">
+          <a:xfrm flipV="1">
             <a:off x="9978390" y="5752465"/>
             <a:ext cx="304800" cy="508000"/>
           </a:xfrm>
@@ -4060,9 +6188,384 @@
         </p:style>
         <p:txBody>
           <a:bodyPr rtlCol="0" anchor="ctr"/>
+          <a:lstStyle/>
           <a:p>
             <a:pPr algn="ctr"/>
             <a:endParaRPr lang="en-US"/>
+          </a:p>
+        </p:txBody>
+      </p:sp>
+    </p:spTree>
+    <p:extLst>
+      <p:ext uri="{BB962C8B-B14F-4D97-AF65-F5344CB8AC3E}">
+        <p14:creationId xmlns:p14="http://schemas.microsoft.com/office/powerpoint/2010/main" val="118412722"/>
+      </p:ext>
+    </p:extLst>
+  </p:cSld>
+  <p:clrMapOvr>
+    <a:masterClrMapping/>
+  </p:clrMapOvr>
+</p:sld>
+</file>
+
+<file path=ppt/slides/slide7.xml><?xml version="1.0" encoding="utf-8"?>
+<p:sld xmlns:a="http://schemas.openxmlformats.org/drawingml/2006/main" xmlns:r="http://schemas.openxmlformats.org/officeDocument/2006/relationships" xmlns:p="http://schemas.openxmlformats.org/presentationml/2006/main">
+  <p:cSld>
+    <p:spTree>
+      <p:nvGrpSpPr>
+        <p:cNvPr id="1" name=""/>
+        <p:cNvGrpSpPr/>
+        <p:nvPr/>
+      </p:nvGrpSpPr>
+      <p:grpSpPr>
+        <a:xfrm>
+          <a:off x="0" y="0"/>
+          <a:ext cx="0" cy="0"/>
+          <a:chOff x="0" y="0"/>
+          <a:chExt cx="0" cy="0"/>
+        </a:xfrm>
+      </p:grpSpPr>
+      <p:pic>
+        <p:nvPicPr>
+          <p:cNvPr id="9" name="Picture 8" descr="Screenshot from 2021-07-05 21-28-16"/>
+          <p:cNvPicPr>
+            <a:picLocks noChangeAspect="1"/>
+          </p:cNvPicPr>
+          <p:nvPr/>
+        </p:nvPicPr>
+        <p:blipFill>
+          <a:blip r:embed="rId2"/>
+          <a:stretch>
+            <a:fillRect/>
+          </a:stretch>
+        </p:blipFill>
+        <p:spPr>
+          <a:xfrm>
+            <a:off x="719346" y="574366"/>
+            <a:ext cx="4933950" cy="6200775"/>
+          </a:xfrm>
+          <a:prstGeom prst="rect">
+            <a:avLst/>
+          </a:prstGeom>
+          <a:ln>
+            <a:noFill/>
+          </a:ln>
+        </p:spPr>
+      </p:pic>
+      <p:sp>
+        <p:nvSpPr>
+          <p:cNvPr id="13" name="Text Box 12"/>
+          <p:cNvSpPr txBox="1"/>
+          <p:nvPr/>
+        </p:nvSpPr>
+        <p:spPr>
+          <a:xfrm>
+            <a:off x="4734134" y="1954221"/>
+            <a:ext cx="3067050" cy="307777"/>
+          </a:xfrm>
+          <a:prstGeom prst="rect">
+            <a:avLst/>
+          </a:prstGeom>
+          <a:noFill/>
+        </p:spPr>
+        <p:txBody>
+          <a:bodyPr wrap="square" rtlCol="0">
+            <a:spAutoFit/>
+          </a:bodyPr>
+          <a:lstStyle/>
+          <a:p>
+            <a:r>
+              <a:rPr lang="" altLang="en-US" sz="1400" dirty="0">
+                <a:latin typeface="Helvetica" pitchFamily="2" charset="0"/>
+              </a:rPr>
+              <a:t>Project working folder</a:t>
+            </a:r>
+          </a:p>
+        </p:txBody>
+      </p:sp>
+      <p:sp>
+        <p:nvSpPr>
+          <p:cNvPr id="14" name="Text Box 13"/>
+          <p:cNvSpPr txBox="1"/>
+          <p:nvPr/>
+        </p:nvSpPr>
+        <p:spPr>
+          <a:xfrm>
+            <a:off x="4734134" y="2502364"/>
+            <a:ext cx="3067050" cy="307777"/>
+          </a:xfrm>
+          <a:prstGeom prst="rect">
+            <a:avLst/>
+          </a:prstGeom>
+          <a:noFill/>
+        </p:spPr>
+        <p:txBody>
+          <a:bodyPr wrap="square" rtlCol="0">
+            <a:spAutoFit/>
+          </a:bodyPr>
+          <a:lstStyle/>
+          <a:p>
+            <a:r>
+              <a:rPr lang="en-US" altLang="en-US" sz="1400" dirty="0">
+                <a:latin typeface="Helvetica" pitchFamily="2" charset="0"/>
+                <a:sym typeface="+mn-ea"/>
+              </a:rPr>
+              <a:t>CPU </a:t>
+            </a:r>
+            <a:r>
+              <a:rPr lang="" altLang="en-US" sz="1400" dirty="0">
+                <a:latin typeface="Helvetica" pitchFamily="2" charset="0"/>
+              </a:rPr>
+              <a:t>number for MPI</a:t>
+            </a:r>
+            <a:endParaRPr lang="en-US" altLang="en-US" sz="1400" dirty="0">
+              <a:latin typeface="Helvetica" pitchFamily="2" charset="0"/>
+            </a:endParaRPr>
+          </a:p>
+        </p:txBody>
+      </p:sp>
+      <p:sp>
+        <p:nvSpPr>
+          <p:cNvPr id="15" name="Text Box 14"/>
+          <p:cNvSpPr txBox="1"/>
+          <p:nvPr/>
+        </p:nvSpPr>
+        <p:spPr>
+          <a:xfrm>
+            <a:off x="4734134" y="2981277"/>
+            <a:ext cx="4038600" cy="307777"/>
+          </a:xfrm>
+          <a:prstGeom prst="rect">
+            <a:avLst/>
+          </a:prstGeom>
+          <a:noFill/>
+        </p:spPr>
+        <p:txBody>
+          <a:bodyPr wrap="square" rtlCol="0">
+            <a:spAutoFit/>
+          </a:bodyPr>
+          <a:lstStyle/>
+          <a:p>
+            <a:r>
+              <a:rPr lang="" altLang="en-US" sz="1400" dirty="0">
+                <a:latin typeface="Helvetica" pitchFamily="2" charset="0"/>
+              </a:rPr>
+              <a:t>Figure aspect for plotting</a:t>
+            </a:r>
+            <a:endParaRPr lang="en-US" altLang="en-US" sz="1400" dirty="0">
+              <a:latin typeface="Helvetica" pitchFamily="2" charset="0"/>
+            </a:endParaRPr>
+          </a:p>
+        </p:txBody>
+      </p:sp>
+      <p:sp>
+        <p:nvSpPr>
+          <p:cNvPr id="35" name="Text Box 34"/>
+          <p:cNvSpPr txBox="1"/>
+          <p:nvPr/>
+        </p:nvSpPr>
+        <p:spPr>
+          <a:xfrm>
+            <a:off x="437604" y="5161924"/>
+            <a:ext cx="4978400" cy="307777"/>
+          </a:xfrm>
+          <a:prstGeom prst="rect">
+            <a:avLst/>
+          </a:prstGeom>
+          <a:noFill/>
+        </p:spPr>
+        <p:txBody>
+          <a:bodyPr wrap="square" rtlCol="0">
+            <a:spAutoFit/>
+          </a:bodyPr>
+          <a:lstStyle/>
+          <a:p>
+            <a:r>
+              <a:rPr lang="" altLang="en-US" sz="1400" dirty="0">
+                <a:latin typeface="Helvetica" pitchFamily="2" charset="0"/>
+                <a:sym typeface="+mn-ea"/>
+              </a:rPr>
+              <a:t>Save parameters in file</a:t>
+            </a:r>
+          </a:p>
+        </p:txBody>
+      </p:sp>
+      <p:sp>
+        <p:nvSpPr>
+          <p:cNvPr id="37" name="Text Box 36"/>
+          <p:cNvSpPr txBox="1"/>
+          <p:nvPr/>
+        </p:nvSpPr>
+        <p:spPr>
+          <a:xfrm>
+            <a:off x="2724673" y="5161925"/>
+            <a:ext cx="4978400" cy="307777"/>
+          </a:xfrm>
+          <a:prstGeom prst="rect">
+            <a:avLst/>
+          </a:prstGeom>
+          <a:noFill/>
+        </p:spPr>
+        <p:txBody>
+          <a:bodyPr wrap="square" rtlCol="0">
+            <a:spAutoFit/>
+          </a:bodyPr>
+          <a:lstStyle/>
+          <a:p>
+            <a:r>
+              <a:rPr lang="" altLang="en-US" sz="1400" dirty="0">
+                <a:latin typeface="Helvetica" pitchFamily="2" charset="0"/>
+                <a:sym typeface="+mn-ea"/>
+              </a:rPr>
+              <a:t>Load previously saved parameter file</a:t>
+            </a:r>
+          </a:p>
+        </p:txBody>
+      </p:sp>
+      <p:sp>
+        <p:nvSpPr>
+          <p:cNvPr id="16" name="Down Arrow 15">
+            <a:extLst>
+              <a:ext uri="{FF2B5EF4-FFF2-40B4-BE49-F238E27FC236}">
+                <a16:creationId xmlns:a16="http://schemas.microsoft.com/office/drawing/2014/main" id="{D2A8CB15-9891-C04F-9DB9-35454B3BBFB8}"/>
+              </a:ext>
+            </a:extLst>
+          </p:cNvPr>
+          <p:cNvSpPr/>
+          <p:nvPr/>
+        </p:nvSpPr>
+        <p:spPr>
+          <a:xfrm flipH="1" flipV="1">
+            <a:off x="1531312" y="5508643"/>
+            <a:ext cx="236219" cy="373380"/>
+          </a:xfrm>
+          <a:prstGeom prst="downArrow">
+            <a:avLst/>
+          </a:prstGeom>
+          <a:solidFill>
+            <a:schemeClr val="tx1"/>
+          </a:solidFill>
+          <a:ln>
+            <a:solidFill>
+              <a:schemeClr val="tx1"/>
+            </a:solidFill>
+          </a:ln>
+        </p:spPr>
+        <p:style>
+          <a:lnRef idx="2">
+            <a:schemeClr val="accent4">
+              <a:shade val="50000"/>
+            </a:schemeClr>
+          </a:lnRef>
+          <a:fillRef idx="1">
+            <a:schemeClr val="accent4"/>
+          </a:fillRef>
+          <a:effectRef idx="0">
+            <a:schemeClr val="accent4"/>
+          </a:effectRef>
+          <a:fontRef idx="minor">
+            <a:schemeClr val="lt1"/>
+          </a:fontRef>
+        </p:style>
+        <p:txBody>
+          <a:bodyPr rtlCol="0" anchor="ctr"/>
+          <a:lstStyle/>
+          <a:p>
+            <a:pPr algn="ctr"/>
+            <a:endParaRPr lang="en-US"/>
+          </a:p>
+        </p:txBody>
+      </p:sp>
+      <p:sp>
+        <p:nvSpPr>
+          <p:cNvPr id="18" name="Down Arrow 17">
+            <a:extLst>
+              <a:ext uri="{FF2B5EF4-FFF2-40B4-BE49-F238E27FC236}">
+                <a16:creationId xmlns:a16="http://schemas.microsoft.com/office/drawing/2014/main" id="{A6AB0D16-DEEE-2E4B-94A3-991BABC2E631}"/>
+              </a:ext>
+            </a:extLst>
+          </p:cNvPr>
+          <p:cNvSpPr/>
+          <p:nvPr/>
+        </p:nvSpPr>
+        <p:spPr>
+          <a:xfrm flipH="1" flipV="1">
+            <a:off x="3632338" y="5508643"/>
+            <a:ext cx="236219" cy="373380"/>
+          </a:xfrm>
+          <a:prstGeom prst="downArrow">
+            <a:avLst/>
+          </a:prstGeom>
+          <a:solidFill>
+            <a:schemeClr val="tx1"/>
+          </a:solidFill>
+          <a:ln>
+            <a:solidFill>
+              <a:schemeClr val="tx1"/>
+            </a:solidFill>
+          </a:ln>
+        </p:spPr>
+        <p:style>
+          <a:lnRef idx="2">
+            <a:schemeClr val="accent4">
+              <a:shade val="50000"/>
+            </a:schemeClr>
+          </a:lnRef>
+          <a:fillRef idx="1">
+            <a:schemeClr val="accent4"/>
+          </a:fillRef>
+          <a:effectRef idx="0">
+            <a:schemeClr val="accent4"/>
+          </a:effectRef>
+          <a:fontRef idx="minor">
+            <a:schemeClr val="lt1"/>
+          </a:fontRef>
+        </p:style>
+        <p:txBody>
+          <a:bodyPr rtlCol="0" anchor="ctr"/>
+          <a:lstStyle/>
+          <a:p>
+            <a:pPr algn="ctr"/>
+            <a:endParaRPr lang="en-US"/>
+          </a:p>
+        </p:txBody>
+      </p:sp>
+      <p:sp>
+        <p:nvSpPr>
+          <p:cNvPr id="2" name="TextBox 1">
+            <a:extLst>
+              <a:ext uri="{FF2B5EF4-FFF2-40B4-BE49-F238E27FC236}">
+                <a16:creationId xmlns:a16="http://schemas.microsoft.com/office/drawing/2014/main" id="{09164B1F-D07C-3D42-8C34-2F7F5D5F6296}"/>
+              </a:ext>
+            </a:extLst>
+          </p:cNvPr>
+          <p:cNvSpPr txBox="1"/>
+          <p:nvPr/>
+        </p:nvSpPr>
+        <p:spPr>
+          <a:xfrm>
+            <a:off x="0" y="0"/>
+            <a:ext cx="3186321" cy="461665"/>
+          </a:xfrm>
+          <a:prstGeom prst="rect">
+            <a:avLst/>
+          </a:prstGeom>
+          <a:noFill/>
+        </p:spPr>
+        <p:txBody>
+          <a:bodyPr wrap="none" rtlCol="0">
+            <a:spAutoFit/>
+          </a:bodyPr>
+          <a:lstStyle/>
+          <a:p>
+            <a:r>
+              <a:rPr lang="en-US" sz="2400" b="1" dirty="0">
+                <a:latin typeface="Times New Roman" panose="02020603050405020304" pitchFamily="18" charset="0"/>
+                <a:cs typeface="Times New Roman" panose="02020603050405020304" pitchFamily="18" charset="0"/>
+              </a:rPr>
+              <a:t>Parameters for System</a:t>
+            </a:r>
+            <a:endParaRPr lang="en-CN" sz="2400" dirty="0"/>
           </a:p>
         </p:txBody>
       </p:sp>
@@ -4074,7 +6577,7 @@
 </p:sld>
 </file>
 
-<file path=ppt/slides/slide2.xml><?xml version="1.0" encoding="utf-8"?>
+<file path=ppt/slides/slide8.xml><?xml version="1.0" encoding="utf-8"?>
 <p:sld xmlns:a="http://schemas.openxmlformats.org/drawingml/2006/main" xmlns:r="http://schemas.openxmlformats.org/officeDocument/2006/relationships" xmlns:p="http://schemas.openxmlformats.org/presentationml/2006/main">
   <p:cSld>
     <p:spTree>
@@ -4083,170 +6586,48 @@
         <p:cNvGrpSpPr/>
         <p:nvPr/>
       </p:nvGrpSpPr>
-      <p:grpSpPr/>
+      <p:grpSpPr>
+        <a:xfrm>
+          <a:off x="0" y="0"/>
+          <a:ext cx="0" cy="0"/>
+          <a:chOff x="0" y="0"/>
+          <a:chExt cx="0" cy="0"/>
+        </a:xfrm>
+      </p:grpSpPr>
       <p:pic>
         <p:nvPicPr>
-          <p:cNvPr id="9" name="Picture 8" descr="Screenshot from 2021-07-05 21-28-16"/>
+          <p:cNvPr id="7" name="Picture 6" descr="Screenshot from 2021-07-05 21-28-27"/>
           <p:cNvPicPr>
-            <a:picLocks noChangeAspect="true"/>
+            <a:picLocks noChangeAspect="1"/>
           </p:cNvPicPr>
           <p:nvPr/>
         </p:nvPicPr>
         <p:blipFill>
-          <a:blip r:embed="rId1"/>
+          <a:blip r:embed="rId2"/>
           <a:stretch>
             <a:fillRect/>
           </a:stretch>
         </p:blipFill>
         <p:spPr>
           <a:xfrm>
-            <a:off x="666750" y="328295"/>
-            <a:ext cx="4933950" cy="6200775"/>
-          </a:xfrm>
-          <a:prstGeom prst="rect">
-            <a:avLst/>
-          </a:prstGeom>
-          <a:ln>
-            <a:noFill/>
-          </a:ln>
+            <a:off x="781652" y="523875"/>
+            <a:ext cx="4876800" cy="6334125"/>
+          </a:xfrm>
+          <a:prstGeom prst="rect">
+            <a:avLst/>
+          </a:prstGeom>
         </p:spPr>
       </p:pic>
       <p:sp>
         <p:nvSpPr>
-          <p:cNvPr id="7" name="Right Arrow 6"/>
-          <p:cNvSpPr/>
+          <p:cNvPr id="13" name="Text Box 12"/>
+          <p:cNvSpPr txBox="1"/>
           <p:nvPr/>
         </p:nvSpPr>
         <p:spPr>
           <a:xfrm>
-            <a:off x="4559300" y="1752600"/>
-            <a:ext cx="2019300" cy="91440"/>
-          </a:xfrm>
-          <a:prstGeom prst="rightArrow">
-            <a:avLst>
-              <a:gd name="adj1" fmla="val 50000"/>
-              <a:gd name="adj2" fmla="val 122916"/>
-            </a:avLst>
-          </a:prstGeom>
-        </p:spPr>
-        <p:style>
-          <a:lnRef idx="2">
-            <a:schemeClr val="dk1">
-              <a:shade val="50000"/>
-            </a:schemeClr>
-          </a:lnRef>
-          <a:fillRef idx="1">
-            <a:schemeClr val="dk1"/>
-          </a:fillRef>
-          <a:effectRef idx="0">
-            <a:schemeClr val="dk1"/>
-          </a:effectRef>
-          <a:fontRef idx="minor">
-            <a:schemeClr val="lt1"/>
-          </a:fontRef>
-        </p:style>
-        <p:txBody>
-          <a:bodyPr rtlCol="0" anchor="ctr"/>
-          <a:p>
-            <a:pPr algn="ctr"/>
-            <a:endParaRPr lang="en-US"/>
-          </a:p>
-        </p:txBody>
-      </p:sp>
-      <p:sp>
-        <p:nvSpPr>
-          <p:cNvPr id="11" name="Right Arrow 10"/>
-          <p:cNvSpPr/>
-          <p:nvPr/>
-        </p:nvSpPr>
-        <p:spPr>
-          <a:xfrm>
-            <a:off x="4559300" y="2298700"/>
-            <a:ext cx="2019300" cy="91440"/>
-          </a:xfrm>
-          <a:prstGeom prst="rightArrow">
-            <a:avLst>
-              <a:gd name="adj1" fmla="val 50000"/>
-              <a:gd name="adj2" fmla="val 122916"/>
-            </a:avLst>
-          </a:prstGeom>
-        </p:spPr>
-        <p:style>
-          <a:lnRef idx="2">
-            <a:schemeClr val="dk1">
-              <a:shade val="50000"/>
-            </a:schemeClr>
-          </a:lnRef>
-          <a:fillRef idx="1">
-            <a:schemeClr val="dk1"/>
-          </a:fillRef>
-          <a:effectRef idx="0">
-            <a:schemeClr val="dk1"/>
-          </a:effectRef>
-          <a:fontRef idx="minor">
-            <a:schemeClr val="lt1"/>
-          </a:fontRef>
-        </p:style>
-        <p:txBody>
-          <a:bodyPr rtlCol="0" anchor="ctr"/>
-          <a:p>
-            <a:pPr algn="ctr"/>
-            <a:endParaRPr lang="en-US"/>
-          </a:p>
-        </p:txBody>
-      </p:sp>
-      <p:sp>
-        <p:nvSpPr>
-          <p:cNvPr id="12" name="Right Arrow 11"/>
-          <p:cNvSpPr/>
-          <p:nvPr/>
-        </p:nvSpPr>
-        <p:spPr>
-          <a:xfrm>
-            <a:off x="4559300" y="2736850"/>
-            <a:ext cx="2019300" cy="91440"/>
-          </a:xfrm>
-          <a:prstGeom prst="rightArrow">
-            <a:avLst>
-              <a:gd name="adj1" fmla="val 50000"/>
-              <a:gd name="adj2" fmla="val 122916"/>
-            </a:avLst>
-          </a:prstGeom>
-        </p:spPr>
-        <p:style>
-          <a:lnRef idx="2">
-            <a:schemeClr val="dk1">
-              <a:shade val="50000"/>
-            </a:schemeClr>
-          </a:lnRef>
-          <a:fillRef idx="1">
-            <a:schemeClr val="dk1"/>
-          </a:fillRef>
-          <a:effectRef idx="0">
-            <a:schemeClr val="dk1"/>
-          </a:effectRef>
-          <a:fontRef idx="minor">
-            <a:schemeClr val="lt1"/>
-          </a:fontRef>
-        </p:style>
-        <p:txBody>
-          <a:bodyPr rtlCol="0" anchor="ctr"/>
-          <a:p>
-            <a:pPr algn="ctr"/>
-            <a:endParaRPr lang="en-US"/>
-          </a:p>
-        </p:txBody>
-      </p:sp>
-      <p:sp>
-        <p:nvSpPr>
-          <p:cNvPr id="13" name="Text Box 12"/>
-          <p:cNvSpPr txBox="true"/>
-          <p:nvPr/>
-        </p:nvSpPr>
-        <p:spPr>
-          <a:xfrm>
-            <a:off x="6829425" y="1581150"/>
-            <a:ext cx="3067050" cy="368300"/>
+            <a:off x="4620227" y="1614246"/>
+            <a:ext cx="3067050" cy="307777"/>
           </a:xfrm>
           <a:prstGeom prst="rect">
             <a:avLst/>
@@ -4257,25 +6638,27 @@
           <a:bodyPr wrap="square" rtlCol="0">
             <a:spAutoFit/>
           </a:bodyPr>
-          <a:p>
-            <a:r>
-              <a:rPr lang="" altLang="en-US"/>
-              <a:t>the working folder</a:t>
-            </a:r>
-            <a:endParaRPr lang="" altLang="en-US"/>
+          <a:lstStyle/>
+          <a:p>
+            <a:r>
+              <a:rPr lang="" altLang="en-US" sz="1400" dirty="0">
+                <a:latin typeface="Helvetica" pitchFamily="2" charset="0"/>
+              </a:rPr>
+              <a:t>Model size along x direction</a:t>
+            </a:r>
           </a:p>
         </p:txBody>
       </p:sp>
       <p:sp>
         <p:nvSpPr>
           <p:cNvPr id="14" name="Text Box 13"/>
-          <p:cNvSpPr txBox="true"/>
+          <p:cNvSpPr txBox="1"/>
           <p:nvPr/>
         </p:nvSpPr>
         <p:spPr>
           <a:xfrm>
-            <a:off x="6829425" y="2160270"/>
-            <a:ext cx="3067050" cy="368300"/>
+            <a:off x="4620227" y="2250869"/>
+            <a:ext cx="4978400" cy="307777"/>
           </a:xfrm>
           <a:prstGeom prst="rect">
             <a:avLst/>
@@ -4286,31 +6669,31 @@
           <a:bodyPr wrap="square" rtlCol="0">
             <a:spAutoFit/>
           </a:bodyPr>
-          <a:p>
-            <a:r>
-              <a:rPr lang="en-US" altLang="en-US">
+          <a:lstStyle/>
+          <a:p>
+            <a:r>
+              <a:rPr lang="" altLang="en-US" sz="1400" dirty="0">
+                <a:latin typeface="Helvetica" pitchFamily="2" charset="0"/>
                 <a:sym typeface="+mn-ea"/>
               </a:rPr>
-              <a:t>CPU </a:t>
-            </a:r>
-            <a:r>
-              <a:rPr lang="" altLang="en-US"/>
-              <a:t>number</a:t>
-            </a:r>
-            <a:endParaRPr lang="en-US" altLang="en-US"/>
-          </a:p>
-        </p:txBody>
-      </p:sp>
-      <p:sp>
-        <p:nvSpPr>
-          <p:cNvPr id="15" name="Text Box 14"/>
-          <p:cNvSpPr txBox="true"/>
+              <a:t>Temporal step (in s)</a:t>
+            </a:r>
+            <a:endParaRPr lang="en-US" altLang="en-US" sz="1400" dirty="0">
+              <a:latin typeface="Helvetica" pitchFamily="2" charset="0"/>
+            </a:endParaRPr>
+          </a:p>
+        </p:txBody>
+      </p:sp>
+      <p:sp>
+        <p:nvSpPr>
+          <p:cNvPr id="22" name="Text Box 21"/>
+          <p:cNvSpPr txBox="1"/>
           <p:nvPr/>
         </p:nvSpPr>
         <p:spPr>
           <a:xfrm>
-            <a:off x="6829425" y="2598420"/>
-            <a:ext cx="4038600" cy="368300"/>
+            <a:off x="4620227" y="1836638"/>
+            <a:ext cx="3067050" cy="307777"/>
           </a:xfrm>
           <a:prstGeom prst="rect">
             <a:avLst/>
@@ -4321,67 +6704,39 @@
           <a:bodyPr wrap="square" rtlCol="0">
             <a:spAutoFit/>
           </a:bodyPr>
-          <a:p>
-            <a:r>
-              <a:rPr lang="" altLang="en-US"/>
-              <a:t>figure aspect for plotting</a:t>
-            </a:r>
-            <a:endParaRPr lang="en-US" altLang="en-US"/>
-          </a:p>
-        </p:txBody>
-      </p:sp>
-      <p:sp>
-        <p:nvSpPr>
-          <p:cNvPr id="34" name="Right Arrow 33"/>
-          <p:cNvSpPr/>
+          <a:lstStyle/>
+          <a:p>
+            <a:r>
+              <a:rPr lang="en-US" altLang="en-US" sz="1400" dirty="0">
+                <a:latin typeface="Helvetica" pitchFamily="2" charset="0"/>
+              </a:rPr>
+              <a:t>Model size along </a:t>
+            </a:r>
+            <a:r>
+              <a:rPr lang="" altLang="en-US" sz="1400" dirty="0">
+                <a:latin typeface="Helvetica" pitchFamily="2" charset="0"/>
+              </a:rPr>
+              <a:t>z</a:t>
+            </a:r>
+            <a:r>
+              <a:rPr lang="en-US" altLang="en-US" sz="1400" dirty="0">
+                <a:latin typeface="Helvetica" pitchFamily="2" charset="0"/>
+              </a:rPr>
+              <a:t> direction</a:t>
+            </a:r>
+          </a:p>
+        </p:txBody>
+      </p:sp>
+      <p:sp>
+        <p:nvSpPr>
+          <p:cNvPr id="23" name="Text Box 22"/>
+          <p:cNvSpPr txBox="1"/>
           <p:nvPr/>
         </p:nvSpPr>
         <p:spPr>
-          <a:xfrm flipV="true">
-            <a:off x="1607820" y="5313680"/>
-            <a:ext cx="5057775" cy="76200"/>
-          </a:xfrm>
-          <a:prstGeom prst="rightArrow">
-            <a:avLst>
-              <a:gd name="adj1" fmla="val 26388"/>
-              <a:gd name="adj2" fmla="val 122916"/>
-            </a:avLst>
-          </a:prstGeom>
-        </p:spPr>
-        <p:style>
-          <a:lnRef idx="2">
-            <a:schemeClr val="dk1">
-              <a:shade val="50000"/>
-            </a:schemeClr>
-          </a:lnRef>
-          <a:fillRef idx="1">
-            <a:schemeClr val="dk1"/>
-          </a:fillRef>
-          <a:effectRef idx="0">
-            <a:schemeClr val="dk1"/>
-          </a:effectRef>
-          <a:fontRef idx="minor">
-            <a:schemeClr val="lt1"/>
-          </a:fontRef>
-        </p:style>
-        <p:txBody>
-          <a:bodyPr rtlCol="0" anchor="ctr"/>
-          <a:p>
-            <a:pPr algn="ctr"/>
-            <a:endParaRPr lang="en-US"/>
-          </a:p>
-        </p:txBody>
-      </p:sp>
-      <p:sp>
-        <p:nvSpPr>
-          <p:cNvPr id="35" name="Text Box 34"/>
-          <p:cNvSpPr txBox="true"/>
-          <p:nvPr/>
-        </p:nvSpPr>
-        <p:spPr>
-          <a:xfrm>
-            <a:off x="6760845" y="5173980"/>
-            <a:ext cx="4978400" cy="368300"/>
+          <a:xfrm>
+            <a:off x="4620227" y="2039271"/>
+            <a:ext cx="3804920" cy="307777"/>
           </a:xfrm>
           <a:prstGeom prst="rect">
             <a:avLst/>
@@ -4392,71 +6747,30 @@
           <a:bodyPr wrap="square" rtlCol="0">
             <a:spAutoFit/>
           </a:bodyPr>
-          <a:p>
-            <a:r>
-              <a:rPr lang="" altLang="en-US">
-                <a:sym typeface="+mn-ea"/>
-              </a:rPr>
-              <a:t>save all parameters</a:t>
-            </a:r>
-            <a:endParaRPr lang="" altLang="en-US">
-              <a:sym typeface="+mn-ea"/>
+          <a:lstStyle/>
+          <a:p>
+            <a:r>
+              <a:rPr lang="" altLang="en-US" sz="1400" dirty="0">
+                <a:latin typeface="Helvetica" pitchFamily="2" charset="0"/>
+              </a:rPr>
+              <a:t>Grid size (in m)</a:t>
+            </a:r>
+            <a:endParaRPr lang="en-US" altLang="en-US" sz="1400" dirty="0">
+              <a:latin typeface="Helvetica" pitchFamily="2" charset="0"/>
             </a:endParaRPr>
           </a:p>
         </p:txBody>
       </p:sp>
       <p:sp>
         <p:nvSpPr>
-          <p:cNvPr id="36" name="Right Arrow 35"/>
-          <p:cNvSpPr/>
+          <p:cNvPr id="26" name="Text Box 25"/>
+          <p:cNvSpPr txBox="1"/>
           <p:nvPr/>
         </p:nvSpPr>
         <p:spPr>
           <a:xfrm>
-            <a:off x="4646295" y="5842000"/>
-            <a:ext cx="2019300" cy="91440"/>
-          </a:xfrm>
-          <a:prstGeom prst="rightArrow">
-            <a:avLst>
-              <a:gd name="adj1" fmla="val 50000"/>
-              <a:gd name="adj2" fmla="val 122916"/>
-            </a:avLst>
-          </a:prstGeom>
-        </p:spPr>
-        <p:style>
-          <a:lnRef idx="2">
-            <a:schemeClr val="dk1">
-              <a:shade val="50000"/>
-            </a:schemeClr>
-          </a:lnRef>
-          <a:fillRef idx="1">
-            <a:schemeClr val="dk1"/>
-          </a:fillRef>
-          <a:effectRef idx="0">
-            <a:schemeClr val="dk1"/>
-          </a:effectRef>
-          <a:fontRef idx="minor">
-            <a:schemeClr val="lt1"/>
-          </a:fontRef>
-        </p:style>
-        <p:txBody>
-          <a:bodyPr rtlCol="0" anchor="ctr"/>
-          <a:p>
-            <a:pPr algn="ctr"/>
-            <a:endParaRPr lang="en-US"/>
-          </a:p>
-        </p:txBody>
-      </p:sp>
-      <p:sp>
-        <p:nvSpPr>
-          <p:cNvPr id="37" name="Text Box 36"/>
-          <p:cNvSpPr txBox="true"/>
-          <p:nvPr/>
-        </p:nvSpPr>
-        <p:spPr>
-          <a:xfrm>
-            <a:off x="6760845" y="5703570"/>
-            <a:ext cx="4978400" cy="368300"/>
+            <a:off x="4620227" y="2491583"/>
+            <a:ext cx="4978400" cy="307777"/>
           </a:xfrm>
           <a:prstGeom prst="rect">
             <a:avLst/>
@@ -4467,54 +6781,403 @@
           <a:bodyPr wrap="square" rtlCol="0">
             <a:spAutoFit/>
           </a:bodyPr>
-          <a:p>
-            <a:r>
-              <a:rPr lang="" altLang="en-US">
+          <a:lstStyle/>
+          <a:p>
+            <a:r>
+              <a:rPr lang="" altLang="en-US" sz="1400" dirty="0">
+                <a:latin typeface="Helvetica" pitchFamily="2" charset="0"/>
                 <a:sym typeface="+mn-ea"/>
               </a:rPr>
-              <a:t>load previously saved parameter file</a:t>
-            </a:r>
-            <a:endParaRPr lang="" altLang="en-US">
-              <a:sym typeface="+mn-ea"/>
+              <a:t>Total time </a:t>
+            </a:r>
+            <a:r>
+              <a:rPr lang="en-US" altLang="en-US" sz="1400" dirty="0">
+                <a:latin typeface="Helvetica" pitchFamily="2" charset="0"/>
+                <a:sym typeface="+mn-ea"/>
+              </a:rPr>
+              <a:t>steps</a:t>
+            </a:r>
+            <a:endParaRPr lang="en-US" altLang="en-US" sz="1400" dirty="0">
+              <a:latin typeface="Helvetica" pitchFamily="2" charset="0"/>
             </a:endParaRPr>
           </a:p>
         </p:txBody>
       </p:sp>
-      <p:cxnSp>
-        <p:nvCxnSpPr>
-          <p:cNvPr id="17" name="Straight Connector 16"/>
-          <p:cNvCxnSpPr/>
+      <p:sp>
+        <p:nvSpPr>
+          <p:cNvPr id="29" name="Text Box 28"/>
+          <p:cNvSpPr txBox="1"/>
           <p:nvPr/>
-        </p:nvCxnSpPr>
-        <p:spPr>
-          <a:xfrm flipV="true">
-            <a:off x="1607820" y="5330190"/>
-            <a:ext cx="0" cy="373380"/>
-          </a:xfrm>
-          <a:prstGeom prst="line">
-            <a:avLst/>
-          </a:prstGeom>
-          <a:ln w="38100">
-            <a:solidFill>
-              <a:schemeClr val="tx1"/>
-            </a:solidFill>
-          </a:ln>
-        </p:spPr>
-        <p:style>
-          <a:lnRef idx="1">
-            <a:schemeClr val="accent1"/>
-          </a:lnRef>
-          <a:fillRef idx="0">
-            <a:schemeClr val="accent1"/>
-          </a:fillRef>
-          <a:effectRef idx="0">
-            <a:schemeClr val="accent1"/>
-          </a:effectRef>
-          <a:fontRef idx="minor">
-            <a:schemeClr val="tx1"/>
-          </a:fontRef>
-        </p:style>
-      </p:cxnSp>
+        </p:nvSpPr>
+        <p:spPr>
+          <a:xfrm>
+            <a:off x="4620227" y="2719256"/>
+            <a:ext cx="4978400" cy="307777"/>
+          </a:xfrm>
+          <a:prstGeom prst="rect">
+            <a:avLst/>
+          </a:prstGeom>
+          <a:noFill/>
+        </p:spPr>
+        <p:txBody>
+          <a:bodyPr wrap="square" rtlCol="0">
+            <a:spAutoFit/>
+          </a:bodyPr>
+          <a:lstStyle/>
+          <a:p>
+            <a:r>
+              <a:rPr lang="" altLang="en-US" sz="1400" dirty="0">
+                <a:latin typeface="Helvetica" pitchFamily="2" charset="0"/>
+                <a:sym typeface="+mn-ea"/>
+              </a:rPr>
+              <a:t>PML size, use a relatively large one, i.e., 50</a:t>
+            </a:r>
+          </a:p>
+        </p:txBody>
+      </p:sp>
+      <p:sp>
+        <p:nvSpPr>
+          <p:cNvPr id="30" name="Text Box 29"/>
+          <p:cNvSpPr txBox="1"/>
+          <p:nvPr/>
+        </p:nvSpPr>
+        <p:spPr>
+          <a:xfrm>
+            <a:off x="4620227" y="2949059"/>
+            <a:ext cx="4978400" cy="307777"/>
+          </a:xfrm>
+          <a:prstGeom prst="rect">
+            <a:avLst/>
+          </a:prstGeom>
+          <a:noFill/>
+        </p:spPr>
+        <p:txBody>
+          <a:bodyPr wrap="square" rtlCol="0">
+            <a:spAutoFit/>
+          </a:bodyPr>
+          <a:lstStyle/>
+          <a:p>
+            <a:r>
+              <a:rPr lang="" altLang="en-US" sz="1400" dirty="0">
+                <a:latin typeface="Helvetica" pitchFamily="2" charset="0"/>
+                <a:sym typeface="+mn-ea"/>
+              </a:rPr>
+              <a:t>Set free surface or not</a:t>
+            </a:r>
+          </a:p>
+        </p:txBody>
+      </p:sp>
+      <p:sp>
+        <p:nvSpPr>
+          <p:cNvPr id="55" name="Text Box 54"/>
+          <p:cNvSpPr txBox="1"/>
+          <p:nvPr/>
+        </p:nvSpPr>
+        <p:spPr>
+          <a:xfrm>
+            <a:off x="4620227" y="4681222"/>
+            <a:ext cx="7898466" cy="307777"/>
+          </a:xfrm>
+          <a:prstGeom prst="rect">
+            <a:avLst/>
+          </a:prstGeom>
+          <a:noFill/>
+        </p:spPr>
+        <p:txBody>
+          <a:bodyPr wrap="square" rtlCol="0">
+            <a:spAutoFit/>
+          </a:bodyPr>
+          <a:lstStyle/>
+          <a:p>
+            <a:r>
+              <a:rPr lang="" altLang="en-US" sz="1400" dirty="0">
+                <a:latin typeface="Helvetica" pitchFamily="2" charset="0"/>
+                <a:sym typeface="+mn-ea"/>
+              </a:rPr>
+              <a:t>F</a:t>
+            </a:r>
+            <a:r>
+              <a:rPr lang="en-US" altLang="en-US" sz="1400" dirty="0" err="1">
+                <a:latin typeface="Helvetica" pitchFamily="2" charset="0"/>
+                <a:sym typeface="+mn-ea"/>
+              </a:rPr>
+              <a:t>ield</a:t>
+            </a:r>
+            <a:r>
+              <a:rPr lang="en-US" altLang="en-US" sz="1400" dirty="0">
+                <a:latin typeface="Helvetica" pitchFamily="2" charset="0"/>
+                <a:sym typeface="+mn-ea"/>
+              </a:rPr>
+              <a:t>-data path</a:t>
+            </a:r>
+            <a:r>
+              <a:rPr lang="" altLang="en-US" sz="1400" dirty="0">
+                <a:latin typeface="Helvetica" pitchFamily="2" charset="0"/>
+                <a:sym typeface="+mn-ea"/>
+              </a:rPr>
+              <a:t>, data should be named as:  src1_sg.su, src2_sg.su, ..., src40_sg.su, ...</a:t>
+            </a:r>
+          </a:p>
+        </p:txBody>
+      </p:sp>
+      <p:sp>
+        <p:nvSpPr>
+          <p:cNvPr id="56" name="Text Box 55"/>
+          <p:cNvSpPr txBox="1"/>
+          <p:nvPr/>
+        </p:nvSpPr>
+        <p:spPr>
+          <a:xfrm>
+            <a:off x="4620227" y="3654403"/>
+            <a:ext cx="4978400" cy="307777"/>
+          </a:xfrm>
+          <a:prstGeom prst="rect">
+            <a:avLst/>
+          </a:prstGeom>
+          <a:noFill/>
+        </p:spPr>
+        <p:txBody>
+          <a:bodyPr wrap="square" rtlCol="0">
+            <a:spAutoFit/>
+          </a:bodyPr>
+          <a:lstStyle/>
+          <a:p>
+            <a:r>
+              <a:rPr lang="en-US" altLang="en-US" sz="1400" dirty="0">
+                <a:latin typeface="Helvetica" pitchFamily="2" charset="0"/>
+                <a:sym typeface="+mn-ea"/>
+              </a:rPr>
+              <a:t>True </a:t>
+            </a:r>
+            <a:r>
+              <a:rPr lang="en-US" altLang="en-US" sz="1400" dirty="0" err="1">
+                <a:latin typeface="Helvetica" pitchFamily="2" charset="0"/>
+                <a:sym typeface="+mn-ea"/>
+              </a:rPr>
+              <a:t>Vp</a:t>
+            </a:r>
+            <a:r>
+              <a:rPr lang="en-US" altLang="en-US" sz="1400" dirty="0">
+                <a:latin typeface="Helvetica" pitchFamily="2" charset="0"/>
+                <a:sym typeface="+mn-ea"/>
+              </a:rPr>
+              <a:t> model saved in the txt file</a:t>
+            </a:r>
+          </a:p>
+        </p:txBody>
+      </p:sp>
+      <p:sp>
+        <p:nvSpPr>
+          <p:cNvPr id="57" name="Text Box 56"/>
+          <p:cNvSpPr txBox="1"/>
+          <p:nvPr/>
+        </p:nvSpPr>
+        <p:spPr>
+          <a:xfrm>
+            <a:off x="4620227" y="4164695"/>
+            <a:ext cx="4978400" cy="307777"/>
+          </a:xfrm>
+          <a:prstGeom prst="rect">
+            <a:avLst/>
+          </a:prstGeom>
+          <a:noFill/>
+        </p:spPr>
+        <p:txBody>
+          <a:bodyPr wrap="square" rtlCol="0">
+            <a:spAutoFit/>
+          </a:bodyPr>
+          <a:lstStyle/>
+          <a:p>
+            <a:r>
+              <a:rPr lang="" altLang="en-US" sz="1400" dirty="0">
+                <a:latin typeface="Helvetica" pitchFamily="2" charset="0"/>
+                <a:sym typeface="+mn-ea"/>
+              </a:rPr>
+              <a:t>I</a:t>
+            </a:r>
+            <a:r>
+              <a:rPr lang="en-US" altLang="en-US" sz="1400" dirty="0" err="1">
+                <a:latin typeface="Helvetica" pitchFamily="2" charset="0"/>
+                <a:sym typeface="+mn-ea"/>
+              </a:rPr>
+              <a:t>nitial</a:t>
+            </a:r>
+            <a:r>
+              <a:rPr lang="en-US" altLang="en-US" sz="1400" dirty="0">
+                <a:latin typeface="Helvetica" pitchFamily="2" charset="0"/>
+                <a:sym typeface="+mn-ea"/>
+              </a:rPr>
+              <a:t> </a:t>
+            </a:r>
+            <a:r>
+              <a:rPr lang="en-US" altLang="en-US" sz="1400" dirty="0" err="1">
+                <a:latin typeface="Helvetica" pitchFamily="2" charset="0"/>
+                <a:sym typeface="+mn-ea"/>
+              </a:rPr>
+              <a:t>Vp</a:t>
+            </a:r>
+            <a:r>
+              <a:rPr lang="en-US" altLang="en-US" sz="1400" dirty="0">
+                <a:latin typeface="Helvetica" pitchFamily="2" charset="0"/>
+                <a:sym typeface="+mn-ea"/>
+              </a:rPr>
+              <a:t> model saved in the txt file</a:t>
+            </a:r>
+          </a:p>
+        </p:txBody>
+      </p:sp>
+      <p:sp>
+        <p:nvSpPr>
+          <p:cNvPr id="2" name="Rectangle 1">
+            <a:extLst>
+              <a:ext uri="{FF2B5EF4-FFF2-40B4-BE49-F238E27FC236}">
+                <a16:creationId xmlns:a16="http://schemas.microsoft.com/office/drawing/2014/main" id="{102B4B86-460B-6E4F-B904-1C1820788EDD}"/>
+              </a:ext>
+            </a:extLst>
+          </p:cNvPr>
+          <p:cNvSpPr/>
+          <p:nvPr/>
+        </p:nvSpPr>
+        <p:spPr>
+          <a:xfrm>
+            <a:off x="5248317" y="5727186"/>
+            <a:ext cx="6096000" cy="970971"/>
+          </a:xfrm>
+          <a:prstGeom prst="rect">
+            <a:avLst/>
+          </a:prstGeom>
+        </p:spPr>
+        <p:txBody>
+          <a:bodyPr>
+            <a:spAutoFit/>
+          </a:bodyPr>
+          <a:lstStyle/>
+          <a:p>
+            <a:pPr fontAlgn="auto">
+              <a:lnSpc>
+                <a:spcPct val="150000"/>
+              </a:lnSpc>
+            </a:pPr>
+            <a:r>
+              <a:rPr lang="" altLang="en-US" sz="2000" dirty="0">
+                <a:latin typeface="Helvetica" pitchFamily="2" charset="0"/>
+                <a:sym typeface="+mn-ea"/>
+              </a:rPr>
+              <a:t>Synthetic FWI requires: </a:t>
+            </a:r>
+            <a:r>
+              <a:rPr lang="" altLang="en-US" sz="2000" dirty="0">
+                <a:solidFill>
+                  <a:srgbClr val="C00000"/>
+                </a:solidFill>
+                <a:latin typeface="Helvetica" pitchFamily="2" charset="0"/>
+                <a:sym typeface="+mn-ea"/>
+              </a:rPr>
+              <a:t>Vp true &amp; Vp init</a:t>
+            </a:r>
+          </a:p>
+          <a:p>
+            <a:pPr fontAlgn="auto">
+              <a:lnSpc>
+                <a:spcPct val="150000"/>
+              </a:lnSpc>
+            </a:pPr>
+            <a:r>
+              <a:rPr lang="en-US" altLang="en-US" sz="2000" dirty="0">
+                <a:latin typeface="Helvetica" pitchFamily="2" charset="0"/>
+                <a:sym typeface="+mn-ea"/>
+              </a:rPr>
+              <a:t>Field-data</a:t>
+            </a:r>
+            <a:r>
+              <a:rPr lang="" altLang="en-US" sz="2000" dirty="0">
+                <a:latin typeface="Helvetica" pitchFamily="2" charset="0"/>
+                <a:sym typeface="+mn-ea"/>
+              </a:rPr>
+              <a:t> application requires: </a:t>
+            </a:r>
+            <a:r>
+              <a:rPr lang="en-US" altLang="en-US" sz="2000" dirty="0" err="1">
+                <a:solidFill>
+                  <a:srgbClr val="C00000"/>
+                </a:solidFill>
+                <a:latin typeface="Helvetica" pitchFamily="2" charset="0"/>
+                <a:sym typeface="+mn-ea"/>
+              </a:rPr>
+              <a:t>Vp</a:t>
+            </a:r>
+            <a:r>
+              <a:rPr lang="en-US" altLang="en-US" sz="2000" dirty="0">
+                <a:solidFill>
+                  <a:srgbClr val="C00000"/>
+                </a:solidFill>
+                <a:latin typeface="Helvetica" pitchFamily="2" charset="0"/>
+                <a:sym typeface="+mn-ea"/>
+              </a:rPr>
+              <a:t> </a:t>
+            </a:r>
+            <a:r>
+              <a:rPr lang="en-US" altLang="en-US" sz="2000" dirty="0" err="1">
+                <a:solidFill>
+                  <a:srgbClr val="C00000"/>
+                </a:solidFill>
+                <a:latin typeface="Helvetica" pitchFamily="2" charset="0"/>
+                <a:sym typeface="+mn-ea"/>
+              </a:rPr>
+              <a:t>init</a:t>
+            </a:r>
+            <a:r>
+              <a:rPr lang="" altLang="en-US" sz="2000" dirty="0">
+                <a:solidFill>
+                  <a:srgbClr val="C00000"/>
+                </a:solidFill>
+                <a:latin typeface="Helvetica" pitchFamily="2" charset="0"/>
+                <a:sym typeface="+mn-ea"/>
+              </a:rPr>
+              <a:t> &amp; SU data</a:t>
+            </a:r>
+          </a:p>
+        </p:txBody>
+      </p:sp>
+      <p:sp>
+        <p:nvSpPr>
+          <p:cNvPr id="33" name="TextBox 32">
+            <a:extLst>
+              <a:ext uri="{FF2B5EF4-FFF2-40B4-BE49-F238E27FC236}">
+                <a16:creationId xmlns:a16="http://schemas.microsoft.com/office/drawing/2014/main" id="{484A6F6F-9C58-6F4F-A6B4-E1C72AB5B3AE}"/>
+              </a:ext>
+            </a:extLst>
+          </p:cNvPr>
+          <p:cNvSpPr txBox="1"/>
+          <p:nvPr/>
+        </p:nvSpPr>
+        <p:spPr>
+          <a:xfrm>
+            <a:off x="0" y="0"/>
+            <a:ext cx="3082126" cy="461665"/>
+          </a:xfrm>
+          <a:prstGeom prst="rect">
+            <a:avLst/>
+          </a:prstGeom>
+          <a:noFill/>
+        </p:spPr>
+        <p:txBody>
+          <a:bodyPr wrap="none" rtlCol="0">
+            <a:spAutoFit/>
+          </a:bodyPr>
+          <a:lstStyle/>
+          <a:p>
+            <a:r>
+              <a:rPr lang="en-US" sz="2400" b="1" dirty="0">
+                <a:latin typeface="Times New Roman" panose="02020603050405020304" pitchFamily="18" charset="0"/>
+                <a:cs typeface="Times New Roman" panose="02020603050405020304" pitchFamily="18" charset="0"/>
+              </a:rPr>
+              <a:t>Parameters for Model</a:t>
+            </a:r>
+            <a:endParaRPr lang="en-CN" sz="2400" dirty="0"/>
+          </a:p>
+        </p:txBody>
+      </p:sp>
     </p:spTree>
   </p:cSld>
   <p:clrMapOvr>
@@ -4523,7 +7186,7 @@
 </p:sld>
 </file>
 
-<file path=ppt/slides/slide3.xml><?xml version="1.0" encoding="utf-8"?>
+<file path=ppt/slides/slide9.xml><?xml version="1.0" encoding="utf-8"?>
 <p:sld xmlns:a="http://schemas.openxmlformats.org/drawingml/2006/main" xmlns:r="http://schemas.openxmlformats.org/officeDocument/2006/relationships" xmlns:p="http://schemas.openxmlformats.org/presentationml/2006/main">
   <p:cSld>
     <p:spTree>
@@ -4532,25 +7195,32 @@
         <p:cNvGrpSpPr/>
         <p:nvPr/>
       </p:nvGrpSpPr>
-      <p:grpSpPr/>
+      <p:grpSpPr>
+        <a:xfrm>
+          <a:off x="0" y="0"/>
+          <a:ext cx="0" cy="0"/>
+          <a:chOff x="0" y="0"/>
+          <a:chExt cx="0" cy="0"/>
+        </a:xfrm>
+      </p:grpSpPr>
       <p:pic>
         <p:nvPicPr>
-          <p:cNvPr id="7" name="Picture 6" descr="Screenshot from 2021-07-05 21-28-27"/>
+          <p:cNvPr id="8" name="Picture 7" descr="Screenshot from 2021-07-05 21-28-35"/>
           <p:cNvPicPr>
-            <a:picLocks noChangeAspect="true"/>
+            <a:picLocks noChangeAspect="1"/>
           </p:cNvPicPr>
           <p:nvPr/>
         </p:nvPicPr>
         <p:blipFill>
-          <a:blip r:embed="rId1"/>
+          <a:blip r:embed="rId2"/>
           <a:stretch>
             <a:fillRect/>
           </a:stretch>
         </p:blipFill>
         <p:spPr>
           <a:xfrm>
-            <a:off x="723900" y="328930"/>
-            <a:ext cx="4876800" cy="6334125"/>
+            <a:off x="743552" y="665513"/>
+            <a:ext cx="4914900" cy="6305550"/>
           </a:xfrm>
           <a:prstGeom prst="rect">
             <a:avLst/>
@@ -4559,140 +7229,14 @@
       </p:pic>
       <p:sp>
         <p:nvSpPr>
-          <p:cNvPr id="10" name="Right Arrow 9"/>
-          <p:cNvSpPr/>
+          <p:cNvPr id="13" name="Text Box 12"/>
+          <p:cNvSpPr txBox="1"/>
           <p:nvPr/>
         </p:nvSpPr>
         <p:spPr>
           <a:xfrm>
-            <a:off x="4273550" y="1520190"/>
-            <a:ext cx="2019300" cy="91440"/>
-          </a:xfrm>
-          <a:prstGeom prst="rightArrow">
-            <a:avLst>
-              <a:gd name="adj1" fmla="val 50000"/>
-              <a:gd name="adj2" fmla="val 122916"/>
-            </a:avLst>
-          </a:prstGeom>
-        </p:spPr>
-        <p:style>
-          <a:lnRef idx="2">
-            <a:schemeClr val="dk1">
-              <a:shade val="50000"/>
-            </a:schemeClr>
-          </a:lnRef>
-          <a:fillRef idx="1">
-            <a:schemeClr val="dk1"/>
-          </a:fillRef>
-          <a:effectRef idx="0">
-            <a:schemeClr val="dk1"/>
-          </a:effectRef>
-          <a:fontRef idx="minor">
-            <a:schemeClr val="lt1"/>
-          </a:fontRef>
-        </p:style>
-        <p:txBody>
-          <a:bodyPr rtlCol="0" anchor="ctr"/>
-          <a:p>
-            <a:pPr algn="ctr"/>
-            <a:endParaRPr lang="en-US"/>
-          </a:p>
-        </p:txBody>
-      </p:sp>
-      <p:sp>
-        <p:nvSpPr>
-          <p:cNvPr id="11" name="Right Arrow 10"/>
-          <p:cNvSpPr/>
-          <p:nvPr/>
-        </p:nvSpPr>
-        <p:spPr>
-          <a:xfrm>
-            <a:off x="4273550" y="1750060"/>
-            <a:ext cx="2019300" cy="91440"/>
-          </a:xfrm>
-          <a:prstGeom prst="rightArrow">
-            <a:avLst>
-              <a:gd name="adj1" fmla="val 50000"/>
-              <a:gd name="adj2" fmla="val 122916"/>
-            </a:avLst>
-          </a:prstGeom>
-        </p:spPr>
-        <p:style>
-          <a:lnRef idx="2">
-            <a:schemeClr val="dk1">
-              <a:shade val="50000"/>
-            </a:schemeClr>
-          </a:lnRef>
-          <a:fillRef idx="1">
-            <a:schemeClr val="dk1"/>
-          </a:fillRef>
-          <a:effectRef idx="0">
-            <a:schemeClr val="dk1"/>
-          </a:effectRef>
-          <a:fontRef idx="minor">
-            <a:schemeClr val="lt1"/>
-          </a:fontRef>
-        </p:style>
-        <p:txBody>
-          <a:bodyPr rtlCol="0" anchor="ctr"/>
-          <a:p>
-            <a:pPr algn="ctr"/>
-            <a:endParaRPr lang="en-US"/>
-          </a:p>
-        </p:txBody>
-      </p:sp>
-      <p:sp>
-        <p:nvSpPr>
-          <p:cNvPr id="12" name="Right Arrow 11"/>
-          <p:cNvSpPr/>
-          <p:nvPr/>
-        </p:nvSpPr>
-        <p:spPr>
-          <a:xfrm>
-            <a:off x="4273550" y="1969770"/>
-            <a:ext cx="2019300" cy="91440"/>
-          </a:xfrm>
-          <a:prstGeom prst="rightArrow">
-            <a:avLst>
-              <a:gd name="adj1" fmla="val 50000"/>
-              <a:gd name="adj2" fmla="val 122916"/>
-            </a:avLst>
-          </a:prstGeom>
-        </p:spPr>
-        <p:style>
-          <a:lnRef idx="2">
-            <a:schemeClr val="dk1">
-              <a:shade val="50000"/>
-            </a:schemeClr>
-          </a:lnRef>
-          <a:fillRef idx="1">
-            <a:schemeClr val="dk1"/>
-          </a:fillRef>
-          <a:effectRef idx="0">
-            <a:schemeClr val="dk1"/>
-          </a:effectRef>
-          <a:fontRef idx="minor">
-            <a:schemeClr val="lt1"/>
-          </a:fontRef>
-        </p:style>
-        <p:txBody>
-          <a:bodyPr rtlCol="0" anchor="ctr"/>
-          <a:p>
-            <a:pPr algn="ctr"/>
-            <a:endParaRPr lang="en-US"/>
-          </a:p>
-        </p:txBody>
-      </p:sp>
-      <p:sp>
-        <p:nvSpPr>
-          <p:cNvPr id="13" name="Text Box 12"/>
-          <p:cNvSpPr txBox="true"/>
-          <p:nvPr/>
-        </p:nvSpPr>
-        <p:spPr>
-          <a:xfrm>
-            <a:off x="6388100" y="1389380"/>
-            <a:ext cx="3067050" cy="368300"/>
+            <a:off x="4668561" y="2001638"/>
+            <a:ext cx="5837555" cy="307777"/>
           </a:xfrm>
           <a:prstGeom prst="rect">
             <a:avLst/>
@@ -4703,25 +7247,42 @@
           <a:bodyPr wrap="square" rtlCol="0">
             <a:spAutoFit/>
           </a:bodyPr>
-          <a:p>
-            <a:r>
-              <a:rPr lang="" altLang="en-US"/>
-              <a:t>model size along x direction</a:t>
-            </a:r>
-            <a:endParaRPr lang="" altLang="en-US"/>
-          </a:p>
-        </p:txBody>
-      </p:sp>
-      <p:sp>
-        <p:nvSpPr>
-          <p:cNvPr id="14" name="Text Box 13"/>
-          <p:cNvSpPr txBox="true"/>
+          <a:lstStyle/>
+          <a:p>
+            <a:r>
+              <a:rPr lang="" altLang="en-US" sz="1400" dirty="0">
+                <a:latin typeface="Helvetica" pitchFamily="2" charset="0"/>
+                <a:sym typeface="+mn-ea"/>
+              </a:rPr>
+              <a:t>Receiver </a:t>
+            </a:r>
+            <a:r>
+              <a:rPr lang="en-US" altLang="en-US" sz="1400" dirty="0">
+                <a:latin typeface="Helvetica" pitchFamily="2" charset="0"/>
+                <a:sym typeface="+mn-ea"/>
+              </a:rPr>
+              <a:t>file</a:t>
+            </a:r>
+            <a:r>
+              <a:rPr lang="" altLang="en-US" sz="1400" dirty="0">
+                <a:latin typeface="Helvetica" pitchFamily="2" charset="0"/>
+                <a:sym typeface="+mn-ea"/>
+              </a:rPr>
+              <a:t>, see examples for detailed format</a:t>
+            </a:r>
+          </a:p>
+        </p:txBody>
+      </p:sp>
+      <p:sp>
+        <p:nvSpPr>
+          <p:cNvPr id="22" name="Text Box 21"/>
+          <p:cNvSpPr txBox="1"/>
           <p:nvPr/>
         </p:nvSpPr>
         <p:spPr>
           <a:xfrm>
-            <a:off x="6388100" y="2084070"/>
-            <a:ext cx="4978400" cy="368300"/>
+            <a:off x="4667926" y="2523997"/>
+            <a:ext cx="5838190" cy="307777"/>
           </a:xfrm>
           <a:prstGeom prst="rect">
             <a:avLst/>
@@ -4732,39 +7293,37 @@
           <a:bodyPr wrap="square" rtlCol="0">
             <a:spAutoFit/>
           </a:bodyPr>
-          <a:p>
-            <a:r>
-              <a:rPr lang="en-US" altLang="en-US">
+          <a:lstStyle/>
+          <a:p>
+            <a:r>
+              <a:rPr lang="" altLang="en-US" sz="1400" dirty="0">
+                <a:latin typeface="Helvetica" pitchFamily="2" charset="0"/>
+              </a:rPr>
+              <a:t>Source file, </a:t>
+            </a:r>
+            <a:r>
+              <a:rPr lang="en-US" altLang="en-US" sz="1400" dirty="0">
+                <a:latin typeface="Helvetica" pitchFamily="2" charset="0"/>
                 <a:sym typeface="+mn-ea"/>
               </a:rPr>
-              <a:t>finite-difference </a:t>
-            </a:r>
-            <a:r>
-              <a:rPr lang="" altLang="en-US">
-                <a:sym typeface="+mn-ea"/>
-              </a:rPr>
-              <a:t>temporal interval (</a:t>
-            </a:r>
-            <a:r>
-              <a:rPr lang="" altLang="en-US">
-                <a:sym typeface="+mn-ea"/>
-              </a:rPr>
-              <a:t>in second)</a:t>
-            </a:r>
-            <a:endParaRPr lang="en-US" altLang="en-US"/>
-          </a:p>
-        </p:txBody>
-      </p:sp>
-      <p:sp>
-        <p:nvSpPr>
-          <p:cNvPr id="22" name="Text Box 21"/>
-          <p:cNvSpPr txBox="true"/>
+              <a:t>see examples for detailed format</a:t>
+            </a:r>
+            <a:endParaRPr lang="" altLang="en-US" sz="1400" dirty="0">
+              <a:latin typeface="Helvetica" pitchFamily="2" charset="0"/>
+            </a:endParaRPr>
+          </a:p>
+        </p:txBody>
+      </p:sp>
+      <p:sp>
+        <p:nvSpPr>
+          <p:cNvPr id="7" name="Text Box 6"/>
+          <p:cNvSpPr txBox="1"/>
           <p:nvPr/>
         </p:nvSpPr>
         <p:spPr>
           <a:xfrm>
-            <a:off x="6388100" y="1596390"/>
-            <a:ext cx="3067050" cy="368300"/>
+            <a:off x="4667926" y="2997432"/>
+            <a:ext cx="5838190" cy="307777"/>
           </a:xfrm>
           <a:prstGeom prst="rect">
             <a:avLst/>
@@ -4775,33 +7334,27 @@
           <a:bodyPr wrap="square" rtlCol="0">
             <a:spAutoFit/>
           </a:bodyPr>
-          <a:p>
-            <a:r>
-              <a:rPr lang="en-US" altLang="en-US"/>
-              <a:t>model size along </a:t>
-            </a:r>
-            <a:r>
-              <a:rPr lang="" altLang="en-US"/>
-              <a:t>z</a:t>
-            </a:r>
-            <a:r>
-              <a:rPr lang="en-US" altLang="en-US"/>
-              <a:t> direction</a:t>
-            </a:r>
-            <a:endParaRPr lang="en-US" altLang="en-US"/>
-          </a:p>
-        </p:txBody>
-      </p:sp>
-      <p:sp>
-        <p:nvSpPr>
-          <p:cNvPr id="23" name="Text Box 22"/>
-          <p:cNvSpPr txBox="true"/>
+          <a:lstStyle/>
+          <a:p>
+            <a:r>
+              <a:rPr lang="" altLang="en-US" sz="1400" dirty="0">
+                <a:latin typeface="Helvetica" pitchFamily="2" charset="0"/>
+              </a:rPr>
+              <a:t>Acqusition type: land or marine</a:t>
+            </a:r>
+          </a:p>
+        </p:txBody>
+      </p:sp>
+      <p:sp>
+        <p:nvSpPr>
+          <p:cNvPr id="14" name="Text Box 13"/>
+          <p:cNvSpPr txBox="1"/>
           <p:nvPr/>
         </p:nvSpPr>
         <p:spPr>
           <a:xfrm>
-            <a:off x="6388100" y="1854200"/>
-            <a:ext cx="3804920" cy="368300"/>
+            <a:off x="4667926" y="3239704"/>
+            <a:ext cx="5838190" cy="307777"/>
           </a:xfrm>
           <a:prstGeom prst="rect">
             <a:avLst/>
@@ -4812,109 +7365,27 @@
           <a:bodyPr wrap="square" rtlCol="0">
             <a:spAutoFit/>
           </a:bodyPr>
-          <a:p>
-            <a:r>
-              <a:rPr lang="" altLang="en-US"/>
-              <a:t>finite-difference size (in meter)</a:t>
-            </a:r>
-            <a:endParaRPr lang="en-US" altLang="en-US"/>
-          </a:p>
-        </p:txBody>
-      </p:sp>
-      <p:sp>
-        <p:nvSpPr>
-          <p:cNvPr id="24" name="Right Arrow 23"/>
-          <p:cNvSpPr/>
+          <a:lstStyle/>
+          <a:p>
+            <a:r>
+              <a:rPr lang="" altLang="en-US" sz="1400" dirty="0">
+                <a:latin typeface="Helvetica" pitchFamily="2" charset="0"/>
+              </a:rPr>
+              <a:t>Source wavelet: Ricker or from file</a:t>
+            </a:r>
+          </a:p>
+        </p:txBody>
+      </p:sp>
+      <p:sp>
+        <p:nvSpPr>
+          <p:cNvPr id="16" name="Text Box 15"/>
+          <p:cNvSpPr txBox="1"/>
           <p:nvPr/>
         </p:nvSpPr>
         <p:spPr>
           <a:xfrm>
-            <a:off x="4273550" y="2189480"/>
-            <a:ext cx="2019300" cy="91440"/>
-          </a:xfrm>
-          <a:prstGeom prst="rightArrow">
-            <a:avLst>
-              <a:gd name="adj1" fmla="val 50000"/>
-              <a:gd name="adj2" fmla="val 122916"/>
-            </a:avLst>
-          </a:prstGeom>
-        </p:spPr>
-        <p:style>
-          <a:lnRef idx="2">
-            <a:schemeClr val="dk1">
-              <a:shade val="50000"/>
-            </a:schemeClr>
-          </a:lnRef>
-          <a:fillRef idx="1">
-            <a:schemeClr val="dk1"/>
-          </a:fillRef>
-          <a:effectRef idx="0">
-            <a:schemeClr val="dk1"/>
-          </a:effectRef>
-          <a:fontRef idx="minor">
-            <a:schemeClr val="lt1"/>
-          </a:fontRef>
-        </p:style>
-        <p:txBody>
-          <a:bodyPr rtlCol="0" anchor="ctr"/>
-          <a:p>
-            <a:pPr algn="ctr"/>
-            <a:endParaRPr lang="en-US"/>
-          </a:p>
-        </p:txBody>
-      </p:sp>
-      <p:sp>
-        <p:nvSpPr>
-          <p:cNvPr id="25" name="Right Arrow 24"/>
-          <p:cNvSpPr/>
-          <p:nvPr/>
-        </p:nvSpPr>
-        <p:spPr>
-          <a:xfrm>
-            <a:off x="4273550" y="2406650"/>
-            <a:ext cx="2019300" cy="91440"/>
-          </a:xfrm>
-          <a:prstGeom prst="rightArrow">
-            <a:avLst>
-              <a:gd name="adj1" fmla="val 50000"/>
-              <a:gd name="adj2" fmla="val 122916"/>
-            </a:avLst>
-          </a:prstGeom>
-        </p:spPr>
-        <p:style>
-          <a:lnRef idx="2">
-            <a:schemeClr val="dk1">
-              <a:shade val="50000"/>
-            </a:schemeClr>
-          </a:lnRef>
-          <a:fillRef idx="1">
-            <a:schemeClr val="dk1"/>
-          </a:fillRef>
-          <a:effectRef idx="0">
-            <a:schemeClr val="dk1"/>
-          </a:effectRef>
-          <a:fontRef idx="minor">
-            <a:schemeClr val="lt1"/>
-          </a:fontRef>
-        </p:style>
-        <p:txBody>
-          <a:bodyPr rtlCol="0" anchor="ctr"/>
-          <a:p>
-            <a:pPr algn="ctr"/>
-            <a:endParaRPr lang="en-US"/>
-          </a:p>
-        </p:txBody>
-      </p:sp>
-      <p:sp>
-        <p:nvSpPr>
-          <p:cNvPr id="26" name="Text Box 25"/>
-          <p:cNvSpPr txBox="true"/>
-          <p:nvPr/>
-        </p:nvSpPr>
-        <p:spPr>
-          <a:xfrm>
-            <a:off x="6388100" y="2288540"/>
-            <a:ext cx="4978400" cy="368300"/>
+            <a:off x="4688097" y="3956008"/>
+            <a:ext cx="5838190" cy="307777"/>
           </a:xfrm>
           <a:prstGeom prst="rect">
             <a:avLst/>
@@ -4925,123 +7396,27 @@
           <a:bodyPr wrap="square" rtlCol="0">
             <a:spAutoFit/>
           </a:bodyPr>
-          <a:p>
-            <a:r>
-              <a:rPr lang="en-US" altLang="en-US">
-                <a:sym typeface="+mn-ea"/>
-              </a:rPr>
-              <a:t>finite-difference </a:t>
-            </a:r>
-            <a:r>
-              <a:rPr lang="" altLang="en-US">
-                <a:sym typeface="+mn-ea"/>
-              </a:rPr>
-              <a:t>time </a:t>
-            </a:r>
-            <a:r>
-              <a:rPr lang="en-US" altLang="en-US">
-                <a:sym typeface="+mn-ea"/>
-              </a:rPr>
-              <a:t>step</a:t>
-            </a:r>
-            <a:endParaRPr lang="en-US" altLang="en-US"/>
-          </a:p>
-        </p:txBody>
-      </p:sp>
-      <p:sp>
-        <p:nvSpPr>
-          <p:cNvPr id="27" name="Right Arrow 26"/>
-          <p:cNvSpPr/>
+          <a:lstStyle/>
+          <a:p>
+            <a:r>
+              <a:rPr lang="" altLang="en-US" sz="1400" dirty="0">
+                <a:latin typeface="Helvetica" pitchFamily="2" charset="0"/>
+              </a:rPr>
+              <a:t>If from file, set the file path</a:t>
+            </a:r>
+          </a:p>
+        </p:txBody>
+      </p:sp>
+      <p:sp>
+        <p:nvSpPr>
+          <p:cNvPr id="18" name="Text Box 17"/>
+          <p:cNvSpPr txBox="1"/>
           <p:nvPr/>
         </p:nvSpPr>
         <p:spPr>
           <a:xfrm>
-            <a:off x="4273550" y="2633980"/>
-            <a:ext cx="2019300" cy="91440"/>
-          </a:xfrm>
-          <a:prstGeom prst="rightArrow">
-            <a:avLst>
-              <a:gd name="adj1" fmla="val 50000"/>
-              <a:gd name="adj2" fmla="val 122916"/>
-            </a:avLst>
-          </a:prstGeom>
-        </p:spPr>
-        <p:style>
-          <a:lnRef idx="2">
-            <a:schemeClr val="dk1">
-              <a:shade val="50000"/>
-            </a:schemeClr>
-          </a:lnRef>
-          <a:fillRef idx="1">
-            <a:schemeClr val="dk1"/>
-          </a:fillRef>
-          <a:effectRef idx="0">
-            <a:schemeClr val="dk1"/>
-          </a:effectRef>
-          <a:fontRef idx="minor">
-            <a:schemeClr val="lt1"/>
-          </a:fontRef>
-        </p:style>
-        <p:txBody>
-          <a:bodyPr rtlCol="0" anchor="ctr"/>
-          <a:p>
-            <a:pPr algn="ctr"/>
-            <a:endParaRPr lang="en-US"/>
-          </a:p>
-        </p:txBody>
-      </p:sp>
-      <p:sp>
-        <p:nvSpPr>
-          <p:cNvPr id="28" name="Right Arrow 27"/>
-          <p:cNvSpPr/>
-          <p:nvPr/>
-        </p:nvSpPr>
-        <p:spPr>
-          <a:xfrm>
-            <a:off x="4273550" y="2854325"/>
-            <a:ext cx="2019300" cy="91440"/>
-          </a:xfrm>
-          <a:prstGeom prst="rightArrow">
-            <a:avLst>
-              <a:gd name="adj1" fmla="val 50000"/>
-              <a:gd name="adj2" fmla="val 122916"/>
-            </a:avLst>
-          </a:prstGeom>
-        </p:spPr>
-        <p:style>
-          <a:lnRef idx="2">
-            <a:schemeClr val="dk1">
-              <a:shade val="50000"/>
-            </a:schemeClr>
-          </a:lnRef>
-          <a:fillRef idx="1">
-            <a:schemeClr val="dk1"/>
-          </a:fillRef>
-          <a:effectRef idx="0">
-            <a:schemeClr val="dk1"/>
-          </a:effectRef>
-          <a:fontRef idx="minor">
-            <a:schemeClr val="lt1"/>
-          </a:fontRef>
-        </p:style>
-        <p:txBody>
-          <a:bodyPr rtlCol="0" anchor="ctr"/>
-          <a:p>
-            <a:pPr algn="ctr"/>
-            <a:endParaRPr lang="en-US"/>
-          </a:p>
-        </p:txBody>
-      </p:sp>
-      <p:sp>
-        <p:nvSpPr>
-          <p:cNvPr id="29" name="Text Box 28"/>
-          <p:cNvSpPr txBox="true"/>
-          <p:nvPr/>
-        </p:nvSpPr>
-        <p:spPr>
-          <a:xfrm>
-            <a:off x="6388100" y="2512060"/>
-            <a:ext cx="4978400" cy="368300"/>
+            <a:off x="4688097" y="3482573"/>
+            <a:ext cx="5838190" cy="307777"/>
           </a:xfrm>
           <a:prstGeom prst="rect">
             <a:avLst/>
@@ -5052,29 +7427,72 @@
           <a:bodyPr wrap="square" rtlCol="0">
             <a:spAutoFit/>
           </a:bodyPr>
-          <a:p>
-            <a:r>
-              <a:rPr lang="" altLang="en-US">
-                <a:sym typeface="+mn-ea"/>
-              </a:rPr>
-              <a:t>PML size, use a relatively large one, i.e., 50</a:t>
-            </a:r>
-            <a:endParaRPr lang="" altLang="en-US">
-              <a:sym typeface="+mn-ea"/>
+          <a:lstStyle/>
+          <a:p>
+            <a:r>
+              <a:rPr lang="" altLang="en-US" sz="1400" dirty="0">
+                <a:latin typeface="Helvetica" pitchFamily="2" charset="0"/>
+              </a:rPr>
+              <a:t>I</a:t>
+            </a:r>
+            <a:r>
+              <a:rPr lang="en-US" altLang="en-US" sz="1400" dirty="0">
+                <a:latin typeface="Helvetica" pitchFamily="2" charset="0"/>
+              </a:rPr>
+              <a:t>f </a:t>
+            </a:r>
+            <a:r>
+              <a:rPr lang="" altLang="en-US" sz="1400" dirty="0">
+                <a:latin typeface="Helvetica" pitchFamily="2" charset="0"/>
+              </a:rPr>
+              <a:t>Ricker</a:t>
+            </a:r>
+            <a:r>
+              <a:rPr lang="en-US" altLang="en-US" sz="1400" dirty="0">
+                <a:latin typeface="Helvetica" pitchFamily="2" charset="0"/>
+              </a:rPr>
+              <a:t>, set</a:t>
+            </a:r>
+            <a:r>
+              <a:rPr lang="" altLang="en-US" sz="1400" dirty="0">
+                <a:latin typeface="Helvetica" pitchFamily="2" charset="0"/>
+              </a:rPr>
+              <a:t> the</a:t>
+            </a:r>
+            <a:r>
+              <a:rPr lang="en-US" altLang="en-US" sz="1400" dirty="0">
+                <a:latin typeface="Helvetica" pitchFamily="2" charset="0"/>
+              </a:rPr>
+              <a:t> </a:t>
+            </a:r>
+            <a:r>
+              <a:rPr lang="" altLang="en-US" sz="1400" dirty="0">
+                <a:latin typeface="Helvetica" pitchFamily="2" charset="0"/>
+              </a:rPr>
+              <a:t>dominant frequency</a:t>
+            </a:r>
+            <a:endParaRPr lang="en-US" altLang="en-US" sz="1400" dirty="0">
+              <a:latin typeface="Helvetica" pitchFamily="2" charset="0"/>
             </a:endParaRPr>
           </a:p>
         </p:txBody>
       </p:sp>
       <p:sp>
         <p:nvSpPr>
-          <p:cNvPr id="30" name="Text Box 29"/>
-          <p:cNvSpPr txBox="true"/>
+          <p:cNvPr id="20" name="TextBox 19">
+            <a:extLst>
+              <a:ext uri="{FF2B5EF4-FFF2-40B4-BE49-F238E27FC236}">
+                <a16:creationId xmlns:a16="http://schemas.microsoft.com/office/drawing/2014/main" id="{C6F922B3-FAAB-1449-A705-F878D58F5D3E}"/>
+              </a:ext>
+            </a:extLst>
+          </p:cNvPr>
+          <p:cNvSpPr txBox="1"/>
           <p:nvPr/>
         </p:nvSpPr>
         <p:spPr>
           <a:xfrm>
-            <a:off x="6388100" y="2748915"/>
-            <a:ext cx="4978400" cy="368300"/>
+            <a:off x="0" y="0"/>
+            <a:ext cx="3733586" cy="461665"/>
           </a:xfrm>
           <a:prstGeom prst="rect">
             <a:avLst/>
@@ -5082,2330 +7500,19 @@
           <a:noFill/>
         </p:spPr>
         <p:txBody>
-          <a:bodyPr wrap="square" rtlCol="0">
+          <a:bodyPr wrap="none" rtlCol="0">
             <a:spAutoFit/>
           </a:bodyPr>
-          <a:p>
-            <a:r>
-              <a:rPr lang="" altLang="en-US">
-                <a:sym typeface="+mn-ea"/>
-              </a:rPr>
-              <a:t>free surface or not</a:t>
-            </a:r>
-            <a:endParaRPr lang="" altLang="en-US">
-              <a:sym typeface="+mn-ea"/>
-            </a:endParaRPr>
-          </a:p>
-        </p:txBody>
-      </p:sp>
-      <p:sp>
-        <p:nvSpPr>
-          <p:cNvPr id="31" name="Right Arrow 30"/>
-          <p:cNvSpPr/>
-          <p:nvPr/>
-        </p:nvSpPr>
-        <p:spPr>
-          <a:xfrm>
-            <a:off x="4368800" y="3588385"/>
-            <a:ext cx="2019300" cy="91440"/>
-          </a:xfrm>
-          <a:prstGeom prst="rightArrow">
-            <a:avLst>
-              <a:gd name="adj1" fmla="val 50000"/>
-              <a:gd name="adj2" fmla="val 122916"/>
-            </a:avLst>
-          </a:prstGeom>
-        </p:spPr>
-        <p:style>
-          <a:lnRef idx="2">
-            <a:schemeClr val="dk1">
-              <a:shade val="50000"/>
-            </a:schemeClr>
-          </a:lnRef>
-          <a:fillRef idx="1">
-            <a:schemeClr val="dk1"/>
-          </a:fillRef>
-          <a:effectRef idx="0">
-            <a:schemeClr val="dk1"/>
-          </a:effectRef>
-          <a:fontRef idx="minor">
-            <a:schemeClr val="lt1"/>
-          </a:fontRef>
-        </p:style>
-        <p:txBody>
-          <a:bodyPr rtlCol="0" anchor="ctr"/>
-          <a:p>
-            <a:pPr algn="ctr"/>
-            <a:endParaRPr lang="en-US"/>
-          </a:p>
-        </p:txBody>
-      </p:sp>
-      <p:sp>
-        <p:nvSpPr>
-          <p:cNvPr id="34" name="Right Arrow 33"/>
-          <p:cNvSpPr/>
-          <p:nvPr/>
-        </p:nvSpPr>
-        <p:spPr>
-          <a:xfrm>
-            <a:off x="4368800" y="4106545"/>
-            <a:ext cx="2019300" cy="91440"/>
-          </a:xfrm>
-          <a:prstGeom prst="rightArrow">
-            <a:avLst>
-              <a:gd name="adj1" fmla="val 50000"/>
-              <a:gd name="adj2" fmla="val 122916"/>
-            </a:avLst>
-          </a:prstGeom>
-        </p:spPr>
-        <p:style>
-          <a:lnRef idx="2">
-            <a:schemeClr val="dk1">
-              <a:shade val="50000"/>
-            </a:schemeClr>
-          </a:lnRef>
-          <a:fillRef idx="1">
-            <a:schemeClr val="dk1"/>
-          </a:fillRef>
-          <a:effectRef idx="0">
-            <a:schemeClr val="dk1"/>
-          </a:effectRef>
-          <a:fontRef idx="minor">
-            <a:schemeClr val="lt1"/>
-          </a:fontRef>
-        </p:style>
-        <p:txBody>
-          <a:bodyPr rtlCol="0" anchor="ctr"/>
-          <a:p>
-            <a:pPr algn="ctr"/>
-            <a:endParaRPr lang="en-US"/>
-          </a:p>
-        </p:txBody>
-      </p:sp>
-      <p:sp>
-        <p:nvSpPr>
-          <p:cNvPr id="36" name="Right Arrow 35"/>
-          <p:cNvSpPr/>
-          <p:nvPr/>
-        </p:nvSpPr>
-        <p:spPr>
-          <a:xfrm>
-            <a:off x="4368800" y="4636135"/>
-            <a:ext cx="2019300" cy="91440"/>
-          </a:xfrm>
-          <a:prstGeom prst="rightArrow">
-            <a:avLst>
-              <a:gd name="adj1" fmla="val 50000"/>
-              <a:gd name="adj2" fmla="val 122916"/>
-            </a:avLst>
-          </a:prstGeom>
-        </p:spPr>
-        <p:style>
-          <a:lnRef idx="2">
-            <a:schemeClr val="dk1">
-              <a:shade val="50000"/>
-            </a:schemeClr>
-          </a:lnRef>
-          <a:fillRef idx="1">
-            <a:schemeClr val="dk1"/>
-          </a:fillRef>
-          <a:effectRef idx="0">
-            <a:schemeClr val="dk1"/>
-          </a:effectRef>
-          <a:fontRef idx="minor">
-            <a:schemeClr val="lt1"/>
-          </a:fontRef>
-        </p:style>
-        <p:txBody>
-          <a:bodyPr rtlCol="0" anchor="ctr"/>
-          <a:p>
-            <a:pPr algn="ctr"/>
-            <a:endParaRPr lang="en-US"/>
-          </a:p>
-        </p:txBody>
-      </p:sp>
-      <p:sp>
-        <p:nvSpPr>
-          <p:cNvPr id="40" name="Text Box 39"/>
-          <p:cNvSpPr txBox="true"/>
-          <p:nvPr/>
-        </p:nvSpPr>
-        <p:spPr>
-          <a:xfrm>
-            <a:off x="5361940" y="5460365"/>
-            <a:ext cx="5857240" cy="1014730"/>
-          </a:xfrm>
-          <a:prstGeom prst="rect">
-            <a:avLst/>
-          </a:prstGeom>
-          <a:noFill/>
-          <a:ln w="25400">
-            <a:solidFill>
-              <a:srgbClr val="FF3300"/>
-            </a:solidFill>
-          </a:ln>
-        </p:spPr>
-        <p:txBody>
-          <a:bodyPr wrap="square" rtlCol="0">
-            <a:spAutoFit/>
-          </a:bodyPr>
-          <a:p>
-            <a:pPr fontAlgn="auto">
-              <a:lnSpc>
-                <a:spcPct val="150000"/>
-              </a:lnSpc>
-            </a:pPr>
-            <a:r>
-              <a:rPr lang="" altLang="en-US" sz="2000">
-                <a:sym typeface="+mn-ea"/>
-              </a:rPr>
-              <a:t>For synthetic model FWI: </a:t>
-            </a:r>
-            <a:r>
-              <a:rPr lang="" altLang="en-US" sz="2000" b="1">
-                <a:sym typeface="+mn-ea"/>
-              </a:rPr>
-              <a:t>set Vp true &amp; Vp init</a:t>
-            </a:r>
-            <a:endParaRPr lang="" altLang="en-US" sz="2000" b="1">
-              <a:sym typeface="+mn-ea"/>
-            </a:endParaRPr>
-          </a:p>
-          <a:p>
-            <a:pPr fontAlgn="auto">
-              <a:lnSpc>
-                <a:spcPct val="150000"/>
-              </a:lnSpc>
-            </a:pPr>
-            <a:r>
-              <a:rPr lang="" altLang="en-US" sz="2000">
-                <a:sym typeface="+mn-ea"/>
-              </a:rPr>
-              <a:t>For field data application: </a:t>
-            </a:r>
-            <a:r>
-              <a:rPr lang="" altLang="en-US" sz="2000" b="1">
-                <a:sym typeface="+mn-ea"/>
-              </a:rPr>
-              <a:t>set </a:t>
-            </a:r>
-            <a:r>
-              <a:rPr lang="en-US" altLang="en-US" sz="2000" b="1">
-                <a:sym typeface="+mn-ea"/>
-              </a:rPr>
-              <a:t>Vp init</a:t>
-            </a:r>
-            <a:r>
-              <a:rPr lang="" altLang="en-US" sz="2000" b="1">
-                <a:sym typeface="+mn-ea"/>
-              </a:rPr>
-              <a:t> &amp; SU data</a:t>
-            </a:r>
-            <a:endParaRPr lang="" altLang="en-US" sz="2000" b="1">
-              <a:sym typeface="+mn-ea"/>
-            </a:endParaRPr>
-          </a:p>
-        </p:txBody>
-      </p:sp>
-      <p:sp>
-        <p:nvSpPr>
-          <p:cNvPr id="55" name="Text Box 54"/>
-          <p:cNvSpPr txBox="true"/>
-          <p:nvPr/>
-        </p:nvSpPr>
-        <p:spPr>
-          <a:xfrm>
-            <a:off x="6489065" y="4497705"/>
-            <a:ext cx="4978400" cy="645160"/>
-          </a:xfrm>
-          <a:prstGeom prst="rect">
-            <a:avLst/>
-          </a:prstGeom>
-          <a:noFill/>
-        </p:spPr>
-        <p:txBody>
-          <a:bodyPr wrap="square" rtlCol="0">
-            <a:spAutoFit/>
-          </a:bodyPr>
-          <a:p>
-            <a:r>
-              <a:rPr lang="" altLang="en-US">
-                <a:sym typeface="+mn-ea"/>
-              </a:rPr>
-              <a:t>f</a:t>
-            </a:r>
-            <a:r>
-              <a:rPr lang="en-US" altLang="en-US">
-                <a:sym typeface="+mn-ea"/>
-              </a:rPr>
-              <a:t>ield data folder</a:t>
-            </a:r>
-            <a:r>
-              <a:rPr lang="" altLang="en-US">
-                <a:sym typeface="+mn-ea"/>
-              </a:rPr>
-              <a:t>, named as: </a:t>
-            </a:r>
-            <a:endParaRPr lang="" altLang="en-US">
-              <a:sym typeface="+mn-ea"/>
-            </a:endParaRPr>
-          </a:p>
-          <a:p>
-            <a:r>
-              <a:rPr lang="" altLang="en-US">
-                <a:sym typeface="+mn-ea"/>
-              </a:rPr>
-              <a:t>src1_sg.su, src2_sg.su, ..., src40_sg.su, ...</a:t>
-            </a:r>
-            <a:endParaRPr lang="" altLang="en-US">
-              <a:sym typeface="+mn-ea"/>
-            </a:endParaRPr>
-          </a:p>
-        </p:txBody>
-      </p:sp>
-      <p:sp>
-        <p:nvSpPr>
-          <p:cNvPr id="56" name="Text Box 55"/>
-          <p:cNvSpPr txBox="true"/>
-          <p:nvPr/>
-        </p:nvSpPr>
-        <p:spPr>
-          <a:xfrm>
-            <a:off x="6489065" y="3449955"/>
-            <a:ext cx="4978400" cy="368300"/>
-          </a:xfrm>
-          <a:prstGeom prst="rect">
-            <a:avLst/>
-          </a:prstGeom>
-          <a:noFill/>
-        </p:spPr>
-        <p:txBody>
-          <a:bodyPr wrap="square" rtlCol="0">
-            <a:spAutoFit/>
-          </a:bodyPr>
-          <a:p>
-            <a:r>
-              <a:rPr lang="" altLang="en-US">
-                <a:sym typeface="+mn-ea"/>
-              </a:rPr>
-              <a:t>t</a:t>
-            </a:r>
-            <a:r>
-              <a:rPr lang="en-US" altLang="en-US">
-                <a:sym typeface="+mn-ea"/>
-              </a:rPr>
-              <a:t>rue Vp model saved in the txt file</a:t>
-            </a:r>
-            <a:endParaRPr lang="en-US" altLang="en-US">
-              <a:sym typeface="+mn-ea"/>
-            </a:endParaRPr>
-          </a:p>
-        </p:txBody>
-      </p:sp>
-      <p:sp>
-        <p:nvSpPr>
-          <p:cNvPr id="57" name="Text Box 56"/>
-          <p:cNvSpPr txBox="true"/>
-          <p:nvPr/>
-        </p:nvSpPr>
-        <p:spPr>
-          <a:xfrm>
-            <a:off x="6489065" y="3968115"/>
-            <a:ext cx="4978400" cy="368300"/>
-          </a:xfrm>
-          <a:prstGeom prst="rect">
-            <a:avLst/>
-          </a:prstGeom>
-          <a:noFill/>
-        </p:spPr>
-        <p:txBody>
-          <a:bodyPr wrap="square" rtlCol="0">
-            <a:spAutoFit/>
-          </a:bodyPr>
-          <a:p>
-            <a:r>
-              <a:rPr lang="" altLang="en-US">
-                <a:sym typeface="+mn-ea"/>
-              </a:rPr>
-              <a:t>i</a:t>
-            </a:r>
-            <a:r>
-              <a:rPr lang="en-US" altLang="en-US">
-                <a:sym typeface="+mn-ea"/>
-              </a:rPr>
-              <a:t>nitial Vp model saved in the txt file</a:t>
-            </a:r>
-            <a:endParaRPr lang="en-US" altLang="en-US">
-              <a:sym typeface="+mn-ea"/>
-            </a:endParaRPr>
-          </a:p>
-        </p:txBody>
-      </p:sp>
-    </p:spTree>
-  </p:cSld>
-  <p:clrMapOvr>
-    <a:masterClrMapping/>
-  </p:clrMapOvr>
-</p:sld>
-</file>
-
-<file path=ppt/slides/slide4.xml><?xml version="1.0" encoding="utf-8"?>
-<p:sld xmlns:a="http://schemas.openxmlformats.org/drawingml/2006/main" xmlns:r="http://schemas.openxmlformats.org/officeDocument/2006/relationships" xmlns:p="http://schemas.openxmlformats.org/presentationml/2006/main">
-  <p:cSld>
-    <p:spTree>
-      <p:nvGrpSpPr>
-        <p:cNvPr id="1" name=""/>
-        <p:cNvGrpSpPr/>
-        <p:nvPr/>
-      </p:nvGrpSpPr>
-      <p:grpSpPr/>
-      <p:pic>
-        <p:nvPicPr>
-          <p:cNvPr id="8" name="Picture 7" descr="Screenshot from 2021-07-05 21-28-35"/>
-          <p:cNvPicPr>
-            <a:picLocks noChangeAspect="true"/>
-          </p:cNvPicPr>
-          <p:nvPr/>
-        </p:nvPicPr>
-        <p:blipFill>
-          <a:blip r:embed="rId1"/>
-          <a:stretch>
-            <a:fillRect/>
-          </a:stretch>
-        </p:blipFill>
-        <p:spPr>
-          <a:xfrm>
-            <a:off x="685800" y="357505"/>
-            <a:ext cx="4914900" cy="6305550"/>
-          </a:xfrm>
-          <a:prstGeom prst="rect">
-            <a:avLst/>
-          </a:prstGeom>
-        </p:spPr>
-      </p:pic>
-      <p:sp>
-        <p:nvSpPr>
-          <p:cNvPr id="10" name="Right Arrow 9"/>
-          <p:cNvSpPr/>
-          <p:nvPr/>
-        </p:nvSpPr>
-        <p:spPr>
-          <a:xfrm>
-            <a:off x="4354195" y="1811020"/>
-            <a:ext cx="2019300" cy="91440"/>
-          </a:xfrm>
-          <a:prstGeom prst="rightArrow">
-            <a:avLst>
-              <a:gd name="adj1" fmla="val 50000"/>
-              <a:gd name="adj2" fmla="val 122916"/>
-            </a:avLst>
-          </a:prstGeom>
-        </p:spPr>
-        <p:style>
-          <a:lnRef idx="2">
-            <a:schemeClr val="dk1">
-              <a:shade val="50000"/>
-            </a:schemeClr>
-          </a:lnRef>
-          <a:fillRef idx="1">
-            <a:schemeClr val="dk1"/>
-          </a:fillRef>
-          <a:effectRef idx="0">
-            <a:schemeClr val="dk1"/>
-          </a:effectRef>
-          <a:fontRef idx="minor">
-            <a:schemeClr val="lt1"/>
-          </a:fontRef>
-        </p:style>
-        <p:txBody>
-          <a:bodyPr rtlCol="0" anchor="ctr"/>
-          <a:p>
-            <a:pPr algn="ctr"/>
-            <a:endParaRPr lang="en-US"/>
-          </a:p>
-        </p:txBody>
-      </p:sp>
-      <p:sp>
-        <p:nvSpPr>
-          <p:cNvPr id="12" name="Right Arrow 11"/>
-          <p:cNvSpPr/>
-          <p:nvPr/>
-        </p:nvSpPr>
-        <p:spPr>
-          <a:xfrm>
-            <a:off x="4354195" y="2297430"/>
-            <a:ext cx="2019300" cy="91440"/>
-          </a:xfrm>
-          <a:prstGeom prst="rightArrow">
-            <a:avLst>
-              <a:gd name="adj1" fmla="val 50000"/>
-              <a:gd name="adj2" fmla="val 122916"/>
-            </a:avLst>
-          </a:prstGeom>
-        </p:spPr>
-        <p:style>
-          <a:lnRef idx="2">
-            <a:schemeClr val="dk1">
-              <a:shade val="50000"/>
-            </a:schemeClr>
-          </a:lnRef>
-          <a:fillRef idx="1">
-            <a:schemeClr val="dk1"/>
-          </a:fillRef>
-          <a:effectRef idx="0">
-            <a:schemeClr val="dk1"/>
-          </a:effectRef>
-          <a:fontRef idx="minor">
-            <a:schemeClr val="lt1"/>
-          </a:fontRef>
-        </p:style>
-        <p:txBody>
-          <a:bodyPr rtlCol="0" anchor="ctr"/>
-          <a:p>
-            <a:pPr algn="ctr"/>
-            <a:endParaRPr lang="en-US"/>
-          </a:p>
-        </p:txBody>
-      </p:sp>
-      <p:sp>
-        <p:nvSpPr>
-          <p:cNvPr id="13" name="Text Box 12"/>
-          <p:cNvSpPr txBox="true"/>
-          <p:nvPr/>
-        </p:nvSpPr>
-        <p:spPr>
-          <a:xfrm>
-            <a:off x="6468745" y="1661795"/>
-            <a:ext cx="5837555" cy="368300"/>
-          </a:xfrm>
-          <a:prstGeom prst="rect">
-            <a:avLst/>
-          </a:prstGeom>
-          <a:noFill/>
-        </p:spPr>
-        <p:txBody>
-          <a:bodyPr wrap="square" rtlCol="0">
-            <a:spAutoFit/>
-          </a:bodyPr>
-          <a:p>
-            <a:r>
-              <a:rPr lang="" altLang="en-US">
-                <a:sym typeface="+mn-ea"/>
-              </a:rPr>
-              <a:t>receiver </a:t>
-            </a:r>
-            <a:r>
-              <a:rPr lang="en-US" altLang="en-US">
-                <a:sym typeface="+mn-ea"/>
-              </a:rPr>
-              <a:t>file</a:t>
-            </a:r>
-            <a:r>
-              <a:rPr lang="" altLang="en-US">
-                <a:sym typeface="+mn-ea"/>
-              </a:rPr>
-              <a:t>, see examples for detailed format</a:t>
-            </a:r>
-            <a:endParaRPr lang="" altLang="en-US">
-              <a:sym typeface="+mn-ea"/>
-            </a:endParaRPr>
-          </a:p>
-        </p:txBody>
-      </p:sp>
-      <p:sp>
-        <p:nvSpPr>
-          <p:cNvPr id="22" name="Text Box 21"/>
-          <p:cNvSpPr txBox="true"/>
-          <p:nvPr/>
-        </p:nvSpPr>
-        <p:spPr>
-          <a:xfrm>
-            <a:off x="6468745" y="2159000"/>
-            <a:ext cx="5838190" cy="368300"/>
-          </a:xfrm>
-          <a:prstGeom prst="rect">
-            <a:avLst/>
-          </a:prstGeom>
-          <a:noFill/>
-        </p:spPr>
-        <p:txBody>
-          <a:bodyPr wrap="square" rtlCol="0">
-            <a:spAutoFit/>
-          </a:bodyPr>
-          <a:p>
-            <a:r>
-              <a:rPr lang="" altLang="en-US"/>
-              <a:t>source file, </a:t>
-            </a:r>
-            <a:r>
-              <a:rPr lang="en-US" altLang="en-US">
-                <a:sym typeface="+mn-ea"/>
-              </a:rPr>
-              <a:t>see examples for detailed format</a:t>
-            </a:r>
-            <a:endParaRPr lang="" altLang="en-US"/>
-          </a:p>
-        </p:txBody>
-      </p:sp>
-      <p:sp>
-        <p:nvSpPr>
-          <p:cNvPr id="6" name="Right Arrow 5"/>
-          <p:cNvSpPr/>
-          <p:nvPr/>
-        </p:nvSpPr>
-        <p:spPr>
-          <a:xfrm>
-            <a:off x="4354195" y="2804160"/>
-            <a:ext cx="2019300" cy="91440"/>
-          </a:xfrm>
-          <a:prstGeom prst="rightArrow">
-            <a:avLst>
-              <a:gd name="adj1" fmla="val 50000"/>
-              <a:gd name="adj2" fmla="val 122916"/>
-            </a:avLst>
-          </a:prstGeom>
-        </p:spPr>
-        <p:style>
-          <a:lnRef idx="2">
-            <a:schemeClr val="dk1">
-              <a:shade val="50000"/>
-            </a:schemeClr>
-          </a:lnRef>
-          <a:fillRef idx="1">
-            <a:schemeClr val="dk1"/>
-          </a:fillRef>
-          <a:effectRef idx="0">
-            <a:schemeClr val="dk1"/>
-          </a:effectRef>
-          <a:fontRef idx="minor">
-            <a:schemeClr val="lt1"/>
-          </a:fontRef>
-        </p:style>
-        <p:txBody>
-          <a:bodyPr rtlCol="0" anchor="ctr"/>
-          <a:p>
-            <a:pPr algn="ctr"/>
-            <a:endParaRPr lang="en-US"/>
-          </a:p>
-        </p:txBody>
-      </p:sp>
-      <p:sp>
-        <p:nvSpPr>
-          <p:cNvPr id="7" name="Text Box 6"/>
-          <p:cNvSpPr txBox="true"/>
-          <p:nvPr/>
-        </p:nvSpPr>
-        <p:spPr>
-          <a:xfrm>
-            <a:off x="6468745" y="2665730"/>
-            <a:ext cx="5838190" cy="368300"/>
-          </a:xfrm>
-          <a:prstGeom prst="rect">
-            <a:avLst/>
-          </a:prstGeom>
-          <a:noFill/>
-        </p:spPr>
-        <p:txBody>
-          <a:bodyPr wrap="square" rtlCol="0">
-            <a:spAutoFit/>
-          </a:bodyPr>
-          <a:p>
-            <a:r>
-              <a:rPr lang="" altLang="en-US"/>
-              <a:t>land or marine acqusition</a:t>
-            </a:r>
-            <a:endParaRPr lang="" altLang="en-US"/>
-          </a:p>
-        </p:txBody>
-      </p:sp>
-      <p:sp>
-        <p:nvSpPr>
-          <p:cNvPr id="9" name="Right Arrow 8"/>
-          <p:cNvSpPr/>
-          <p:nvPr/>
-        </p:nvSpPr>
-        <p:spPr>
-          <a:xfrm>
-            <a:off x="4354195" y="3034030"/>
-            <a:ext cx="2019300" cy="91440"/>
-          </a:xfrm>
-          <a:prstGeom prst="rightArrow">
-            <a:avLst>
-              <a:gd name="adj1" fmla="val 50000"/>
-              <a:gd name="adj2" fmla="val 122916"/>
-            </a:avLst>
-          </a:prstGeom>
-        </p:spPr>
-        <p:style>
-          <a:lnRef idx="2">
-            <a:schemeClr val="dk1">
-              <a:shade val="50000"/>
-            </a:schemeClr>
-          </a:lnRef>
-          <a:fillRef idx="1">
-            <a:schemeClr val="dk1"/>
-          </a:fillRef>
-          <a:effectRef idx="0">
-            <a:schemeClr val="dk1"/>
-          </a:effectRef>
-          <a:fontRef idx="minor">
-            <a:schemeClr val="lt1"/>
-          </a:fontRef>
-        </p:style>
-        <p:txBody>
-          <a:bodyPr rtlCol="0" anchor="ctr"/>
-          <a:p>
-            <a:pPr algn="ctr"/>
-            <a:endParaRPr lang="en-US"/>
-          </a:p>
-        </p:txBody>
-      </p:sp>
-      <p:sp>
-        <p:nvSpPr>
-          <p:cNvPr id="14" name="Text Box 13"/>
-          <p:cNvSpPr txBox="true"/>
-          <p:nvPr/>
-        </p:nvSpPr>
-        <p:spPr>
-          <a:xfrm>
-            <a:off x="6468745" y="2895600"/>
-            <a:ext cx="5838190" cy="368300"/>
-          </a:xfrm>
-          <a:prstGeom prst="rect">
-            <a:avLst/>
-          </a:prstGeom>
-          <a:noFill/>
-        </p:spPr>
-        <p:txBody>
-          <a:bodyPr wrap="square" rtlCol="0">
-            <a:spAutoFit/>
-          </a:bodyPr>
-          <a:p>
-            <a:r>
-              <a:rPr lang="" altLang="en-US"/>
-              <a:t>set source wavelet: Ricker or from file</a:t>
-            </a:r>
-            <a:endParaRPr lang="" altLang="en-US"/>
-          </a:p>
-        </p:txBody>
-      </p:sp>
-      <p:sp>
-        <p:nvSpPr>
-          <p:cNvPr id="15" name="Right Arrow 14"/>
-          <p:cNvSpPr/>
-          <p:nvPr/>
-        </p:nvSpPr>
-        <p:spPr>
-          <a:xfrm>
-            <a:off x="4354195" y="3719830"/>
-            <a:ext cx="2019300" cy="91440"/>
-          </a:xfrm>
-          <a:prstGeom prst="rightArrow">
-            <a:avLst>
-              <a:gd name="adj1" fmla="val 50000"/>
-              <a:gd name="adj2" fmla="val 122916"/>
-            </a:avLst>
-          </a:prstGeom>
-        </p:spPr>
-        <p:style>
-          <a:lnRef idx="2">
-            <a:schemeClr val="dk1">
-              <a:shade val="50000"/>
-            </a:schemeClr>
-          </a:lnRef>
-          <a:fillRef idx="1">
-            <a:schemeClr val="dk1"/>
-          </a:fillRef>
-          <a:effectRef idx="0">
-            <a:schemeClr val="dk1"/>
-          </a:effectRef>
-          <a:fontRef idx="minor">
-            <a:schemeClr val="lt1"/>
-          </a:fontRef>
-        </p:style>
-        <p:txBody>
-          <a:bodyPr rtlCol="0" anchor="ctr"/>
-          <a:p>
-            <a:pPr algn="ctr"/>
-            <a:endParaRPr lang="en-US"/>
-          </a:p>
-        </p:txBody>
-      </p:sp>
-      <p:sp>
-        <p:nvSpPr>
-          <p:cNvPr id="16" name="Text Box 15"/>
-          <p:cNvSpPr txBox="true"/>
-          <p:nvPr/>
-        </p:nvSpPr>
-        <p:spPr>
-          <a:xfrm>
-            <a:off x="6468745" y="3581400"/>
-            <a:ext cx="5838190" cy="368300"/>
-          </a:xfrm>
-          <a:prstGeom prst="rect">
-            <a:avLst/>
-          </a:prstGeom>
-          <a:noFill/>
-        </p:spPr>
-        <p:txBody>
-          <a:bodyPr wrap="square" rtlCol="0">
-            <a:spAutoFit/>
-          </a:bodyPr>
-          <a:p>
-            <a:r>
-              <a:rPr lang="" altLang="en-US"/>
-              <a:t>if from file, set the file path</a:t>
-            </a:r>
-            <a:endParaRPr lang="" altLang="en-US"/>
-          </a:p>
-        </p:txBody>
-      </p:sp>
-      <p:sp>
-        <p:nvSpPr>
-          <p:cNvPr id="17" name="Right Arrow 16"/>
-          <p:cNvSpPr/>
-          <p:nvPr/>
-        </p:nvSpPr>
-        <p:spPr>
-          <a:xfrm>
-            <a:off x="4354195" y="3263900"/>
-            <a:ext cx="2019300" cy="91440"/>
-          </a:xfrm>
-          <a:prstGeom prst="rightArrow">
-            <a:avLst>
-              <a:gd name="adj1" fmla="val 50000"/>
-              <a:gd name="adj2" fmla="val 122916"/>
-            </a:avLst>
-          </a:prstGeom>
-        </p:spPr>
-        <p:style>
-          <a:lnRef idx="2">
-            <a:schemeClr val="dk1">
-              <a:shade val="50000"/>
-            </a:schemeClr>
-          </a:lnRef>
-          <a:fillRef idx="1">
-            <a:schemeClr val="dk1"/>
-          </a:fillRef>
-          <a:effectRef idx="0">
-            <a:schemeClr val="dk1"/>
-          </a:effectRef>
-          <a:fontRef idx="minor">
-            <a:schemeClr val="lt1"/>
-          </a:fontRef>
-        </p:style>
-        <p:txBody>
-          <a:bodyPr rtlCol="0" anchor="ctr"/>
-          <a:p>
-            <a:pPr algn="ctr"/>
-            <a:endParaRPr lang="en-US"/>
-          </a:p>
-        </p:txBody>
-      </p:sp>
-      <p:sp>
-        <p:nvSpPr>
-          <p:cNvPr id="18" name="Text Box 17"/>
-          <p:cNvSpPr txBox="true"/>
-          <p:nvPr/>
-        </p:nvSpPr>
-        <p:spPr>
-          <a:xfrm>
-            <a:off x="6468110" y="3213100"/>
-            <a:ext cx="5838190" cy="368300"/>
-          </a:xfrm>
-          <a:prstGeom prst="rect">
-            <a:avLst/>
-          </a:prstGeom>
-          <a:noFill/>
-        </p:spPr>
-        <p:txBody>
-          <a:bodyPr wrap="square" rtlCol="0">
-            <a:spAutoFit/>
-          </a:bodyPr>
-          <a:p>
-            <a:r>
-              <a:rPr lang="" altLang="en-US"/>
-              <a:t>i</a:t>
-            </a:r>
-            <a:r>
-              <a:rPr lang="en-US" altLang="en-US"/>
-              <a:t>f </a:t>
-            </a:r>
-            <a:r>
-              <a:rPr lang="" altLang="en-US"/>
-              <a:t>Ricker</a:t>
-            </a:r>
-            <a:r>
-              <a:rPr lang="en-US" altLang="en-US"/>
-              <a:t>, set</a:t>
-            </a:r>
-            <a:r>
-              <a:rPr lang="" altLang="en-US"/>
-              <a:t> the</a:t>
-            </a:r>
-            <a:r>
-              <a:rPr lang="en-US" altLang="en-US"/>
-              <a:t> </a:t>
-            </a:r>
-            <a:r>
-              <a:rPr lang="" altLang="en-US"/>
-              <a:t>dominant frequency</a:t>
-            </a:r>
-            <a:endParaRPr lang="en-US" altLang="en-US"/>
-          </a:p>
-        </p:txBody>
-      </p:sp>
-    </p:spTree>
-  </p:cSld>
-  <p:clrMapOvr>
-    <a:masterClrMapping/>
-  </p:clrMapOvr>
-</p:sld>
-</file>
-
-<file path=ppt/slides/slide5.xml><?xml version="1.0" encoding="utf-8"?>
-<p:sld xmlns:a="http://schemas.openxmlformats.org/drawingml/2006/main" xmlns:r="http://schemas.openxmlformats.org/officeDocument/2006/relationships" xmlns:p="http://schemas.openxmlformats.org/presentationml/2006/main">
-  <p:cSld>
-    <p:spTree>
-      <p:nvGrpSpPr>
-        <p:cNvPr id="1" name=""/>
-        <p:cNvGrpSpPr/>
-        <p:nvPr/>
-      </p:nvGrpSpPr>
-      <p:grpSpPr/>
-      <p:pic>
-        <p:nvPicPr>
-          <p:cNvPr id="5" name="Picture 4" descr="Screenshot from 2021-07-05 21-28-42"/>
-          <p:cNvPicPr>
-            <a:picLocks noChangeAspect="true"/>
-          </p:cNvPicPr>
-          <p:nvPr/>
-        </p:nvPicPr>
-        <p:blipFill>
-          <a:blip r:embed="rId1"/>
-          <a:stretch>
-            <a:fillRect/>
-          </a:stretch>
-        </p:blipFill>
-        <p:spPr>
-          <a:xfrm>
-            <a:off x="728345" y="357505"/>
-            <a:ext cx="4829175" cy="6305550"/>
-          </a:xfrm>
-          <a:prstGeom prst="rect">
-            <a:avLst/>
-          </a:prstGeom>
-        </p:spPr>
-      </p:pic>
-      <p:sp>
-        <p:nvSpPr>
-          <p:cNvPr id="10" name="Right Arrow 9"/>
-          <p:cNvSpPr/>
-          <p:nvPr/>
-        </p:nvSpPr>
-        <p:spPr>
-          <a:xfrm>
-            <a:off x="4278630" y="1506220"/>
-            <a:ext cx="2019300" cy="91440"/>
-          </a:xfrm>
-          <a:prstGeom prst="rightArrow">
-            <a:avLst>
-              <a:gd name="adj1" fmla="val 50000"/>
-              <a:gd name="adj2" fmla="val 122916"/>
-            </a:avLst>
-          </a:prstGeom>
-        </p:spPr>
-        <p:style>
-          <a:lnRef idx="2">
-            <a:schemeClr val="dk1">
-              <a:shade val="50000"/>
-            </a:schemeClr>
-          </a:lnRef>
-          <a:fillRef idx="1">
-            <a:schemeClr val="dk1"/>
-          </a:fillRef>
-          <a:effectRef idx="0">
-            <a:schemeClr val="dk1"/>
-          </a:effectRef>
-          <a:fontRef idx="minor">
-            <a:schemeClr val="lt1"/>
-          </a:fontRef>
-        </p:style>
-        <p:txBody>
-          <a:bodyPr rtlCol="0" anchor="ctr"/>
-          <a:p>
-            <a:pPr algn="ctr"/>
-            <a:endParaRPr lang="en-US"/>
-          </a:p>
-        </p:txBody>
-      </p:sp>
-      <p:sp>
-        <p:nvSpPr>
-          <p:cNvPr id="22" name="Text Box 21"/>
-          <p:cNvSpPr txBox="true"/>
-          <p:nvPr/>
-        </p:nvSpPr>
-        <p:spPr>
-          <a:xfrm>
-            <a:off x="6371590" y="1335405"/>
-            <a:ext cx="3067050" cy="368300"/>
-          </a:xfrm>
-          <a:prstGeom prst="rect">
-            <a:avLst/>
-          </a:prstGeom>
-          <a:noFill/>
-        </p:spPr>
-        <p:txBody>
-          <a:bodyPr wrap="square" rtlCol="0">
-            <a:spAutoFit/>
-          </a:bodyPr>
-          <a:p>
-            <a:r>
-              <a:rPr lang="" altLang="en-US"/>
-              <a:t>misfit function type</a:t>
-            </a:r>
-            <a:endParaRPr lang="" altLang="en-US"/>
-          </a:p>
-        </p:txBody>
-      </p:sp>
-      <p:sp>
-        <p:nvSpPr>
-          <p:cNvPr id="6" name="Right Arrow 5"/>
-          <p:cNvSpPr/>
-          <p:nvPr/>
-        </p:nvSpPr>
-        <p:spPr>
-          <a:xfrm>
-            <a:off x="4278630" y="1736090"/>
-            <a:ext cx="2019300" cy="91440"/>
-          </a:xfrm>
-          <a:prstGeom prst="rightArrow">
-            <a:avLst>
-              <a:gd name="adj1" fmla="val 50000"/>
-              <a:gd name="adj2" fmla="val 122916"/>
-            </a:avLst>
-          </a:prstGeom>
-        </p:spPr>
-        <p:style>
-          <a:lnRef idx="2">
-            <a:schemeClr val="dk1">
-              <a:shade val="50000"/>
-            </a:schemeClr>
-          </a:lnRef>
-          <a:fillRef idx="1">
-            <a:schemeClr val="dk1"/>
-          </a:fillRef>
-          <a:effectRef idx="0">
-            <a:schemeClr val="dk1"/>
-          </a:effectRef>
-          <a:fontRef idx="minor">
-            <a:schemeClr val="lt1"/>
-          </a:fontRef>
-        </p:style>
-        <p:txBody>
-          <a:bodyPr rtlCol="0" anchor="ctr"/>
-          <a:p>
-            <a:pPr algn="ctr"/>
-            <a:endParaRPr lang="en-US"/>
-          </a:p>
-        </p:txBody>
-      </p:sp>
-      <p:sp>
-        <p:nvSpPr>
-          <p:cNvPr id="7" name="Text Box 6"/>
-          <p:cNvSpPr txBox="true"/>
-          <p:nvPr/>
-        </p:nvSpPr>
-        <p:spPr>
-          <a:xfrm>
-            <a:off x="6360795" y="1619250"/>
-            <a:ext cx="5131435" cy="368300"/>
-          </a:xfrm>
-          <a:prstGeom prst="rect">
-            <a:avLst/>
-          </a:prstGeom>
-          <a:noFill/>
-        </p:spPr>
-        <p:txBody>
-          <a:bodyPr wrap="square" rtlCol="0">
-            <a:spAutoFit/>
-          </a:bodyPr>
-          <a:p>
-            <a:r>
-              <a:rPr lang="" altLang="en-US"/>
-              <a:t>optimization scheme: NLCG or L-BFGS</a:t>
-            </a:r>
-            <a:endParaRPr lang="en-US" altLang="en-US"/>
-          </a:p>
-        </p:txBody>
-      </p:sp>
-      <p:sp>
-        <p:nvSpPr>
-          <p:cNvPr id="8" name="Right Arrow 7"/>
-          <p:cNvSpPr/>
-          <p:nvPr/>
-        </p:nvSpPr>
-        <p:spPr>
-          <a:xfrm>
-            <a:off x="4278630" y="1972310"/>
-            <a:ext cx="2019300" cy="91440"/>
-          </a:xfrm>
-          <a:prstGeom prst="rightArrow">
-            <a:avLst>
-              <a:gd name="adj1" fmla="val 50000"/>
-              <a:gd name="adj2" fmla="val 122916"/>
-            </a:avLst>
-          </a:prstGeom>
-        </p:spPr>
-        <p:style>
-          <a:lnRef idx="2">
-            <a:schemeClr val="dk1">
-              <a:shade val="50000"/>
-            </a:schemeClr>
-          </a:lnRef>
-          <a:fillRef idx="1">
-            <a:schemeClr val="dk1"/>
-          </a:fillRef>
-          <a:effectRef idx="0">
-            <a:schemeClr val="dk1"/>
-          </a:effectRef>
-          <a:fontRef idx="minor">
-            <a:schemeClr val="lt1"/>
-          </a:fontRef>
-        </p:style>
-        <p:txBody>
-          <a:bodyPr rtlCol="0" anchor="ctr"/>
-          <a:p>
-            <a:pPr algn="ctr"/>
-            <a:endParaRPr lang="en-US"/>
-          </a:p>
-        </p:txBody>
-      </p:sp>
-      <p:sp>
-        <p:nvSpPr>
-          <p:cNvPr id="9" name="Text Box 8"/>
-          <p:cNvSpPr txBox="true"/>
-          <p:nvPr/>
-        </p:nvSpPr>
-        <p:spPr>
-          <a:xfrm>
-            <a:off x="6360795" y="1887855"/>
-            <a:ext cx="5131435" cy="368300"/>
-          </a:xfrm>
-          <a:prstGeom prst="rect">
-            <a:avLst/>
-          </a:prstGeom>
-          <a:noFill/>
-        </p:spPr>
-        <p:txBody>
-          <a:bodyPr wrap="square" rtlCol="0">
-            <a:spAutoFit/>
-          </a:bodyPr>
-          <a:p>
-            <a:r>
-              <a:rPr lang="" altLang="en-US"/>
-              <a:t>step length, i..e, 0.01 or 0.02</a:t>
-            </a:r>
-            <a:endParaRPr lang="" altLang="en-US"/>
-          </a:p>
-        </p:txBody>
-      </p:sp>
-      <p:sp>
-        <p:nvSpPr>
-          <p:cNvPr id="17" name="Right Arrow 16"/>
-          <p:cNvSpPr/>
-          <p:nvPr/>
-        </p:nvSpPr>
-        <p:spPr>
-          <a:xfrm>
-            <a:off x="4278630" y="2870835"/>
-            <a:ext cx="2019300" cy="91440"/>
-          </a:xfrm>
-          <a:prstGeom prst="rightArrow">
-            <a:avLst>
-              <a:gd name="adj1" fmla="val 50000"/>
-              <a:gd name="adj2" fmla="val 122916"/>
-            </a:avLst>
-          </a:prstGeom>
-        </p:spPr>
-        <p:style>
-          <a:lnRef idx="2">
-            <a:schemeClr val="dk1">
-              <a:shade val="50000"/>
-            </a:schemeClr>
-          </a:lnRef>
-          <a:fillRef idx="1">
-            <a:schemeClr val="dk1"/>
-          </a:fillRef>
-          <a:effectRef idx="0">
-            <a:schemeClr val="dk1"/>
-          </a:effectRef>
-          <a:fontRef idx="minor">
-            <a:schemeClr val="lt1"/>
-          </a:fontRef>
-        </p:style>
-        <p:txBody>
-          <a:bodyPr rtlCol="0" anchor="ctr"/>
-          <a:p>
-            <a:pPr algn="ctr"/>
-            <a:endParaRPr lang="en-US"/>
-          </a:p>
-        </p:txBody>
-      </p:sp>
-      <p:sp>
-        <p:nvSpPr>
-          <p:cNvPr id="18" name="Text Box 17"/>
-          <p:cNvSpPr txBox="true"/>
-          <p:nvPr/>
-        </p:nvSpPr>
-        <p:spPr>
-          <a:xfrm>
-            <a:off x="6297930" y="2412365"/>
-            <a:ext cx="5308600" cy="645160"/>
-          </a:xfrm>
-          <a:prstGeom prst="rect">
-            <a:avLst/>
-          </a:prstGeom>
-          <a:noFill/>
-        </p:spPr>
-        <p:txBody>
-          <a:bodyPr wrap="square" rtlCol="0">
-            <a:spAutoFit/>
-          </a:bodyPr>
-          <a:p>
-            <a:r>
-              <a:rPr lang="" altLang="en-US"/>
-              <a:t>gradient mute size. For marine case, it’s the water layer size; for land case, set as 5 or 10.</a:t>
-            </a:r>
-            <a:endParaRPr lang="" altLang="en-US"/>
-          </a:p>
-        </p:txBody>
-      </p:sp>
-      <p:sp>
-        <p:nvSpPr>
-          <p:cNvPr id="19" name="Right Arrow 18"/>
-          <p:cNvSpPr/>
-          <p:nvPr/>
-        </p:nvSpPr>
-        <p:spPr>
-          <a:xfrm>
-            <a:off x="4278630" y="3100705"/>
-            <a:ext cx="2019300" cy="91440"/>
-          </a:xfrm>
-          <a:prstGeom prst="rightArrow">
-            <a:avLst>
-              <a:gd name="adj1" fmla="val 50000"/>
-              <a:gd name="adj2" fmla="val 122916"/>
-            </a:avLst>
-          </a:prstGeom>
-        </p:spPr>
-        <p:style>
-          <a:lnRef idx="2">
-            <a:schemeClr val="dk1">
-              <a:shade val="50000"/>
-            </a:schemeClr>
-          </a:lnRef>
-          <a:fillRef idx="1">
-            <a:schemeClr val="dk1"/>
-          </a:fillRef>
-          <a:effectRef idx="0">
-            <a:schemeClr val="dk1"/>
-          </a:effectRef>
-          <a:fontRef idx="minor">
-            <a:schemeClr val="lt1"/>
-          </a:fontRef>
-        </p:style>
-        <p:txBody>
-          <a:bodyPr rtlCol="0" anchor="ctr"/>
-          <a:p>
-            <a:pPr algn="ctr"/>
-            <a:endParaRPr lang="en-US"/>
-          </a:p>
-        </p:txBody>
-      </p:sp>
-      <p:sp>
-        <p:nvSpPr>
-          <p:cNvPr id="20" name="Text Box 19"/>
-          <p:cNvSpPr txBox="true"/>
-          <p:nvPr/>
-        </p:nvSpPr>
-        <p:spPr>
-          <a:xfrm>
-            <a:off x="6297930" y="2973070"/>
-            <a:ext cx="5131435" cy="368300"/>
-          </a:xfrm>
-          <a:prstGeom prst="rect">
-            <a:avLst/>
-          </a:prstGeom>
-          <a:noFill/>
-        </p:spPr>
-        <p:txBody>
-          <a:bodyPr wrap="square" rtlCol="0">
-            <a:spAutoFit/>
-          </a:bodyPr>
-          <a:p>
-            <a:r>
-              <a:rPr lang="en-US" altLang="en-US"/>
-              <a:t>gradient smoothing size, i..e, 5, 10, 20</a:t>
-            </a:r>
-            <a:endParaRPr lang="en-US" altLang="en-US"/>
-          </a:p>
-        </p:txBody>
-      </p:sp>
-      <p:sp>
-        <p:nvSpPr>
-          <p:cNvPr id="21" name="Right Arrow 20"/>
-          <p:cNvSpPr/>
-          <p:nvPr/>
-        </p:nvSpPr>
-        <p:spPr>
-          <a:xfrm>
-            <a:off x="4278630" y="4392295"/>
-            <a:ext cx="2019300" cy="91440"/>
-          </a:xfrm>
-          <a:prstGeom prst="rightArrow">
-            <a:avLst>
-              <a:gd name="adj1" fmla="val 50000"/>
-              <a:gd name="adj2" fmla="val 122916"/>
-            </a:avLst>
-          </a:prstGeom>
-        </p:spPr>
-        <p:style>
-          <a:lnRef idx="2">
-            <a:schemeClr val="dk1">
-              <a:shade val="50000"/>
-            </a:schemeClr>
-          </a:lnRef>
-          <a:fillRef idx="1">
-            <a:schemeClr val="dk1"/>
-          </a:fillRef>
-          <a:effectRef idx="0">
-            <a:schemeClr val="dk1"/>
-          </a:effectRef>
-          <a:fontRef idx="minor">
-            <a:schemeClr val="lt1"/>
-          </a:fontRef>
-        </p:style>
-        <p:txBody>
-          <a:bodyPr rtlCol="0" anchor="ctr"/>
-          <a:p>
-            <a:pPr algn="ctr"/>
-            <a:endParaRPr lang="en-US"/>
-          </a:p>
-        </p:txBody>
-      </p:sp>
-      <p:sp>
-        <p:nvSpPr>
-          <p:cNvPr id="23" name="Text Box 22"/>
-          <p:cNvSpPr txBox="true"/>
-          <p:nvPr/>
-        </p:nvSpPr>
-        <p:spPr>
-          <a:xfrm>
-            <a:off x="6360795" y="4253865"/>
-            <a:ext cx="5663565" cy="368300"/>
-          </a:xfrm>
-          <a:prstGeom prst="rect">
-            <a:avLst/>
-          </a:prstGeom>
-          <a:noFill/>
-        </p:spPr>
-        <p:txBody>
-          <a:bodyPr wrap="square" rtlCol="0">
-            <a:spAutoFit/>
-          </a:bodyPr>
-          <a:p>
-            <a:r>
-              <a:rPr lang="" altLang="en-US"/>
-              <a:t>time window (in second ) after the first break, i.e., 1.0</a:t>
-            </a:r>
-            <a:endParaRPr lang="" altLang="en-US"/>
-          </a:p>
-        </p:txBody>
-      </p:sp>
-      <p:sp>
-        <p:nvSpPr>
-          <p:cNvPr id="24" name="Text Box 23"/>
-          <p:cNvSpPr txBox="true"/>
-          <p:nvPr/>
-        </p:nvSpPr>
-        <p:spPr>
-          <a:xfrm>
-            <a:off x="6360795" y="5120005"/>
-            <a:ext cx="5663565" cy="368300"/>
-          </a:xfrm>
-          <a:prstGeom prst="rect">
-            <a:avLst/>
-          </a:prstGeom>
-          <a:noFill/>
-        </p:spPr>
-        <p:txBody>
-          <a:bodyPr wrap="square" rtlCol="0">
-            <a:spAutoFit/>
-          </a:bodyPr>
-          <a:p>
-            <a:r>
-              <a:rPr lang="" altLang="en-US"/>
-              <a:t>far offset distance (in meter) </a:t>
-            </a:r>
-            <a:endParaRPr lang="" altLang="en-US"/>
-          </a:p>
-        </p:txBody>
-      </p:sp>
-      <p:sp>
-        <p:nvSpPr>
-          <p:cNvPr id="25" name="Right Arrow 24"/>
-          <p:cNvSpPr/>
-          <p:nvPr/>
-        </p:nvSpPr>
-        <p:spPr>
-          <a:xfrm>
-            <a:off x="4278630" y="5268595"/>
-            <a:ext cx="2019300" cy="91440"/>
-          </a:xfrm>
-          <a:prstGeom prst="rightArrow">
-            <a:avLst>
-              <a:gd name="adj1" fmla="val 50000"/>
-              <a:gd name="adj2" fmla="val 122916"/>
-            </a:avLst>
-          </a:prstGeom>
-        </p:spPr>
-        <p:style>
-          <a:lnRef idx="2">
-            <a:schemeClr val="dk1">
-              <a:shade val="50000"/>
-            </a:schemeClr>
-          </a:lnRef>
-          <a:fillRef idx="1">
-            <a:schemeClr val="dk1"/>
-          </a:fillRef>
-          <a:effectRef idx="0">
-            <a:schemeClr val="dk1"/>
-          </a:effectRef>
-          <a:fontRef idx="minor">
-            <a:schemeClr val="lt1"/>
-          </a:fontRef>
-        </p:style>
-        <p:txBody>
-          <a:bodyPr rtlCol="0" anchor="ctr"/>
-          <a:p>
-            <a:pPr algn="ctr"/>
-            <a:endParaRPr lang="en-US"/>
-          </a:p>
-        </p:txBody>
-      </p:sp>
-      <p:sp>
-        <p:nvSpPr>
-          <p:cNvPr id="26" name="Text Box 25"/>
-          <p:cNvSpPr txBox="true"/>
-          <p:nvPr/>
-        </p:nvSpPr>
-        <p:spPr>
-          <a:xfrm>
-            <a:off x="6360795" y="4681855"/>
-            <a:ext cx="5663565" cy="368300"/>
-          </a:xfrm>
-          <a:prstGeom prst="rect">
-            <a:avLst/>
-          </a:prstGeom>
-          <a:noFill/>
-        </p:spPr>
-        <p:txBody>
-          <a:bodyPr wrap="square" rtlCol="0">
-            <a:spAutoFit/>
-          </a:bodyPr>
-          <a:p>
-            <a:r>
-              <a:rPr lang="" altLang="en-US"/>
-              <a:t>near </a:t>
-            </a:r>
-            <a:r>
-              <a:rPr lang="en-US" altLang="en-US"/>
-              <a:t>offset distance </a:t>
-            </a:r>
-            <a:r>
-              <a:rPr lang="" altLang="en-US"/>
-              <a:t>(</a:t>
-            </a:r>
-            <a:r>
-              <a:rPr lang="en-US" altLang="en-US"/>
-              <a:t>in meter </a:t>
-            </a:r>
-            <a:r>
-              <a:rPr lang="" altLang="en-US"/>
-              <a:t>)</a:t>
-            </a:r>
-            <a:endParaRPr lang="" altLang="en-US"/>
-          </a:p>
-        </p:txBody>
-      </p:sp>
-      <p:sp>
-        <p:nvSpPr>
-          <p:cNvPr id="27" name="Right Arrow 26"/>
-          <p:cNvSpPr/>
-          <p:nvPr/>
-        </p:nvSpPr>
-        <p:spPr>
-          <a:xfrm>
-            <a:off x="4278630" y="4830445"/>
-            <a:ext cx="2019300" cy="91440"/>
-          </a:xfrm>
-          <a:prstGeom prst="rightArrow">
-            <a:avLst>
-              <a:gd name="adj1" fmla="val 50000"/>
-              <a:gd name="adj2" fmla="val 122916"/>
-            </a:avLst>
-          </a:prstGeom>
-        </p:spPr>
-        <p:style>
-          <a:lnRef idx="2">
-            <a:schemeClr val="dk1">
-              <a:shade val="50000"/>
-            </a:schemeClr>
-          </a:lnRef>
-          <a:fillRef idx="1">
-            <a:schemeClr val="dk1"/>
-          </a:fillRef>
-          <a:effectRef idx="0">
-            <a:schemeClr val="dk1"/>
-          </a:effectRef>
-          <a:fontRef idx="minor">
-            <a:schemeClr val="lt1"/>
-          </a:fontRef>
-        </p:style>
-        <p:txBody>
-          <a:bodyPr rtlCol="0" anchor="ctr"/>
-          <a:p>
-            <a:pPr algn="ctr"/>
-            <a:endParaRPr lang="en-US"/>
-          </a:p>
-        </p:txBody>
-      </p:sp>
-      <p:sp>
-        <p:nvSpPr>
-          <p:cNvPr id="29" name="Right Arrow 28"/>
-          <p:cNvSpPr/>
-          <p:nvPr/>
-        </p:nvSpPr>
-        <p:spPr>
-          <a:xfrm>
-            <a:off x="4278630" y="4830445"/>
-            <a:ext cx="2019300" cy="91440"/>
-          </a:xfrm>
-          <a:prstGeom prst="rightArrow">
-            <a:avLst>
-              <a:gd name="adj1" fmla="val 50000"/>
-              <a:gd name="adj2" fmla="val 122916"/>
-            </a:avLst>
-          </a:prstGeom>
-        </p:spPr>
-        <p:style>
-          <a:lnRef idx="2">
-            <a:schemeClr val="dk1">
-              <a:shade val="50000"/>
-            </a:schemeClr>
-          </a:lnRef>
-          <a:fillRef idx="1">
-            <a:schemeClr val="dk1"/>
-          </a:fillRef>
-          <a:effectRef idx="0">
-            <a:schemeClr val="dk1"/>
-          </a:effectRef>
-          <a:fontRef idx="minor">
-            <a:schemeClr val="lt1"/>
-          </a:fontRef>
-        </p:style>
-        <p:txBody>
-          <a:bodyPr rtlCol="0" anchor="ctr"/>
-          <a:p>
-            <a:pPr algn="ctr"/>
-            <a:endParaRPr lang="en-US"/>
-          </a:p>
-        </p:txBody>
-      </p:sp>
-      <p:sp>
-        <p:nvSpPr>
-          <p:cNvPr id="30" name="Text Box 29"/>
-          <p:cNvSpPr txBox="true"/>
-          <p:nvPr/>
-        </p:nvSpPr>
-        <p:spPr>
-          <a:xfrm>
-            <a:off x="6360795" y="3795395"/>
-            <a:ext cx="5663565" cy="368300"/>
-          </a:xfrm>
-          <a:prstGeom prst="rect">
-            <a:avLst/>
-          </a:prstGeom>
-          <a:noFill/>
-        </p:spPr>
-        <p:txBody>
-          <a:bodyPr wrap="square" rtlCol="0">
-            <a:spAutoFit/>
-          </a:bodyPr>
-          <a:p>
-            <a:r>
-              <a:rPr lang="" altLang="en-US"/>
-              <a:t>in Hz</a:t>
-            </a:r>
-            <a:endParaRPr lang="" altLang="en-US"/>
-          </a:p>
-        </p:txBody>
-      </p:sp>
-      <p:sp>
-        <p:nvSpPr>
-          <p:cNvPr id="31" name="Right Arrow 30"/>
-          <p:cNvSpPr/>
-          <p:nvPr/>
-        </p:nvSpPr>
-        <p:spPr>
-          <a:xfrm>
-            <a:off x="4278630" y="3943985"/>
-            <a:ext cx="2019300" cy="91440"/>
-          </a:xfrm>
-          <a:prstGeom prst="rightArrow">
-            <a:avLst>
-              <a:gd name="adj1" fmla="val 50000"/>
-              <a:gd name="adj2" fmla="val 122916"/>
-            </a:avLst>
-          </a:prstGeom>
-        </p:spPr>
-        <p:style>
-          <a:lnRef idx="2">
-            <a:schemeClr val="dk1">
-              <a:shade val="50000"/>
-            </a:schemeClr>
-          </a:lnRef>
-          <a:fillRef idx="1">
-            <a:schemeClr val="dk1"/>
-          </a:fillRef>
-          <a:effectRef idx="0">
-            <a:schemeClr val="dk1"/>
-          </a:effectRef>
-          <a:fontRef idx="minor">
-            <a:schemeClr val="lt1"/>
-          </a:fontRef>
-        </p:style>
-        <p:txBody>
-          <a:bodyPr rtlCol="0" anchor="ctr"/>
-          <a:p>
-            <a:pPr algn="ctr"/>
-            <a:endParaRPr lang="en-US"/>
-          </a:p>
-        </p:txBody>
-      </p:sp>
-      <p:sp>
-        <p:nvSpPr>
-          <p:cNvPr id="32" name="Text Box 31"/>
-          <p:cNvSpPr txBox="true"/>
-          <p:nvPr/>
-        </p:nvSpPr>
-        <p:spPr>
-          <a:xfrm>
-            <a:off x="6360795" y="3565525"/>
-            <a:ext cx="5663565" cy="368300"/>
-          </a:xfrm>
-          <a:prstGeom prst="rect">
-            <a:avLst/>
-          </a:prstGeom>
-          <a:noFill/>
-        </p:spPr>
-        <p:txBody>
-          <a:bodyPr wrap="square" rtlCol="0">
-            <a:spAutoFit/>
-          </a:bodyPr>
-          <a:p>
-            <a:r>
-              <a:rPr lang="en-US" altLang="en-US"/>
-              <a:t>in Hz</a:t>
-            </a:r>
-            <a:endParaRPr lang="en-US" altLang="en-US"/>
-          </a:p>
-        </p:txBody>
-      </p:sp>
-      <p:sp>
-        <p:nvSpPr>
-          <p:cNvPr id="33" name="Right Arrow 32"/>
-          <p:cNvSpPr/>
-          <p:nvPr/>
-        </p:nvSpPr>
-        <p:spPr>
-          <a:xfrm>
-            <a:off x="4278630" y="3703955"/>
-            <a:ext cx="2019300" cy="91440"/>
-          </a:xfrm>
-          <a:prstGeom prst="rightArrow">
-            <a:avLst>
-              <a:gd name="adj1" fmla="val 50000"/>
-              <a:gd name="adj2" fmla="val 122916"/>
-            </a:avLst>
-          </a:prstGeom>
-        </p:spPr>
-        <p:style>
-          <a:lnRef idx="2">
-            <a:schemeClr val="dk1">
-              <a:shade val="50000"/>
-            </a:schemeClr>
-          </a:lnRef>
-          <a:fillRef idx="1">
-            <a:schemeClr val="dk1"/>
-          </a:fillRef>
-          <a:effectRef idx="0">
-            <a:schemeClr val="dk1"/>
-          </a:effectRef>
-          <a:fontRef idx="minor">
-            <a:schemeClr val="lt1"/>
-          </a:fontRef>
-        </p:style>
-        <p:txBody>
-          <a:bodyPr rtlCol="0" anchor="ctr"/>
-          <a:p>
-            <a:pPr algn="ctr"/>
-            <a:endParaRPr lang="en-US"/>
-          </a:p>
-        </p:txBody>
-      </p:sp>
-      <p:sp>
-        <p:nvSpPr>
-          <p:cNvPr id="52" name="Text Box 51"/>
-          <p:cNvSpPr txBox="true"/>
-          <p:nvPr/>
-        </p:nvSpPr>
-        <p:spPr>
-          <a:xfrm>
-            <a:off x="4585970" y="2044700"/>
-            <a:ext cx="5131435" cy="368300"/>
-          </a:xfrm>
-          <a:prstGeom prst="rect">
-            <a:avLst/>
-          </a:prstGeom>
-          <a:noFill/>
-        </p:spPr>
-        <p:txBody>
-          <a:bodyPr wrap="square" rtlCol="0">
-            <a:spAutoFit/>
-          </a:bodyPr>
-          <a:p>
-            <a:r>
-              <a:rPr lang="en-US" altLang="en-US"/>
-              <a:t>No. of iteration</a:t>
-            </a:r>
-            <a:endParaRPr lang="en-US" altLang="en-US"/>
-          </a:p>
-        </p:txBody>
-      </p:sp>
-      <p:sp>
-        <p:nvSpPr>
-          <p:cNvPr id="53" name="Text Box 52"/>
-          <p:cNvSpPr txBox="true"/>
-          <p:nvPr/>
-        </p:nvSpPr>
-        <p:spPr>
-          <a:xfrm>
-            <a:off x="4585970" y="2498090"/>
-            <a:ext cx="5131435" cy="368300"/>
-          </a:xfrm>
-          <a:prstGeom prst="rect">
-            <a:avLst/>
-          </a:prstGeom>
-          <a:noFill/>
-        </p:spPr>
-        <p:txBody>
-          <a:bodyPr wrap="square" rtlCol="0">
-            <a:spAutoFit/>
-          </a:bodyPr>
-          <a:p>
-            <a:r>
-              <a:rPr lang="en-US" altLang="en-US"/>
-              <a:t>minmum Vp</a:t>
-            </a:r>
-            <a:endParaRPr lang="en-US" altLang="en-US"/>
-          </a:p>
-        </p:txBody>
-      </p:sp>
-      <p:sp>
-        <p:nvSpPr>
-          <p:cNvPr id="54" name="Text Box 53"/>
-          <p:cNvSpPr txBox="true"/>
-          <p:nvPr/>
-        </p:nvSpPr>
-        <p:spPr>
-          <a:xfrm>
-            <a:off x="4585970" y="2278380"/>
-            <a:ext cx="5131435" cy="368300"/>
-          </a:xfrm>
-          <a:prstGeom prst="rect">
-            <a:avLst/>
-          </a:prstGeom>
-          <a:noFill/>
-        </p:spPr>
-        <p:txBody>
-          <a:bodyPr wrap="square" rtlCol="0">
-            <a:spAutoFit/>
-          </a:bodyPr>
-          <a:p>
-            <a:r>
-              <a:rPr lang="" altLang="en-US"/>
-              <a:t>maximum </a:t>
-            </a:r>
-            <a:r>
-              <a:rPr lang="en-US" altLang="en-US"/>
-              <a:t>Vp</a:t>
-            </a:r>
-            <a:endParaRPr lang="en-US" altLang="en-US"/>
-          </a:p>
-        </p:txBody>
-      </p:sp>
-      <p:sp>
-        <p:nvSpPr>
-          <p:cNvPr id="55" name="Right Arrow 54"/>
-          <p:cNvSpPr/>
-          <p:nvPr/>
-        </p:nvSpPr>
-        <p:spPr>
-          <a:xfrm>
-            <a:off x="4128770" y="2169795"/>
-            <a:ext cx="457200" cy="91440"/>
-          </a:xfrm>
-          <a:prstGeom prst="rightArrow">
-            <a:avLst>
-              <a:gd name="adj1" fmla="val 50000"/>
-              <a:gd name="adj2" fmla="val 122916"/>
-            </a:avLst>
-          </a:prstGeom>
-        </p:spPr>
-        <p:style>
-          <a:lnRef idx="2">
-            <a:schemeClr val="dk1">
-              <a:shade val="50000"/>
-            </a:schemeClr>
-          </a:lnRef>
-          <a:fillRef idx="1">
-            <a:schemeClr val="dk1"/>
-          </a:fillRef>
-          <a:effectRef idx="0">
-            <a:schemeClr val="dk1"/>
-          </a:effectRef>
-          <a:fontRef idx="minor">
-            <a:schemeClr val="lt1"/>
-          </a:fontRef>
-        </p:style>
-        <p:txBody>
-          <a:bodyPr rtlCol="0" anchor="ctr"/>
-          <a:p>
-            <a:pPr algn="ctr"/>
-            <a:endParaRPr lang="en-US"/>
-          </a:p>
-        </p:txBody>
-      </p:sp>
-      <p:sp>
-        <p:nvSpPr>
-          <p:cNvPr id="56" name="Right Arrow 55"/>
-          <p:cNvSpPr/>
-          <p:nvPr/>
-        </p:nvSpPr>
-        <p:spPr>
-          <a:xfrm>
-            <a:off x="4128770" y="2426335"/>
-            <a:ext cx="457200" cy="91440"/>
-          </a:xfrm>
-          <a:prstGeom prst="rightArrow">
-            <a:avLst>
-              <a:gd name="adj1" fmla="val 50000"/>
-              <a:gd name="adj2" fmla="val 122916"/>
-            </a:avLst>
-          </a:prstGeom>
-        </p:spPr>
-        <p:style>
-          <a:lnRef idx="2">
-            <a:schemeClr val="dk1">
-              <a:shade val="50000"/>
-            </a:schemeClr>
-          </a:lnRef>
-          <a:fillRef idx="1">
-            <a:schemeClr val="dk1"/>
-          </a:fillRef>
-          <a:effectRef idx="0">
-            <a:schemeClr val="dk1"/>
-          </a:effectRef>
-          <a:fontRef idx="minor">
-            <a:schemeClr val="lt1"/>
-          </a:fontRef>
-        </p:style>
-        <p:txBody>
-          <a:bodyPr rtlCol="0" anchor="ctr"/>
-          <a:p>
-            <a:pPr algn="ctr"/>
-            <a:endParaRPr lang="en-US"/>
-          </a:p>
-        </p:txBody>
-      </p:sp>
-      <p:sp>
-        <p:nvSpPr>
-          <p:cNvPr id="57" name="Right Arrow 56"/>
-          <p:cNvSpPr/>
-          <p:nvPr/>
-        </p:nvSpPr>
-        <p:spPr>
-          <a:xfrm>
-            <a:off x="4128770" y="2651125"/>
-            <a:ext cx="457200" cy="91440"/>
-          </a:xfrm>
-          <a:prstGeom prst="rightArrow">
-            <a:avLst>
-              <a:gd name="adj1" fmla="val 50000"/>
-              <a:gd name="adj2" fmla="val 122916"/>
-            </a:avLst>
-          </a:prstGeom>
-        </p:spPr>
-        <p:style>
-          <a:lnRef idx="2">
-            <a:schemeClr val="dk1">
-              <a:shade val="50000"/>
-            </a:schemeClr>
-          </a:lnRef>
-          <a:fillRef idx="1">
-            <a:schemeClr val="dk1"/>
-          </a:fillRef>
-          <a:effectRef idx="0">
-            <a:schemeClr val="dk1"/>
-          </a:effectRef>
-          <a:fontRef idx="minor">
-            <a:schemeClr val="lt1"/>
-          </a:fontRef>
-        </p:style>
-        <p:txBody>
-          <a:bodyPr rtlCol="0" anchor="ctr"/>
-          <a:p>
-            <a:pPr algn="ctr"/>
-            <a:endParaRPr lang="en-US"/>
-          </a:p>
-        </p:txBody>
-      </p:sp>
-    </p:spTree>
-  </p:cSld>
-  <p:clrMapOvr>
-    <a:masterClrMapping/>
-  </p:clrMapOvr>
-</p:sld>
-</file>
-
-<file path=ppt/slides/slide6.xml><?xml version="1.0" encoding="utf-8"?>
-<p:sld xmlns:a="http://schemas.openxmlformats.org/drawingml/2006/main" xmlns:r="http://schemas.openxmlformats.org/officeDocument/2006/relationships" xmlns:p="http://schemas.openxmlformats.org/presentationml/2006/main">
-  <p:cSld>
-    <p:spTree>
-      <p:nvGrpSpPr>
-        <p:cNvPr id="1" name=""/>
-        <p:cNvGrpSpPr/>
-        <p:nvPr/>
-      </p:nvGrpSpPr>
-      <p:grpSpPr/>
-      <p:pic>
-        <p:nvPicPr>
-          <p:cNvPr id="4" name="Picture 3" descr="Screenshot from 2021-07-05 21-28-50"/>
-          <p:cNvPicPr>
-            <a:picLocks noChangeAspect="true"/>
-          </p:cNvPicPr>
-          <p:nvPr/>
-        </p:nvPicPr>
-        <p:blipFill>
-          <a:blip r:embed="rId1"/>
-          <a:stretch>
-            <a:fillRect/>
-          </a:stretch>
-        </p:blipFill>
-        <p:spPr>
-          <a:xfrm>
-            <a:off x="541020" y="596900"/>
-            <a:ext cx="4705350" cy="2933700"/>
-          </a:xfrm>
-          <a:prstGeom prst="rect">
-            <a:avLst/>
-          </a:prstGeom>
-        </p:spPr>
-      </p:pic>
-      <p:sp>
-        <p:nvSpPr>
-          <p:cNvPr id="10" name="Right Arrow 9"/>
-          <p:cNvSpPr/>
-          <p:nvPr/>
-        </p:nvSpPr>
-        <p:spPr>
-          <a:xfrm>
-            <a:off x="4724400" y="1452245"/>
-            <a:ext cx="1193800" cy="101600"/>
-          </a:xfrm>
-          <a:prstGeom prst="rightArrow">
-            <a:avLst>
-              <a:gd name="adj1" fmla="val 50000"/>
-              <a:gd name="adj2" fmla="val 122916"/>
-            </a:avLst>
-          </a:prstGeom>
-        </p:spPr>
-        <p:style>
-          <a:lnRef idx="2">
-            <a:schemeClr val="dk1">
-              <a:shade val="50000"/>
-            </a:schemeClr>
-          </a:lnRef>
-          <a:fillRef idx="1">
-            <a:schemeClr val="dk1"/>
-          </a:fillRef>
-          <a:effectRef idx="0">
-            <a:schemeClr val="dk1"/>
-          </a:effectRef>
-          <a:fontRef idx="minor">
-            <a:schemeClr val="lt1"/>
-          </a:fontRef>
-        </p:style>
-        <p:txBody>
-          <a:bodyPr rtlCol="0" anchor="ctr"/>
-          <a:p>
-            <a:pPr algn="ctr"/>
-            <a:endParaRPr lang="en-US"/>
-          </a:p>
-        </p:txBody>
-      </p:sp>
-      <p:sp>
-        <p:nvSpPr>
-          <p:cNvPr id="22" name="Text Box 21"/>
-          <p:cNvSpPr txBox="true"/>
-          <p:nvPr/>
-        </p:nvSpPr>
-        <p:spPr>
-          <a:xfrm>
-            <a:off x="6024245" y="1281430"/>
-            <a:ext cx="6012180" cy="368300"/>
-          </a:xfrm>
-          <a:prstGeom prst="rect">
-            <a:avLst/>
-          </a:prstGeom>
-          <a:noFill/>
-        </p:spPr>
-        <p:txBody>
-          <a:bodyPr wrap="square" rtlCol="0">
-            <a:spAutoFit/>
-          </a:bodyPr>
-          <a:p>
-            <a:r>
-              <a:rPr lang="" altLang="en-US"/>
-              <a:t>view a txt file (no nx &amp; nz) or binary file (</a:t>
-            </a:r>
-            <a:r>
-              <a:rPr lang="" altLang="en-US" b="1">
-                <a:solidFill>
-                  <a:srgbClr val="FF0000"/>
-                </a:solidFill>
-              </a:rPr>
-              <a:t>require nx &amp; nz</a:t>
-            </a:r>
-            <a:r>
-              <a:rPr lang="" altLang="en-US"/>
-              <a:t>)</a:t>
-            </a:r>
-            <a:endParaRPr lang="" altLang="en-US"/>
-          </a:p>
-        </p:txBody>
-      </p:sp>
-      <p:sp>
-        <p:nvSpPr>
-          <p:cNvPr id="6" name="Text Box 5"/>
-          <p:cNvSpPr txBox="true"/>
-          <p:nvPr/>
-        </p:nvSpPr>
-        <p:spPr>
-          <a:xfrm>
-            <a:off x="6024245" y="1691640"/>
-            <a:ext cx="5219065" cy="368300"/>
-          </a:xfrm>
-          <a:prstGeom prst="rect">
-            <a:avLst/>
-          </a:prstGeom>
-          <a:noFill/>
-        </p:spPr>
-        <p:txBody>
-          <a:bodyPr wrap="square" rtlCol="0">
-            <a:spAutoFit/>
-          </a:bodyPr>
-          <a:p>
-            <a:r>
-              <a:rPr lang="" altLang="en-US"/>
-              <a:t>convert a</a:t>
-            </a:r>
-            <a:r>
-              <a:rPr lang="en-US" altLang="en-US"/>
-              <a:t> binary file</a:t>
-            </a:r>
-            <a:r>
-              <a:rPr lang="" altLang="en-US"/>
-              <a:t> to txt file </a:t>
-            </a:r>
-            <a:r>
-              <a:rPr lang="en-US" altLang="en-US"/>
-              <a:t>(</a:t>
-            </a:r>
-            <a:r>
-              <a:rPr lang="en-US" altLang="en-US" b="1">
-                <a:solidFill>
-                  <a:srgbClr val="FF0000"/>
-                </a:solidFill>
-              </a:rPr>
-              <a:t>require nx </a:t>
-            </a:r>
-            <a:r>
-              <a:rPr lang="" altLang="en-US" b="1">
-                <a:solidFill>
-                  <a:srgbClr val="FF0000"/>
-                </a:solidFill>
-              </a:rPr>
-              <a:t>&amp; </a:t>
-            </a:r>
-            <a:r>
-              <a:rPr lang="en-US" altLang="en-US" b="1">
-                <a:solidFill>
-                  <a:srgbClr val="FF0000"/>
-                </a:solidFill>
-              </a:rPr>
-              <a:t>nz</a:t>
-            </a:r>
-            <a:r>
-              <a:rPr lang="en-US" altLang="en-US"/>
-              <a:t>)</a:t>
-            </a:r>
-            <a:endParaRPr lang="en-US" altLang="en-US"/>
-          </a:p>
-        </p:txBody>
-      </p:sp>
-      <p:sp>
-        <p:nvSpPr>
-          <p:cNvPr id="7" name="Right Arrow 6"/>
-          <p:cNvSpPr/>
-          <p:nvPr/>
-        </p:nvSpPr>
-        <p:spPr>
-          <a:xfrm>
-            <a:off x="4724400" y="1824990"/>
-            <a:ext cx="1193800" cy="101600"/>
-          </a:xfrm>
-          <a:prstGeom prst="rightArrow">
-            <a:avLst>
-              <a:gd name="adj1" fmla="val 50000"/>
-              <a:gd name="adj2" fmla="val 122916"/>
-            </a:avLst>
-          </a:prstGeom>
-        </p:spPr>
-        <p:style>
-          <a:lnRef idx="2">
-            <a:schemeClr val="dk1">
-              <a:shade val="50000"/>
-            </a:schemeClr>
-          </a:lnRef>
-          <a:fillRef idx="1">
-            <a:schemeClr val="dk1"/>
-          </a:fillRef>
-          <a:effectRef idx="0">
-            <a:schemeClr val="dk1"/>
-          </a:effectRef>
-          <a:fontRef idx="minor">
-            <a:schemeClr val="lt1"/>
-          </a:fontRef>
-        </p:style>
-        <p:txBody>
-          <a:bodyPr rtlCol="0" anchor="ctr"/>
-          <a:p>
-            <a:pPr algn="ctr"/>
-            <a:endParaRPr lang="en-US"/>
-          </a:p>
-        </p:txBody>
-      </p:sp>
-      <p:sp>
-        <p:nvSpPr>
-          <p:cNvPr id="8" name="Text Box 7"/>
-          <p:cNvSpPr txBox="true"/>
-          <p:nvPr/>
-        </p:nvSpPr>
-        <p:spPr>
-          <a:xfrm>
-            <a:off x="6024245" y="2059940"/>
-            <a:ext cx="5219065" cy="922020"/>
-          </a:xfrm>
-          <a:prstGeom prst="rect">
-            <a:avLst/>
-          </a:prstGeom>
-          <a:noFill/>
-        </p:spPr>
-        <p:txBody>
-          <a:bodyPr wrap="square" rtlCol="0">
-            <a:spAutoFit/>
-          </a:bodyPr>
-          <a:p>
-            <a:r>
-              <a:rPr lang="" altLang="en-US"/>
-              <a:t>smooth a model stored in the </a:t>
-            </a:r>
-            <a:r>
-              <a:rPr lang="en-US" altLang="en-US">
-                <a:sym typeface="+mn-ea"/>
-              </a:rPr>
-              <a:t>txt file</a:t>
-            </a:r>
-            <a:r>
-              <a:rPr lang="en-US" altLang="en-US"/>
-              <a:t>a</a:t>
-            </a:r>
-            <a:r>
-              <a:rPr lang="" altLang="en-US"/>
-              <a:t>. </a:t>
-            </a:r>
-            <a:r>
-              <a:rPr lang="" altLang="en-US" b="1">
-                <a:solidFill>
-                  <a:srgbClr val="FF0000"/>
-                </a:solidFill>
-              </a:rPr>
-              <a:t>sp </a:t>
-            </a:r>
-            <a:r>
-              <a:rPr lang="" altLang="en-US"/>
-              <a:t>means the smooth radius, and </a:t>
-            </a:r>
-            <a:r>
-              <a:rPr lang="" altLang="en-US" b="1">
-                <a:solidFill>
-                  <a:srgbClr val="FF0000"/>
-                </a:solidFill>
-              </a:rPr>
-              <a:t>mt </a:t>
-            </a:r>
-            <a:r>
-              <a:rPr lang="" altLang="en-US"/>
-              <a:t>means the top mute for water layer.</a:t>
-            </a:r>
-            <a:endParaRPr lang="en-US" altLang="en-US"/>
-          </a:p>
-        </p:txBody>
-      </p:sp>
-      <p:sp>
-        <p:nvSpPr>
-          <p:cNvPr id="9" name="Right Arrow 8"/>
-          <p:cNvSpPr/>
-          <p:nvPr/>
-        </p:nvSpPr>
-        <p:spPr>
-          <a:xfrm>
-            <a:off x="4724400" y="2193290"/>
-            <a:ext cx="1193800" cy="101600"/>
-          </a:xfrm>
-          <a:prstGeom prst="rightArrow">
-            <a:avLst>
-              <a:gd name="adj1" fmla="val 50000"/>
-              <a:gd name="adj2" fmla="val 122916"/>
-            </a:avLst>
-          </a:prstGeom>
-        </p:spPr>
-        <p:style>
-          <a:lnRef idx="2">
-            <a:schemeClr val="dk1">
-              <a:shade val="50000"/>
-            </a:schemeClr>
-          </a:lnRef>
-          <a:fillRef idx="1">
-            <a:schemeClr val="dk1"/>
-          </a:fillRef>
-          <a:effectRef idx="0">
-            <a:schemeClr val="dk1"/>
-          </a:effectRef>
-          <a:fontRef idx="minor">
-            <a:schemeClr val="lt1"/>
-          </a:fontRef>
-        </p:style>
-        <p:txBody>
-          <a:bodyPr rtlCol="0" anchor="ctr"/>
-          <a:p>
-            <a:pPr algn="ctr"/>
-            <a:endParaRPr lang="en-US"/>
-          </a:p>
-        </p:txBody>
-      </p:sp>
-      <p:sp>
-        <p:nvSpPr>
-          <p:cNvPr id="11" name="Text Box 10"/>
-          <p:cNvSpPr txBox="true"/>
-          <p:nvPr/>
-        </p:nvSpPr>
-        <p:spPr>
-          <a:xfrm>
-            <a:off x="608965" y="4081145"/>
-            <a:ext cx="10728325" cy="1476375"/>
-          </a:xfrm>
-          <a:prstGeom prst="rect">
-            <a:avLst/>
-          </a:prstGeom>
-          <a:noFill/>
-        </p:spPr>
-        <p:txBody>
-          <a:bodyPr wrap="square" rtlCol="0">
-            <a:spAutoFit/>
-          </a:bodyPr>
-          <a:p>
-            <a:pPr fontAlgn="auto">
-              <a:lnSpc>
-                <a:spcPct val="150000"/>
-              </a:lnSpc>
-            </a:pPr>
-            <a:r>
-              <a:rPr lang="" altLang="en-US" sz="2000" b="1">
-                <a:solidFill>
-                  <a:srgbClr val="0000FF"/>
-                </a:solidFill>
-              </a:rPr>
-              <a:t>Forward: </a:t>
-            </a:r>
-            <a:r>
-              <a:rPr lang="" altLang="en-US" sz="2000"/>
-              <a:t>run forward modeling to generate the synthetic dataset;</a:t>
-            </a:r>
-            <a:endParaRPr lang="" altLang="en-US" sz="2000"/>
-          </a:p>
-          <a:p>
-            <a:pPr fontAlgn="auto">
-              <a:lnSpc>
-                <a:spcPct val="150000"/>
-              </a:lnSpc>
-            </a:pPr>
-            <a:r>
-              <a:rPr lang="" altLang="en-US" sz="2000" b="1">
-                <a:solidFill>
-                  <a:srgbClr val="FF0000"/>
-                </a:solidFill>
-              </a:rPr>
-              <a:t>FWI:</a:t>
-            </a:r>
-            <a:r>
-              <a:rPr lang="" altLang="en-US" sz="2000"/>
-              <a:t> run full-waveform inversion. The initial model and the data should be both prepared;</a:t>
-            </a:r>
-            <a:endParaRPr lang="" altLang="en-US" sz="2000"/>
-          </a:p>
-          <a:p>
-            <a:pPr fontAlgn="auto">
-              <a:lnSpc>
-                <a:spcPct val="150000"/>
-              </a:lnSpc>
-            </a:pPr>
-            <a:r>
-              <a:rPr lang="" altLang="en-US" sz="2000" b="1">
-                <a:solidFill>
-                  <a:srgbClr val="007F00"/>
-                </a:solidFill>
-              </a:rPr>
-              <a:t>Clear:</a:t>
-            </a:r>
-            <a:r>
-              <a:rPr lang="" altLang="en-US" sz="2000"/>
-              <a:t> clear the output histories.</a:t>
-            </a:r>
-            <a:endParaRPr lang="" altLang="en-US" sz="2000"/>
+          <a:lstStyle/>
+          <a:p>
+            <a:r>
+              <a:rPr lang="en-US" sz="2400" b="1" dirty="0">
+                <a:latin typeface="Times New Roman" panose="02020603050405020304" pitchFamily="18" charset="0"/>
+                <a:cs typeface="Times New Roman" panose="02020603050405020304" pitchFamily="18" charset="0"/>
+              </a:rPr>
+              <a:t>Parameters for Acquisition</a:t>
+            </a:r>
+            <a:endParaRPr lang="en-CN" sz="2400" dirty="0"/>
           </a:p>
         </p:txBody>
       </p:sp>
@@ -7535,7 +7642,7 @@
         <a:solidFill>
           <a:schemeClr val="phClr"/>
         </a:solidFill>
-        <a:gradFill rotWithShape="true">
+        <a:gradFill rotWithShape="1">
           <a:gsLst>
             <a:gs pos="0">
               <a:schemeClr val="phClr">
@@ -7559,9 +7666,9 @@
               </a:schemeClr>
             </a:gs>
           </a:gsLst>
-          <a:lin ang="5400000" scaled="false"/>
+          <a:lin ang="5400000" scaled="0"/>
         </a:gradFill>
-        <a:gradFill rotWithShape="true">
+        <a:gradFill rotWithShape="1">
           <a:gsLst>
             <a:gs pos="0">
               <a:schemeClr val="phClr">
@@ -7585,7 +7692,7 @@
               </a:schemeClr>
             </a:gs>
           </a:gsLst>
-          <a:lin ang="5400000" scaled="false"/>
+          <a:lin ang="5400000" scaled="0"/>
         </a:gradFill>
       </a:fillStyleLst>
       <a:lnStyleLst>
@@ -7638,7 +7745,7 @@
             <a:satMod val="170000"/>
           </a:schemeClr>
         </a:solidFill>
-        <a:gradFill rotWithShape="true">
+        <a:gradFill rotWithShape="1">
           <a:gsLst>
             <a:gs pos="0">
               <a:schemeClr val="phClr">
@@ -7663,11 +7770,13 @@
               </a:schemeClr>
             </a:gs>
           </a:gsLst>
-          <a:lin ang="5400000" scaled="false"/>
+          <a:lin ang="5400000" scaled="0"/>
         </a:gradFill>
       </a:bgFillStyleLst>
     </a:fmtScheme>
   </a:themeElements>
+  <a:objectDefaults/>
+  <a:extraClrSchemeLst/>
   <a:extLst>
     <a:ext uri="{05A4C25C-085E-4340-85A3-A5531E510DB2}">
       <thm15:themeFamily xmlns:thm15="http://schemas.microsoft.com/office/thememl/2012/main" name="Office Theme" id="{62F939B6-93AF-4DB8-9C6B-D6C7DFDC589F}" vid="{4A3C46E8-61CC-4603-A589-7422A47A8E4A}"/>
@@ -7794,7 +7903,7 @@
         <a:solidFill>
           <a:schemeClr val="phClr"/>
         </a:solidFill>
-        <a:gradFill rotWithShape="true">
+        <a:gradFill rotWithShape="1">
           <a:gsLst>
             <a:gs pos="0">
               <a:schemeClr val="phClr">
@@ -7818,9 +7927,9 @@
               </a:schemeClr>
             </a:gs>
           </a:gsLst>
-          <a:lin ang="5400000" scaled="false"/>
+          <a:lin ang="5400000" scaled="0"/>
         </a:gradFill>
-        <a:gradFill rotWithShape="true">
+        <a:gradFill rotWithShape="1">
           <a:gsLst>
             <a:gs pos="0">
               <a:schemeClr val="phClr">
@@ -7844,7 +7953,7 @@
               </a:schemeClr>
             </a:gs>
           </a:gsLst>
-          <a:lin ang="5400000" scaled="false"/>
+          <a:lin ang="5400000" scaled="0"/>
         </a:gradFill>
       </a:fillStyleLst>
       <a:lnStyleLst>
@@ -7897,7 +8006,7 @@
             <a:satMod val="170000"/>
           </a:schemeClr>
         </a:solidFill>
-        <a:gradFill rotWithShape="true">
+        <a:gradFill rotWithShape="1">
           <a:gsLst>
             <a:gs pos="0">
               <a:schemeClr val="phClr">
@@ -7922,11 +8031,13 @@
               </a:schemeClr>
             </a:gs>
           </a:gsLst>
-          <a:lin ang="5400000" scaled="false"/>
+          <a:lin ang="5400000" scaled="0"/>
         </a:gradFill>
       </a:bgFillStyleLst>
     </a:fmtScheme>
   </a:themeElements>
+  <a:objectDefaults/>
+  <a:extraClrSchemeLst/>
   <a:extLst>
     <a:ext uri="{05A4C25C-085E-4340-85A3-A5531E510DB2}">
       <thm15:themeFamily xmlns:thm15="http://schemas.microsoft.com/office/thememl/2012/main" name="Office Theme" id="{62F939B6-93AF-4DB8-9C6B-D6C7DFDC589F}" vid="{4A3C46E8-61CC-4603-A589-7422A47A8E4A}"/>
@@ -8053,7 +8164,7 @@
         <a:solidFill>
           <a:schemeClr val="phClr"/>
         </a:solidFill>
-        <a:gradFill rotWithShape="true">
+        <a:gradFill rotWithShape="1">
           <a:gsLst>
             <a:gs pos="0">
               <a:schemeClr val="phClr">
@@ -8077,9 +8188,9 @@
               </a:schemeClr>
             </a:gs>
           </a:gsLst>
-          <a:lin ang="5400000" scaled="false"/>
+          <a:lin ang="5400000" scaled="0"/>
         </a:gradFill>
-        <a:gradFill rotWithShape="true">
+        <a:gradFill rotWithShape="1">
           <a:gsLst>
             <a:gs pos="0">
               <a:schemeClr val="phClr">
@@ -8103,7 +8214,7 @@
               </a:schemeClr>
             </a:gs>
           </a:gsLst>
-          <a:lin ang="5400000" scaled="false"/>
+          <a:lin ang="5400000" scaled="0"/>
         </a:gradFill>
       </a:fillStyleLst>
       <a:lnStyleLst>
@@ -8156,7 +8267,7 @@
             <a:satMod val="170000"/>
           </a:schemeClr>
         </a:solidFill>
-        <a:gradFill rotWithShape="true">
+        <a:gradFill rotWithShape="1">
           <a:gsLst>
             <a:gs pos="0">
               <a:schemeClr val="phClr">
@@ -8181,11 +8292,13 @@
               </a:schemeClr>
             </a:gs>
           </a:gsLst>
-          <a:lin ang="5400000" scaled="false"/>
+          <a:lin ang="5400000" scaled="0"/>
         </a:gradFill>
       </a:bgFillStyleLst>
     </a:fmtScheme>
   </a:themeElements>
+  <a:objectDefaults/>
+  <a:extraClrSchemeLst/>
   <a:extLst>
     <a:ext uri="{05A4C25C-085E-4340-85A3-A5531E510DB2}">
       <thm15:themeFamily xmlns:thm15="http://schemas.microsoft.com/office/thememl/2012/main" name="Office Theme" id="{62F939B6-93AF-4DB8-9C6B-D6C7DFDC589F}" vid="{4A3C46E8-61CC-4603-A589-7422A47A8E4A}"/>
